--- a/aulas/04-projeto-heuristicas/slides.pptx
+++ b/aulas/04-projeto-heuristicas/slides.pptx
@@ -22,6 +22,19 @@
     <p:sldId id="269" r:id="rId18"/>
     <p:sldId id="270" r:id="rId19"/>
     <p:sldId id="271" r:id="rId20"/>
+    <p:sldId id="272" r:id="rId21"/>
+    <p:sldId id="273" r:id="rId22"/>
+    <p:sldId id="274" r:id="rId23"/>
+    <p:sldId id="275" r:id="rId24"/>
+    <p:sldId id="276" r:id="rId25"/>
+    <p:sldId id="277" r:id="rId26"/>
+    <p:sldId id="278" r:id="rId27"/>
+    <p:sldId id="279" r:id="rId28"/>
+    <p:sldId id="280" r:id="rId29"/>
+    <p:sldId id="281" r:id="rId30"/>
+    <p:sldId id="282" r:id="rId31"/>
+    <p:sldId id="283" r:id="rId32"/>
+    <p:sldId id="284" r:id="rId33"/>
   </p:sldIdLst>
   <p:sldSz cx="9144000" cy="6858000" type="screen4x3"/>
   <p:notesSz cx="6858000" cy="9144000"/>
@@ -12800,7 +12813,7 @@
                 <a:ea typeface="Verdana"/>
                 <a:cs typeface="Verdana"/>
               </a:rPr>
-              <a:t>Aula 4 – Projeto</a:t>
+              <a:t>Aula 4 – Heurísticas + Projeto</a:t>
             </a:r>
             <a:endParaRPr sz="2000" b="0" i="0" u="none" strike="noStrike" cap="none">
               <a:solidFill>
@@ -13072,13 +13085,13 @@
       </p:grpSpPr>
       <p:sp>
         <p:nvSpPr>
-          <p:cNvPr id="4" name="Google Shape;347;p64" hidden="0"/>
+          <p:cNvPr id="4" name="Google Shape;267;p55" hidden="0"/>
           <p:cNvSpPr/>
           <p:nvPr isPhoto="0" userDrawn="0"/>
         </p:nvSpPr>
         <p:spPr bwMode="auto">
           <a:xfrm>
-            <a:off x="457200" y="2920659"/>
+            <a:off x="457200" y="781200"/>
             <a:ext cx="8228520" cy="618120"/>
           </a:xfrm>
           <a:prstGeom prst="rect">
@@ -13095,7 +13108,7 @@
           </a:bodyPr>
           <a:lstStyle/>
           <a:p>
-            <a:pPr marL="0" marR="0" lvl="0" indent="0" algn="ctr">
+            <a:pPr marL="0" marR="0" lvl="0" indent="0" algn="l">
               <a:lnSpc>
                 <a:spcPct val="100000"/>
               </a:lnSpc>
@@ -13109,7 +13122,7 @@
               <a:defRPr/>
             </a:pPr>
             <a:r>
-              <a:rPr lang="pt-BR" sz="3600" b="1" i="0" u="none" strike="noStrike" cap="none">
+              <a:rPr lang="pt-BR" sz="3200" b="0" i="0" u="none" strike="noStrike" cap="none">
                 <a:solidFill>
                   <a:srgbClr val="C00026"/>
                 </a:solidFill>
@@ -13117,9 +13130,9 @@
                 <a:ea typeface="Verdana"/>
                 <a:cs typeface="Verdana"/>
               </a:rPr>
-              <a:t>Atividade prática</a:t>
+              <a:t>A mochila binária</a:t>
             </a:r>
-            <a:endParaRPr sz="3600" b="1" i="0" u="none" strike="noStrike" cap="none">
+            <a:endParaRPr sz="3200" b="0" i="0" u="none" strike="noStrike" cap="none">
               <a:solidFill>
                 <a:schemeClr val="dk1"/>
               </a:solidFill>
@@ -13132,7 +13145,7 @@
       </p:sp>
       <p:sp>
         <p:nvSpPr>
-          <p:cNvPr id="5" name="Google Shape;348;p64" hidden="0"/>
+          <p:cNvPr id="5" name="Google Shape;268;p55" hidden="0"/>
           <p:cNvSpPr/>
           <p:nvPr isPhoto="0" userDrawn="0"/>
         </p:nvSpPr>
@@ -13171,7 +13184,7 @@
       </p:sp>
       <p:sp>
         <p:nvSpPr>
-          <p:cNvPr id="6" name="Google Shape;349;p64" hidden="0"/>
+          <p:cNvPr id="6" name="Google Shape;269;p55" hidden="0"/>
           <p:cNvSpPr/>
           <p:nvPr isPhoto="0" userDrawn="0"/>
         </p:nvSpPr>
@@ -13207,7 +13220,7 @@
               <a:buNone/>
               <a:defRPr/>
             </a:pPr>
-            <a:fld id="{97EB1981-4163-74B3-5B47-4934A2BD21C9}" type="slidenum">
+            <a:fld id="{65FDD688-9933-660E-5D93-5B6A6949647A}" type="slidenum">
               <a:rPr lang="pt-BR" sz="1000" b="0" i="0" u="none" strike="noStrike" cap="none">
                 <a:solidFill>
                   <a:srgbClr val="B2B2B2"/>
@@ -13231,64 +13244,152 @@
       </p:sp>
       <p:sp>
         <p:nvSpPr>
-          <p:cNvPr id="7" name="" hidden="0"/>
-          <p:cNvSpPr/>
+          <p:cNvPr id="7" name="Google Shape;270;p55" hidden="0"/>
+          <p:cNvSpPr>
+            <a:spLocks noAdjustHandles="0" noChangeArrowheads="0"/>
+          </p:cNvSpPr>
           <p:nvPr isPhoto="0" userDrawn="0"/>
         </p:nvSpPr>
         <p:spPr bwMode="auto">
           <a:xfrm flipH="0" flipV="0">
-            <a:off x="724677" y="4088421"/>
-            <a:ext cx="8137933" cy="363449"/>
+            <a:off x="309225" y="1588485"/>
+            <a:ext cx="8704379" cy="4976426"/>
           </a:xfrm>
           <a:prstGeom prst="rect">
             <a:avLst/>
           </a:prstGeom>
           <a:noFill/>
+          <a:ln>
+            <a:noFill/>
+          </a:ln>
         </p:spPr>
         <p:txBody>
-          <a:bodyPr vertOverflow="overflow" horzOverflow="clip" vert="horz" wrap="square" lIns="91440" tIns="45720" rIns="91440" bIns="45720" numCol="1" spcCol="0" rtlCol="0" fromWordArt="0" anchor="t" anchorCtr="0" forceAA="0" upright="0" compatLnSpc="0">
+          <a:bodyPr spcFirstLastPara="1" wrap="square" lIns="91422" tIns="45694" rIns="91422" bIns="45694" anchor="t" anchorCtr="0">
             <a:noAutofit/>
           </a:bodyPr>
+          <a:lstStyle/>
           <a:p>
             <a:pPr>
               <a:defRPr/>
             </a:pPr>
             <a:r>
-              <a:rPr sz="2000" b="1"/>
-              <a:t>Profiling na prática</a:t>
+              <a:rPr sz="2400"/>
+              <a:t>Quais escolhas podem ser feitas?</a:t>
             </a:r>
-            <a:endParaRPr sz="2000" b="1"/>
+            <a:endParaRPr sz="2400"/>
+          </a:p>
+          <a:p>
+            <a:pPr marL="750015" lvl="1" indent="-349965">
+              <a:buFont typeface="Arial"/>
+              <a:buChar char="•"/>
+              <a:defRPr/>
+            </a:pPr>
+            <a:r>
+              <a:rPr sz="2000"/>
+              <a:t>Quais produtos pegar?</a:t>
+            </a:r>
+            <a:endParaRPr sz="2000"/>
           </a:p>
           <a:p>
             <a:pPr>
               <a:defRPr/>
             </a:pPr>
-            <a:endParaRPr sz="2000"/>
-          </a:p>
-          <a:p>
-            <a:pPr marL="305907" indent="-305907">
-              <a:buAutoNum type="arabicPeriod"/>
+            <a:endParaRPr/>
+          </a:p>
+          <a:p>
+            <a:pPr>
+              <a:defRPr/>
+            </a:pPr>
+            <a:endParaRPr/>
+          </a:p>
+          <a:p>
+            <a:pPr>
+              <a:defRPr/>
+            </a:pPr>
+            <a:endParaRPr/>
+          </a:p>
+          <a:p>
+            <a:pPr>
               <a:defRPr/>
             </a:pPr>
             <a:r>
-              <a:rPr sz="2000" b="0"/>
-              <a:t>Usar o KCachegrind para analisar nossa tentativa de otimização</a:t>
+              <a:rPr sz="2400"/>
+              <a:t>Qual é </a:t>
             </a:r>
-            <a:endParaRPr sz="2000" b="0"/>
-          </a:p>
-          <a:p>
-            <a:pPr marL="305906" indent="-305906">
-              <a:buAutoNum type="arabicPeriod"/>
-              <a:defRPr/>
-            </a:pPr>
             <a:r>
-              <a:rPr sz="2000" b="0"/>
-              <a:t>Fazer novas otimizações e medir seu desempenho</a:t>
+              <a:rPr sz="2400"/>
+              <a:t>a função objetivo?</a:t>
             </a:r>
-            <a:endParaRPr sz="2000" b="0"/>
+            <a:endParaRPr sz="2400"/>
+          </a:p>
+          <a:p>
+            <a:pPr marL="639871" lvl="1" indent="-239821">
+              <a:buFont typeface="Arial"/>
+              <a:buChar char="•"/>
+              <a:defRPr/>
+            </a:pPr>
+            <a:endParaRPr/>
+          </a:p>
+          <a:p>
+            <a:pPr>
+              <a:defRPr/>
+            </a:pPr>
+            <a:endParaRPr/>
+          </a:p>
+          <a:p>
+            <a:pPr>
+              <a:defRPr/>
+            </a:pPr>
+            <a:endParaRPr sz="2400"/>
+          </a:p>
+          <a:p>
+            <a:pPr>
+              <a:defRPr/>
+            </a:pPr>
+            <a:endParaRPr sz="2400"/>
+          </a:p>
+          <a:p>
+            <a:pPr>
+              <a:defRPr/>
+            </a:pPr>
+            <a:r>
+              <a:rPr sz="2400"/>
+              <a:t>Quais são as restrições?</a:t>
+            </a:r>
+            <a:endParaRPr sz="2400"/>
+          </a:p>
+          <a:p>
+            <a:pPr marL="750015" lvl="1" indent="-349965">
+              <a:buFont typeface="Arial"/>
+              <a:buChar char="•"/>
+              <a:defRPr/>
+            </a:pPr>
+            <a:endParaRPr/>
           </a:p>
         </p:txBody>
       </p:sp>
+      <p:pic>
+        <p:nvPicPr>
+          <p:cNvPr id="8" name="" hidden="0"/>
+          <p:cNvPicPr>
+            <a:picLocks noChangeAspect="1"/>
+          </p:cNvPicPr>
+          <p:nvPr isPhoto="0" userDrawn="0"/>
+        </p:nvPicPr>
+        <p:blipFill>
+          <a:blip r:embed="rId2"/>
+          <a:stretch/>
+        </p:blipFill>
+        <p:spPr bwMode="auto">
+          <a:xfrm flipH="0" flipV="0">
+            <a:off x="6239171" y="2178637"/>
+            <a:ext cx="2566294" cy="2223066"/>
+          </a:xfrm>
+          <a:prstGeom prst="rect">
+            <a:avLst/>
+          </a:prstGeom>
+        </p:spPr>
+      </p:pic>
     </p:spTree>
   </p:cSld>
   <p:clrMapOvr>
@@ -13324,13 +13425,13 @@
       </p:grpSpPr>
       <p:sp>
         <p:nvSpPr>
-          <p:cNvPr id="4" name="Google Shape;347;p64" hidden="0"/>
+          <p:cNvPr id="4" name="Google Shape;267;p55" hidden="0"/>
           <p:cNvSpPr/>
           <p:nvPr isPhoto="0" userDrawn="0"/>
         </p:nvSpPr>
         <p:spPr bwMode="auto">
           <a:xfrm>
-            <a:off x="457200" y="2920657"/>
+            <a:off x="457200" y="781200"/>
             <a:ext cx="8228520" cy="618120"/>
           </a:xfrm>
           <a:prstGeom prst="rect">
@@ -13347,7 +13448,7 @@
           </a:bodyPr>
           <a:lstStyle/>
           <a:p>
-            <a:pPr marL="0" marR="0" lvl="0" indent="0" algn="ctr">
+            <a:pPr marL="0" marR="0" lvl="0" indent="0" algn="l">
               <a:lnSpc>
                 <a:spcPct val="100000"/>
               </a:lnSpc>
@@ -13361,7 +13462,7 @@
               <a:defRPr/>
             </a:pPr>
             <a:r>
-              <a:rPr lang="pt-BR" sz="3600" b="1" i="0" u="none" strike="noStrike" cap="none">
+              <a:rPr lang="pt-BR" sz="3200" b="0" i="0" u="none" strike="noStrike" cap="none">
                 <a:solidFill>
                   <a:srgbClr val="C00026"/>
                 </a:solidFill>
@@ -13369,9 +13470,9 @@
                 <a:ea typeface="Verdana"/>
                 <a:cs typeface="Verdana"/>
               </a:rPr>
-              <a:t>Projeto</a:t>
+              <a:t>A mochila binária</a:t>
             </a:r>
-            <a:endParaRPr sz="3600" b="1" i="0" u="none" strike="noStrike" cap="none">
+            <a:endParaRPr sz="3200" b="0" i="0" u="none" strike="noStrike" cap="none">
               <a:solidFill>
                 <a:schemeClr val="dk1"/>
               </a:solidFill>
@@ -13384,7 +13485,7 @@
       </p:sp>
       <p:sp>
         <p:nvSpPr>
-          <p:cNvPr id="5" name="Google Shape;348;p64" hidden="0"/>
+          <p:cNvPr id="5" name="Google Shape;268;p55" hidden="0"/>
           <p:cNvSpPr/>
           <p:nvPr isPhoto="0" userDrawn="0"/>
         </p:nvSpPr>
@@ -13423,7 +13524,7 @@
       </p:sp>
       <p:sp>
         <p:nvSpPr>
-          <p:cNvPr id="6" name="Google Shape;349;p64" hidden="0"/>
+          <p:cNvPr id="6" name="Google Shape;269;p55" hidden="0"/>
           <p:cNvSpPr/>
           <p:nvPr isPhoto="0" userDrawn="0"/>
         </p:nvSpPr>
@@ -13459,7 +13560,7 @@
               <a:buNone/>
               <a:defRPr/>
             </a:pPr>
-            <a:fld id="{53BF8A2C-3D0F-6345-19F2-BE11817528EB}" type="slidenum">
+            <a:fld id="{5CD17893-02C6-E233-2CDE-9C60D6778858}" type="slidenum">
               <a:rPr lang="pt-BR" sz="1000" b="0" i="0" u="none" strike="noStrike" cap="none">
                 <a:solidFill>
                   <a:srgbClr val="B2B2B2"/>
@@ -13483,32 +13584,156 @@
       </p:sp>
       <p:sp>
         <p:nvSpPr>
-          <p:cNvPr id="7" name="" hidden="0"/>
-          <p:cNvSpPr/>
+          <p:cNvPr id="7" name="Google Shape;270;p55" hidden="0"/>
+          <p:cNvSpPr>
+            <a:spLocks noAdjustHandles="0" noChangeArrowheads="0"/>
+          </p:cNvSpPr>
           <p:nvPr isPhoto="0" userDrawn="0"/>
         </p:nvSpPr>
         <p:spPr bwMode="auto">
           <a:xfrm flipH="0" flipV="0">
-            <a:off x="724675" y="4088421"/>
-            <a:ext cx="8137931" cy="363447"/>
+            <a:off x="309225" y="1588485"/>
+            <a:ext cx="8704379" cy="4976426"/>
           </a:xfrm>
           <a:prstGeom prst="rect">
             <a:avLst/>
           </a:prstGeom>
           <a:noFill/>
+          <a:ln>
+            <a:noFill/>
+          </a:ln>
         </p:spPr>
         <p:txBody>
-          <a:bodyPr vertOverflow="overflow" horzOverflow="clip" vert="horz" wrap="square" lIns="91440" tIns="45720" rIns="91440" bIns="45720" numCol="1" spcCol="0" rtlCol="0" fromWordArt="0" anchor="t" anchorCtr="0" forceAA="0" upright="0" compatLnSpc="0">
+          <a:bodyPr spcFirstLastPara="1" wrap="square" lIns="91422" tIns="45694" rIns="91422" bIns="45694" anchor="t" anchorCtr="0">
             <a:noAutofit/>
           </a:bodyPr>
+          <a:lstStyle/>
           <a:p>
             <a:pPr>
+              <a:defRPr/>
+            </a:pPr>
+            <a:r>
+              <a:rPr sz="2400"/>
+              <a:t>Quais escolhas podem ser feitas?</a:t>
+            </a:r>
+            <a:endParaRPr sz="2400"/>
+          </a:p>
+          <a:p>
+            <a:pPr marL="750015" lvl="1" indent="-349965">
+              <a:buFont typeface="Arial"/>
+              <a:buChar char="•"/>
+              <a:defRPr/>
+            </a:pPr>
+            <a:r>
+              <a:rPr sz="2000"/>
+              <a:t>Quais produtos pegar?</a:t>
+            </a:r>
+            <a:endParaRPr sz="2000"/>
+          </a:p>
+          <a:p>
+            <a:pPr>
+              <a:defRPr/>
+            </a:pPr>
+            <a:endParaRPr/>
+          </a:p>
+          <a:p>
+            <a:pPr>
+              <a:defRPr/>
+            </a:pPr>
+            <a:endParaRPr/>
+          </a:p>
+          <a:p>
+            <a:pPr>
+              <a:defRPr/>
+            </a:pPr>
+            <a:endParaRPr/>
+          </a:p>
+          <a:p>
+            <a:pPr>
+              <a:defRPr/>
+            </a:pPr>
+            <a:r>
+              <a:rPr sz="2400"/>
+              <a:t>Qual é </a:t>
+            </a:r>
+            <a:r>
+              <a:rPr sz="2400"/>
+              <a:t>a função objetivo?</a:t>
+            </a:r>
+            <a:endParaRPr sz="2400"/>
+          </a:p>
+          <a:p>
+            <a:pPr marL="639871" lvl="1" indent="-239821">
+              <a:buFont typeface="Arial"/>
+              <a:buChar char="•"/>
+              <a:defRPr/>
+            </a:pPr>
+            <a:r>
+              <a:rPr sz="2000"/>
+              <a:t>Maximizar valor dos objetos guardados</a:t>
+            </a:r>
+            <a:endParaRPr/>
+          </a:p>
+          <a:p>
+            <a:pPr>
+              <a:defRPr/>
+            </a:pPr>
+            <a:endParaRPr/>
+          </a:p>
+          <a:p>
+            <a:pPr>
+              <a:defRPr/>
+            </a:pPr>
+            <a:endParaRPr sz="2400"/>
+          </a:p>
+          <a:p>
+            <a:pPr>
+              <a:defRPr/>
+            </a:pPr>
+            <a:endParaRPr sz="2400"/>
+          </a:p>
+          <a:p>
+            <a:pPr>
+              <a:defRPr/>
+            </a:pPr>
+            <a:r>
+              <a:rPr sz="2400"/>
+              <a:t>Quais são as restrições?</a:t>
+            </a:r>
+            <a:endParaRPr sz="2400"/>
+          </a:p>
+          <a:p>
+            <a:pPr marL="750015" lvl="1" indent="-349965">
+              <a:buFont typeface="Arial"/>
+              <a:buChar char="•"/>
               <a:defRPr/>
             </a:pPr>
             <a:endParaRPr/>
           </a:p>
         </p:txBody>
       </p:sp>
+      <p:pic>
+        <p:nvPicPr>
+          <p:cNvPr id="8" name="" hidden="0"/>
+          <p:cNvPicPr>
+            <a:picLocks noChangeAspect="1"/>
+          </p:cNvPicPr>
+          <p:nvPr isPhoto="0" userDrawn="0"/>
+        </p:nvPicPr>
+        <p:blipFill>
+          <a:blip r:embed="rId2"/>
+          <a:stretch/>
+        </p:blipFill>
+        <p:spPr bwMode="auto">
+          <a:xfrm flipH="0" flipV="0">
+            <a:off x="6239171" y="2178637"/>
+            <a:ext cx="2566294" cy="2223066"/>
+          </a:xfrm>
+          <a:prstGeom prst="rect">
+            <a:avLst/>
+          </a:prstGeom>
+        </p:spPr>
+      </p:pic>
     </p:spTree>
   </p:cSld>
   <p:clrMapOvr>
@@ -13589,7 +13814,7 @@
                 <a:ea typeface="Verdana"/>
                 <a:cs typeface="Verdana"/>
               </a:rPr>
-              <a:t>Projeto - Travelling Salesperson (TSP)</a:t>
+              <a:t>A mochila binária</a:t>
             </a:r>
             <a:endParaRPr sz="3200" b="0" i="0" u="none" strike="noStrike" cap="none">
               <a:solidFill>
@@ -13679,7 +13904,7 @@
               <a:buNone/>
               <a:defRPr/>
             </a:pPr>
-            <a:fld id="{A3D99579-7D0E-CF2D-A2BA-826995344CCA}" type="slidenum">
+            <a:fld id="{F2D709CB-A37A-85A1-F56E-F4DA6ED53DFC}" type="slidenum">
               <a:rPr lang="pt-BR" sz="1000" b="0" i="0" u="none" strike="noStrike" cap="none">
                 <a:solidFill>
                   <a:srgbClr val="B2B2B2"/>
@@ -13711,8 +13936,8 @@
         </p:nvSpPr>
         <p:spPr bwMode="auto">
           <a:xfrm flipH="0" flipV="0">
-            <a:off x="309226" y="1588485"/>
-            <a:ext cx="8704380" cy="4976427"/>
+            <a:off x="309225" y="1588485"/>
+            <a:ext cx="8704379" cy="4976426"/>
           </a:xfrm>
           <a:prstGeom prst="rect">
             <a:avLst/>
@@ -13723,7 +13948,7 @@
           </a:ln>
         </p:spPr>
         <p:txBody>
-          <a:bodyPr spcFirstLastPara="1" wrap="square" lIns="91422" tIns="45695" rIns="91422" bIns="45695" anchor="t" anchorCtr="0">
+          <a:bodyPr spcFirstLastPara="1" wrap="square" lIns="91422" tIns="45694" rIns="91422" bIns="45694" anchor="t" anchorCtr="0">
             <a:noAutofit/>
           </a:bodyPr>
           <a:lstStyle/>
@@ -13731,6 +13956,106 @@
             <a:pPr>
               <a:defRPr/>
             </a:pPr>
+            <a:r>
+              <a:rPr sz="2400"/>
+              <a:t>Quais escolhas podem ser feitas?</a:t>
+            </a:r>
+            <a:endParaRPr sz="2400"/>
+          </a:p>
+          <a:p>
+            <a:pPr marL="750015" lvl="1" indent="-349965">
+              <a:buFont typeface="Arial"/>
+              <a:buChar char="•"/>
+              <a:defRPr/>
+            </a:pPr>
+            <a:r>
+              <a:rPr sz="2000"/>
+              <a:t>Quais produtos pegar?</a:t>
+            </a:r>
+            <a:endParaRPr sz="2000"/>
+          </a:p>
+          <a:p>
+            <a:pPr>
+              <a:defRPr/>
+            </a:pPr>
+            <a:endParaRPr/>
+          </a:p>
+          <a:p>
+            <a:pPr>
+              <a:defRPr/>
+            </a:pPr>
+            <a:endParaRPr/>
+          </a:p>
+          <a:p>
+            <a:pPr>
+              <a:defRPr/>
+            </a:pPr>
+            <a:endParaRPr/>
+          </a:p>
+          <a:p>
+            <a:pPr>
+              <a:defRPr/>
+            </a:pPr>
+            <a:r>
+              <a:rPr sz="2400"/>
+              <a:t>Qual é </a:t>
+            </a:r>
+            <a:r>
+              <a:rPr sz="2400"/>
+              <a:t>a função objetivo?</a:t>
+            </a:r>
+            <a:endParaRPr sz="2400"/>
+          </a:p>
+          <a:p>
+            <a:pPr marL="639871" lvl="1" indent="-239821">
+              <a:buFont typeface="Arial"/>
+              <a:buChar char="•"/>
+              <a:defRPr/>
+            </a:pPr>
+            <a:r>
+              <a:rPr sz="2000"/>
+              <a:t>Maximizar valor dos objetos guardados</a:t>
+            </a:r>
+            <a:endParaRPr/>
+          </a:p>
+          <a:p>
+            <a:pPr>
+              <a:defRPr/>
+            </a:pPr>
+            <a:endParaRPr/>
+          </a:p>
+          <a:p>
+            <a:pPr>
+              <a:defRPr/>
+            </a:pPr>
+            <a:endParaRPr sz="2400"/>
+          </a:p>
+          <a:p>
+            <a:pPr>
+              <a:defRPr/>
+            </a:pPr>
+            <a:endParaRPr sz="2400"/>
+          </a:p>
+          <a:p>
+            <a:pPr>
+              <a:defRPr/>
+            </a:pPr>
+            <a:r>
+              <a:rPr sz="2400"/>
+              <a:t>Quais são as restrições?</a:t>
+            </a:r>
+            <a:endParaRPr sz="2400"/>
+          </a:p>
+          <a:p>
+            <a:pPr marL="750015" lvl="1" indent="-349965">
+              <a:buFont typeface="Arial"/>
+              <a:buChar char="•"/>
+              <a:defRPr/>
+            </a:pPr>
+            <a:r>
+              <a:rPr sz="2000"/>
+              <a:t>Peso dos objetos não pode exceder capacidade da mochila</a:t>
+            </a:r>
             <a:endParaRPr/>
           </a:p>
         </p:txBody>
@@ -13749,8 +14074,8 @@
         </p:blipFill>
         <p:spPr bwMode="auto">
           <a:xfrm flipH="0" flipV="0">
-            <a:off x="2323522" y="1919431"/>
-            <a:ext cx="3797045" cy="3797045"/>
+            <a:off x="6239171" y="2178637"/>
+            <a:ext cx="2566294" cy="2223066"/>
           </a:xfrm>
           <a:prstGeom prst="rect">
             <a:avLst/>
@@ -13792,13 +14117,13 @@
       </p:grpSpPr>
       <p:sp>
         <p:nvSpPr>
-          <p:cNvPr id="4" name="Google Shape;267;p55" hidden="0"/>
+          <p:cNvPr id="4" name="Google Shape;347;p64" hidden="0"/>
           <p:cNvSpPr/>
           <p:nvPr isPhoto="0" userDrawn="0"/>
         </p:nvSpPr>
         <p:spPr bwMode="auto">
           <a:xfrm>
-            <a:off x="457200" y="781200"/>
+            <a:off x="457200" y="2920658"/>
             <a:ext cx="8228520" cy="618120"/>
           </a:xfrm>
           <a:prstGeom prst="rect">
@@ -13815,7 +14140,7 @@
           </a:bodyPr>
           <a:lstStyle/>
           <a:p>
-            <a:pPr marL="0" marR="0" lvl="0" indent="0" algn="l">
+            <a:pPr marL="0" marR="0" lvl="0" indent="0" algn="ctr">
               <a:lnSpc>
                 <a:spcPct val="100000"/>
               </a:lnSpc>
@@ -13829,7 +14154,7 @@
               <a:defRPr/>
             </a:pPr>
             <a:r>
-              <a:rPr lang="pt-BR" sz="3200" b="0" i="0" u="none" strike="noStrike" cap="none">
+              <a:rPr lang="pt-BR" sz="3600" b="1" i="0" u="none" strike="noStrike" cap="none">
                 <a:solidFill>
                   <a:srgbClr val="C00026"/>
                 </a:solidFill>
@@ -13837,9 +14162,9 @@
                 <a:ea typeface="Verdana"/>
                 <a:cs typeface="Verdana"/>
               </a:rPr>
-              <a:t>Projeto - Travelling Salesperson (TSP)</a:t>
+              <a:t>Como resolver esse problema?</a:t>
             </a:r>
-            <a:endParaRPr sz="3200" b="0" i="0" u="none" strike="noStrike" cap="none">
+            <a:endParaRPr sz="3600" b="1" i="0" u="none" strike="noStrike" cap="none">
               <a:solidFill>
                 <a:schemeClr val="dk1"/>
               </a:solidFill>
@@ -13852,7 +14177,7 @@
       </p:sp>
       <p:sp>
         <p:nvSpPr>
-          <p:cNvPr id="5" name="Google Shape;268;p55" hidden="0"/>
+          <p:cNvPr id="5" name="Google Shape;348;p64" hidden="0"/>
           <p:cNvSpPr/>
           <p:nvPr isPhoto="0" userDrawn="0"/>
         </p:nvSpPr>
@@ -13891,7 +14216,7 @@
       </p:sp>
       <p:sp>
         <p:nvSpPr>
-          <p:cNvPr id="6" name="Google Shape;269;p55" hidden="0"/>
+          <p:cNvPr id="6" name="Google Shape;349;p64" hidden="0"/>
           <p:cNvSpPr/>
           <p:nvPr isPhoto="0" userDrawn="0"/>
         </p:nvSpPr>
@@ -13927,7 +14252,7 @@
               <a:buNone/>
               <a:defRPr/>
             </a:pPr>
-            <a:fld id="{B5BE23F9-E0D8-1C6D-36CE-CF403638F720}" type="slidenum">
+            <a:fld id="{87E024C4-3557-6BC3-0ED0-D63E292A9112}" type="slidenum">
               <a:rPr lang="pt-BR" sz="1000" b="0" i="0" u="none" strike="noStrike" cap="none">
                 <a:solidFill>
                   <a:srgbClr val="B2B2B2"/>
@@ -13945,193 +14270,6 @@
               <a:latin typeface="Arial"/>
               <a:ea typeface="Arial"/>
               <a:cs typeface="Arial"/>
-            </a:endParaRPr>
-          </a:p>
-        </p:txBody>
-      </p:sp>
-      <p:sp>
-        <p:nvSpPr>
-          <p:cNvPr id="7" name="Google Shape;270;p55" hidden="0"/>
-          <p:cNvSpPr>
-            <a:spLocks noAdjustHandles="0" noChangeArrowheads="0"/>
-          </p:cNvSpPr>
-          <p:nvPr isPhoto="0" userDrawn="0"/>
-        </p:nvSpPr>
-        <p:spPr bwMode="auto">
-          <a:xfrm flipH="0" flipV="0">
-            <a:off x="309226" y="1588485"/>
-            <a:ext cx="8704380" cy="4976427"/>
-          </a:xfrm>
-          <a:prstGeom prst="rect">
-            <a:avLst/>
-          </a:prstGeom>
-          <a:noFill/>
-          <a:ln>
-            <a:noFill/>
-          </a:ln>
-        </p:spPr>
-        <p:txBody>
-          <a:bodyPr spcFirstLastPara="1" wrap="square" lIns="91422" tIns="45695" rIns="91422" bIns="45695" anchor="t" anchorCtr="0">
-            <a:noAutofit/>
-          </a:bodyPr>
-          <a:lstStyle/>
-          <a:p>
-            <a:pPr>
-              <a:defRPr/>
-            </a:pPr>
-            <a:endParaRPr/>
-          </a:p>
-        </p:txBody>
-      </p:sp>
-      <p:sp>
-        <p:nvSpPr>
-          <p:cNvPr id="8" name="Google Shape;270;p55" hidden="0"/>
-          <p:cNvSpPr>
-            <a:spLocks noAdjustHandles="0" noChangeArrowheads="0"/>
-          </p:cNvSpPr>
-          <p:nvPr isPhoto="0" userDrawn="0"/>
-        </p:nvSpPr>
-        <p:spPr bwMode="auto">
-          <a:xfrm flipH="0" flipV="0">
-            <a:off x="309226" y="1588485"/>
-            <a:ext cx="8704380" cy="4976427"/>
-          </a:xfrm>
-          <a:prstGeom prst="rect">
-            <a:avLst/>
-          </a:prstGeom>
-          <a:noFill/>
-          <a:ln>
-            <a:noFill/>
-          </a:ln>
-        </p:spPr>
-        <p:txBody>
-          <a:bodyPr spcFirstLastPara="1" wrap="square" lIns="91422" tIns="45695" rIns="91422" bIns="45695" anchor="t" anchorCtr="0">
-            <a:noAutofit/>
-          </a:bodyPr>
-          <a:lstStyle/>
-          <a:p>
-            <a:pPr algn="l">
-              <a:defRPr/>
-            </a:pPr>
-            <a:endParaRPr sz="2400" b="1" u="sng">
-              <a:solidFill>
-                <a:schemeClr val="accent2"/>
-              </a:solidFill>
-            </a:endParaRPr>
-          </a:p>
-          <a:p>
-            <a:pPr algn="l">
-              <a:defRPr/>
-            </a:pPr>
-            <a:r>
-              <a:rPr sz="2400" b="0" u="none">
-                <a:solidFill>
-                  <a:schemeClr val="tx1"/>
-                </a:solidFill>
-              </a:rPr>
-              <a:t>Dadas N cidades, escolher um caminho fechado (tour) tal que</a:t>
-            </a:r>
-            <a:endParaRPr sz="2400" b="0" u="none">
-              <a:solidFill>
-                <a:schemeClr val="tx1"/>
-              </a:solidFill>
-            </a:endParaRPr>
-          </a:p>
-          <a:p>
-            <a:pPr algn="l">
-              <a:defRPr/>
-            </a:pPr>
-            <a:endParaRPr sz="2400" b="0" u="none">
-              <a:solidFill>
-                <a:schemeClr val="tx1"/>
-              </a:solidFill>
-            </a:endParaRPr>
-          </a:p>
-          <a:p>
-            <a:pPr algn="l">
-              <a:defRPr/>
-            </a:pPr>
-            <a:endParaRPr sz="2400" b="0" u="none">
-              <a:solidFill>
-                <a:schemeClr val="tx1"/>
-              </a:solidFill>
-            </a:endParaRPr>
-          </a:p>
-          <a:p>
-            <a:pPr marL="394021" indent="-394021" algn="l">
-              <a:lnSpc>
-                <a:spcPct val="150000"/>
-              </a:lnSpc>
-              <a:buFont typeface="Arial"/>
-              <a:buChar char="•"/>
-              <a:defRPr/>
-            </a:pPr>
-            <a:r>
-              <a:rPr sz="2400" b="0" u="none">
-                <a:solidFill>
-                  <a:schemeClr val="tx1"/>
-                </a:solidFill>
-              </a:rPr>
-              <a:t>cada cidade é visitada somente uma vez</a:t>
-            </a:r>
-            <a:endParaRPr sz="2400" b="0" u="none">
-              <a:solidFill>
-                <a:schemeClr val="tx1"/>
-              </a:solidFill>
-            </a:endParaRPr>
-          </a:p>
-          <a:p>
-            <a:pPr marL="394021" indent="-394021" algn="l">
-              <a:lnSpc>
-                <a:spcPct val="150000"/>
-              </a:lnSpc>
-              <a:buFont typeface="Arial"/>
-              <a:buChar char="•"/>
-              <a:defRPr/>
-            </a:pPr>
-            <a:r>
-              <a:rPr sz="2400" b="0" u="none">
-                <a:solidFill>
-                  <a:schemeClr val="tx1"/>
-                </a:solidFill>
-              </a:rPr>
-              <a:t>o caminho é o mais curto possível</a:t>
-            </a:r>
-            <a:endParaRPr sz="2400" b="0" u="none">
-              <a:solidFill>
-                <a:schemeClr val="tx1"/>
-              </a:solidFill>
-            </a:endParaRPr>
-          </a:p>
-          <a:p>
-            <a:pPr algn="l">
-              <a:lnSpc>
-                <a:spcPct val="150000"/>
-              </a:lnSpc>
-              <a:defRPr/>
-            </a:pPr>
-            <a:endParaRPr sz="2400" b="0" u="none">
-              <a:solidFill>
-                <a:schemeClr val="tx1"/>
-              </a:solidFill>
-            </a:endParaRPr>
-          </a:p>
-          <a:p>
-            <a:pPr algn="ctr">
-              <a:defRPr/>
-            </a:pPr>
-            <a:r>
-              <a:rPr sz="2800" b="1" u="none">
-                <a:solidFill>
-                  <a:srgbClr val="C00026"/>
-                </a:solidFill>
-              </a:rPr>
-              <a:t>Problema de otimização difícil</a:t>
-            </a:r>
-            <a:endParaRPr sz="2800" b="1" u="none">
-              <a:solidFill>
-                <a:srgbClr val="C00026"/>
-              </a:solidFill>
             </a:endParaRPr>
           </a:p>
         </p:txBody>
@@ -14216,7 +14354,7 @@
                 <a:ea typeface="Verdana"/>
                 <a:cs typeface="Verdana"/>
               </a:rPr>
-              <a:t>Projeto - Travelling Salesperson (TSP)</a:t>
+              <a:t>Como resolver esse problema?</a:t>
             </a:r>
             <a:endParaRPr sz="3200" b="0" i="0" u="none" strike="noStrike" cap="none">
               <a:solidFill>
@@ -14306,7 +14444,7 @@
               <a:buNone/>
               <a:defRPr/>
             </a:pPr>
-            <a:fld id="{9E4FE590-11FA-6D0E-3D5A-801B6F9BD2F0}" type="slidenum">
+            <a:fld id="{2AEA4DEC-F606-9A77-49F9-6F4328295D55}" type="slidenum">
               <a:rPr lang="pt-BR" sz="1000" b="0" i="0" u="none" strike="noStrike" cap="none">
                 <a:solidFill>
                   <a:srgbClr val="B2B2B2"/>
@@ -14338,8 +14476,8 @@
         </p:nvSpPr>
         <p:spPr bwMode="auto">
           <a:xfrm flipH="0" flipV="0">
-            <a:off x="309226" y="1588485"/>
-            <a:ext cx="8704380" cy="4976427"/>
+            <a:off x="309227" y="1588487"/>
+            <a:ext cx="8704381" cy="4976428"/>
           </a:xfrm>
           <a:prstGeom prst="rect">
             <a:avLst/>
@@ -14350,51 +14488,17 @@
           </a:ln>
         </p:spPr>
         <p:txBody>
-          <a:bodyPr spcFirstLastPara="1" wrap="square" lIns="91422" tIns="45695" rIns="91422" bIns="45695" anchor="t" anchorCtr="0">
+          <a:bodyPr spcFirstLastPara="1" wrap="square" lIns="91422" tIns="45696" rIns="91422" bIns="45696" anchor="t" anchorCtr="0">
             <a:noAutofit/>
           </a:bodyPr>
           <a:lstStyle/>
           <a:p>
-            <a:pPr>
-              <a:defRPr/>
-            </a:pPr>
-            <a:endParaRPr/>
-          </a:p>
-        </p:txBody>
-      </p:sp>
-      <p:sp>
-        <p:nvSpPr>
-          <p:cNvPr id="8" name="Google Shape;270;p55" hidden="0"/>
-          <p:cNvSpPr>
-            <a:spLocks noAdjustHandles="0" noChangeArrowheads="0"/>
-          </p:cNvSpPr>
-          <p:nvPr isPhoto="0" userDrawn="0"/>
-        </p:nvSpPr>
-        <p:spPr bwMode="auto">
-          <a:xfrm flipH="0" flipV="0">
-            <a:off x="309226" y="1588485"/>
-            <a:ext cx="8704380" cy="4976427"/>
-          </a:xfrm>
-          <a:prstGeom prst="rect">
-            <a:avLst/>
-          </a:prstGeom>
-          <a:noFill/>
-          <a:ln>
-            <a:noFill/>
-          </a:ln>
-        </p:spPr>
-        <p:txBody>
-          <a:bodyPr spcFirstLastPara="1" wrap="square" lIns="91422" tIns="45695" rIns="91422" bIns="45695" anchor="t" anchorCtr="0">
-            <a:noAutofit/>
-          </a:bodyPr>
-          <a:lstStyle/>
-          <a:p>
             <a:pPr algn="l">
               <a:defRPr/>
             </a:pPr>
-            <a:endParaRPr sz="2400" b="1" u="sng">
+            <a:endParaRPr sz="2400" b="0" u="none">
               <a:solidFill>
-                <a:schemeClr val="accent2"/>
+                <a:schemeClr val="tx1"/>
               </a:solidFill>
             </a:endParaRPr>
           </a:p>
@@ -14408,7 +14512,7 @@
                   <a:schemeClr val="tx1"/>
                 </a:solidFill>
               </a:rPr>
-              <a:t>Teremos três grandes partes no projeto</a:t>
+              <a:t>Algumas opções:</a:t>
             </a:r>
             <a:endParaRPr sz="2400" b="0" u="none">
               <a:solidFill>
@@ -14427,6 +14531,52 @@
             </a:endParaRPr>
           </a:p>
           <a:p>
+            <a:pPr marL="394022" indent="-394022" algn="l">
+              <a:lnSpc>
+                <a:spcPct val="150000"/>
+              </a:lnSpc>
+              <a:buFont typeface="Arial"/>
+              <a:buChar char="•"/>
+              <a:defRPr/>
+            </a:pPr>
+            <a:r>
+              <a:rPr sz="2400" b="0" u="none">
+                <a:solidFill>
+                  <a:schemeClr val="tx1"/>
+                </a:solidFill>
+              </a:rPr>
+              <a:t>tentar tudo e ver qual é melhor</a:t>
+            </a:r>
+            <a:endParaRPr sz="2400" b="0" u="none">
+              <a:solidFill>
+                <a:schemeClr val="tx1"/>
+              </a:solidFill>
+            </a:endParaRPr>
+          </a:p>
+          <a:p>
+            <a:pPr marL="394022" indent="-394022" algn="l">
+              <a:lnSpc>
+                <a:spcPct val="150000"/>
+              </a:lnSpc>
+              <a:buFont typeface="Arial"/>
+              <a:buChar char="•"/>
+              <a:defRPr/>
+            </a:pPr>
+            <a:r>
+              <a:rPr sz="2400" b="0" u="none">
+                <a:solidFill>
+                  <a:schemeClr val="tx1"/>
+                </a:solidFill>
+              </a:rPr>
+              <a:t>pegar o mais caro primeiro</a:t>
+            </a:r>
+            <a:endParaRPr sz="2400" b="0" u="none">
+              <a:solidFill>
+                <a:schemeClr val="tx1"/>
+              </a:solidFill>
+            </a:endParaRPr>
+          </a:p>
+          <a:p>
             <a:pPr marL="394021" indent="-394021" algn="l">
               <a:lnSpc>
                 <a:spcPct val="150000"/>
@@ -14441,7 +14591,7 @@
                   <a:schemeClr val="tx1"/>
                 </a:solidFill>
               </a:rPr>
-              <a:t>algoritmos</a:t>
+              <a:t>pegar o mais  leve primeiro</a:t>
             </a:r>
             <a:endParaRPr sz="2400" b="0" u="none">
               <a:solidFill>
@@ -14450,105 +14600,28 @@
             </a:endParaRPr>
           </a:p>
           <a:p>
-            <a:pPr marL="394021" indent="-394021" algn="l">
-              <a:lnSpc>
-                <a:spcPct val="150000"/>
-              </a:lnSpc>
-              <a:buFont typeface="Arial"/>
-              <a:buChar char="•"/>
-              <a:defRPr/>
-            </a:pPr>
-            <a:r>
-              <a:rPr sz="2400" b="0" u="none">
-                <a:solidFill>
-                  <a:schemeClr val="tx1"/>
-                </a:solidFill>
-              </a:rPr>
-              <a:t>análise de desempenho</a:t>
-            </a:r>
-            <a:endParaRPr sz="2400" b="0" u="none">
+            <a:pPr algn="l">
+              <a:defRPr/>
+            </a:pPr>
+            <a:endParaRPr sz="2800" b="0" u="none">
               <a:solidFill>
                 <a:schemeClr val="tx1"/>
               </a:solidFill>
             </a:endParaRPr>
           </a:p>
           <a:p>
-            <a:pPr marL="394021" indent="-394021" algn="l">
-              <a:lnSpc>
-                <a:spcPct val="150000"/>
-              </a:lnSpc>
-              <a:buFont typeface="Arial"/>
-              <a:buChar char="•"/>
+            <a:pPr algn="ctr">
               <a:defRPr/>
             </a:pPr>
             <a:r>
-              <a:rPr sz="2400" b="0" u="none">
+              <a:rPr sz="2800" b="1" u="none">
                 <a:solidFill>
-                  <a:schemeClr val="tx1"/>
+                  <a:srgbClr val="C00026"/>
                 </a:solidFill>
               </a:rPr>
-              <a:t>paralelismo</a:t>
+              <a:t>É possível resolver de maneira eficiente?</a:t>
             </a:r>
-            <a:endParaRPr sz="2400" b="0" u="none">
-              <a:solidFill>
-                <a:schemeClr val="tx1"/>
-              </a:solidFill>
-            </a:endParaRPr>
-          </a:p>
-          <a:p>
-            <a:pPr marL="394021" indent="-394021" algn="l">
-              <a:lnSpc>
-                <a:spcPct val="150000"/>
-              </a:lnSpc>
-              <a:buFont typeface="Arial"/>
-              <a:buChar char="•"/>
-              <a:defRPr/>
-            </a:pPr>
-            <a:endParaRPr sz="2400" b="0" u="none">
-              <a:solidFill>
-                <a:schemeClr val="tx1"/>
-              </a:solidFill>
-            </a:endParaRPr>
-          </a:p>
-          <a:p>
-            <a:pPr algn="l">
-              <a:lnSpc>
-                <a:spcPct val="150000"/>
-              </a:lnSpc>
-              <a:defRPr/>
-            </a:pPr>
-            <a:r>
-              <a:rPr sz="2400" b="0" u="none">
-                <a:solidFill>
-                  <a:schemeClr val="tx1"/>
-                </a:solidFill>
-              </a:rPr>
-              <a:t>Toda parte será conectada com alguma aula, em que faremos discussões e fixaremos um prazo para os exercícios</a:t>
-            </a:r>
-            <a:endParaRPr sz="2400" b="0" u="none">
-              <a:solidFill>
-                <a:schemeClr val="tx1"/>
-              </a:solidFill>
-            </a:endParaRPr>
-          </a:p>
-          <a:p>
-            <a:pPr algn="l">
-              <a:lnSpc>
-                <a:spcPct val="150000"/>
-              </a:lnSpc>
-              <a:defRPr/>
-            </a:pPr>
-            <a:endParaRPr sz="2400" b="0" u="none">
-              <a:solidFill>
-                <a:schemeClr val="tx1"/>
-              </a:solidFill>
-            </a:endParaRPr>
-          </a:p>
-          <a:p>
-            <a:pPr algn="ctr">
-              <a:defRPr/>
-            </a:pPr>
-            <a:endParaRPr sz="2800" b="1" u="none">
+            <a:endParaRPr sz="2800" b="0" u="none">
               <a:solidFill>
                 <a:srgbClr val="C00026"/>
               </a:solidFill>
@@ -14636,7 +14709,7 @@
                 <a:ea typeface="Verdana"/>
                 <a:cs typeface="Verdana"/>
               </a:rPr>
-              <a:t>Projeto - Travelling Salesperson (TSP)</a:t>
+              <a:t>Como resolver esse problema?</a:t>
             </a:r>
             <a:endParaRPr sz="3200" b="0" i="0" u="none" strike="noStrike" cap="none">
               <a:solidFill>
@@ -14726,7 +14799,7 @@
               <a:buNone/>
               <a:defRPr/>
             </a:pPr>
-            <a:fld id="{18393B96-D236-0CF2-FF85-82FF17724159}" type="slidenum">
+            <a:fld id="{CCEEAA18-D4C0-A806-F108-90A09FBE2603}" type="slidenum">
               <a:rPr lang="pt-BR" sz="1000" b="0" i="0" u="none" strike="noStrike" cap="none">
                 <a:solidFill>
                   <a:srgbClr val="B2B2B2"/>
@@ -14775,57 +14848,165 @@
           </a:bodyPr>
           <a:lstStyle/>
           <a:p>
-            <a:pPr>
-              <a:defRPr/>
-            </a:pPr>
-            <a:endParaRPr/>
-          </a:p>
-        </p:txBody>
-      </p:sp>
-      <p:sp>
-        <p:nvSpPr>
-          <p:cNvPr id="8" name="Google Shape;270;p55" hidden="0"/>
-          <p:cNvSpPr>
-            <a:spLocks noAdjustHandles="0" noChangeArrowheads="0"/>
-          </p:cNvSpPr>
-          <p:nvPr isPhoto="0" userDrawn="0"/>
-        </p:nvSpPr>
-        <p:spPr bwMode="auto">
-          <a:xfrm flipH="0" flipV="0">
-            <a:off x="309226" y="1588485"/>
-            <a:ext cx="8704380" cy="4976427"/>
-          </a:xfrm>
-          <a:prstGeom prst="rect">
-            <a:avLst/>
-          </a:prstGeom>
-          <a:noFill/>
-          <a:ln>
-            <a:noFill/>
-          </a:ln>
-        </p:spPr>
-        <p:txBody>
-          <a:bodyPr spcFirstLastPara="1" vertOverflow="overflow" horzOverflow="clip" vert="horz" wrap="square" lIns="91422" tIns="45695" rIns="91422" bIns="45695" numCol="1" spcCol="0" rtlCol="0" fromWordArt="0" anchor="ctr" anchorCtr="0" forceAA="0" upright="0" compatLnSpc="0">
-            <a:noAutofit/>
-          </a:bodyPr>
-          <a:lstStyle/>
+            <a:pPr algn="l">
+              <a:defRPr/>
+            </a:pPr>
+            <a:endParaRPr sz="2400" b="0" u="none">
+              <a:solidFill>
+                <a:schemeClr val="tx1"/>
+              </a:solidFill>
+            </a:endParaRPr>
+          </a:p>
+          <a:p>
+            <a:pPr algn="l">
+              <a:defRPr/>
+            </a:pPr>
+            <a:r>
+              <a:rPr sz="2400" b="0" u="none">
+                <a:solidFill>
+                  <a:schemeClr val="tx1"/>
+                </a:solidFill>
+              </a:rPr>
+              <a:t>Algumas opções:</a:t>
+            </a:r>
+            <a:endParaRPr sz="2400" b="0" u="none">
+              <a:solidFill>
+                <a:schemeClr val="tx1"/>
+              </a:solidFill>
+            </a:endParaRPr>
+          </a:p>
+          <a:p>
+            <a:pPr algn="l">
+              <a:defRPr/>
+            </a:pPr>
+            <a:endParaRPr sz="2400" b="0" u="none">
+              <a:solidFill>
+                <a:schemeClr val="tx1"/>
+              </a:solidFill>
+            </a:endParaRPr>
+          </a:p>
+          <a:p>
+            <a:pPr marL="394021" indent="-394021" algn="l">
+              <a:lnSpc>
+                <a:spcPct val="150000"/>
+              </a:lnSpc>
+              <a:buFont typeface="Arial"/>
+              <a:buChar char="•"/>
+              <a:defRPr/>
+            </a:pPr>
+            <a:r>
+              <a:rPr sz="2400" b="0" u="none">
+                <a:solidFill>
+                  <a:schemeClr val="tx1"/>
+                </a:solidFill>
+              </a:rPr>
+              <a:t>tentar tudo e ver qual é melhor</a:t>
+            </a:r>
+            <a:endParaRPr sz="2400" b="0" u="none">
+              <a:solidFill>
+                <a:schemeClr val="tx1"/>
+              </a:solidFill>
+            </a:endParaRPr>
+          </a:p>
+          <a:p>
+            <a:pPr marL="394021" indent="-394021" algn="l">
+              <a:lnSpc>
+                <a:spcPct val="150000"/>
+              </a:lnSpc>
+              <a:buFont typeface="Arial"/>
+              <a:buChar char="•"/>
+              <a:defRPr/>
+            </a:pPr>
+            <a:r>
+              <a:rPr sz="2400" b="0" u="none">
+                <a:solidFill>
+                  <a:schemeClr val="tx1"/>
+                </a:solidFill>
+              </a:rPr>
+              <a:t>pegar o mais caro primeiro</a:t>
+            </a:r>
+            <a:endParaRPr sz="2400" b="0" u="none">
+              <a:solidFill>
+                <a:schemeClr val="tx1"/>
+              </a:solidFill>
+            </a:endParaRPr>
+          </a:p>
+          <a:p>
+            <a:pPr marL="394021" indent="-394021" algn="l">
+              <a:lnSpc>
+                <a:spcPct val="150000"/>
+              </a:lnSpc>
+              <a:buFont typeface="Arial"/>
+              <a:buChar char="•"/>
+              <a:defRPr/>
+            </a:pPr>
+            <a:r>
+              <a:rPr sz="2400" b="0" u="none">
+                <a:solidFill>
+                  <a:schemeClr val="tx1"/>
+                </a:solidFill>
+              </a:rPr>
+              <a:t>pegar o mais  leve primeiro</a:t>
+            </a:r>
+            <a:endParaRPr sz="2400" b="0" u="none">
+              <a:solidFill>
+                <a:schemeClr val="tx1"/>
+              </a:solidFill>
+            </a:endParaRPr>
+          </a:p>
+          <a:p>
+            <a:pPr algn="l">
+              <a:defRPr/>
+            </a:pPr>
+            <a:endParaRPr sz="2800" b="0" u="none">
+              <a:solidFill>
+                <a:schemeClr val="tx1"/>
+              </a:solidFill>
+            </a:endParaRPr>
+          </a:p>
           <a:p>
             <a:pPr algn="ctr">
               <a:defRPr/>
             </a:pPr>
             <a:r>
-              <a:rPr lang="en-US" sz="2400" b="1" i="0" u="sng" strike="noStrike" cap="none" spc="0">
+              <a:rPr sz="2800" b="1" u="none">
                 <a:solidFill>
-                  <a:schemeClr val="accent2"/>
+                  <a:srgbClr val="C00026"/>
                 </a:solidFill>
-                <a:latin typeface="Arial"/>
-                <a:ea typeface="Arial"/>
-                <a:cs typeface="Arial"/>
               </a:rPr>
-              <a:t>https://insper.github.io/supercomp/projetos/</a:t>
+              <a:t>É possível resolver de maneira eficiente?</a:t>
             </a:r>
-            <a:endParaRPr sz="2400" b="1" u="sng">
+            <a:endParaRPr sz="2800" b="1" u="none">
               <a:solidFill>
-                <a:schemeClr val="accent2"/>
+                <a:srgbClr val="C00026"/>
+              </a:solidFill>
+            </a:endParaRPr>
+          </a:p>
+          <a:p>
+            <a:pPr algn="ctr">
+              <a:defRPr/>
+            </a:pPr>
+            <a:endParaRPr sz="2800" b="0" u="none">
+              <a:solidFill>
+                <a:srgbClr val="C00026"/>
+              </a:solidFill>
+            </a:endParaRPr>
+          </a:p>
+          <a:p>
+            <a:pPr algn="ctr">
+              <a:defRPr/>
+            </a:pPr>
+            <a:r>
+              <a:rPr sz="2800" b="1" u="none">
+                <a:solidFill>
+                  <a:srgbClr val="C00026"/>
+                </a:solidFill>
+              </a:rPr>
+              <a:t>NÃO</a:t>
+            </a:r>
+            <a:endParaRPr sz="2800" b="0" u="none">
+              <a:solidFill>
+                <a:srgbClr val="C00026"/>
               </a:solidFill>
             </a:endParaRPr>
           </a:p>
@@ -14850,13 +15031,6 @@
 <file path=ppt/slides/slide16.xml><?xml version="1.0" encoding="utf-8"?>
 <p:sld xmlns:a="http://schemas.openxmlformats.org/drawingml/2006/main" xmlns:r="http://schemas.openxmlformats.org/officeDocument/2006/relationships" xmlns:p="http://schemas.openxmlformats.org/presentationml/2006/main" xmlns:m="http://schemas.openxmlformats.org/officeDocument/2006/math" xmlns:w="http://schemas.openxmlformats.org/wordprocessingml/2006/main" showMasterPhAnim="0" show="1">
   <p:cSld name="">
-    <p:bg>
-      <p:bgPr shadeToTitle="0">
-        <a:solidFill>
-          <a:srgbClr val="BA0E24"/>
-        </a:solidFill>
-      </p:bgPr>
-    </p:bg>
     <p:spTree>
       <p:nvGrpSpPr>
         <p:cNvPr id="1" name="" hidden="0"/>
@@ -14873,62 +15047,14 @@
       </p:grpSpPr>
       <p:sp>
         <p:nvSpPr>
-          <p:cNvPr id="4" name="Google Shape;568;p34" hidden="0"/>
+          <p:cNvPr id="4" name="Google Shape;267;p55" hidden="0"/>
           <p:cNvSpPr/>
           <p:nvPr isPhoto="0" userDrawn="0"/>
         </p:nvSpPr>
         <p:spPr bwMode="auto">
           <a:xfrm>
-            <a:off x="0" y="0"/>
-            <a:ext cx="9143280" cy="6857280"/>
-          </a:xfrm>
-          <a:prstGeom prst="rect">
-            <a:avLst/>
-          </a:prstGeom>
-          <a:solidFill>
-            <a:srgbClr val="BA0E24"/>
-          </a:solidFill>
-          <a:ln>
-            <a:noFill/>
-          </a:ln>
-          <a:effectLst>
-            <a:outerShdw dist="23040" dir="5400000">
-              <a:srgbClr val="000000">
-                <a:alpha val="34901"/>
-              </a:srgbClr>
-            </a:outerShdw>
-          </a:effectLst>
-        </p:spPr>
-        <p:txBody>
-          <a:bodyPr spcFirstLastPara="1" wrap="square" lIns="91425" tIns="91425" rIns="91425" bIns="91425" anchor="ctr" anchorCtr="0">
-            <a:noAutofit/>
-          </a:bodyPr>
-          <a:lstStyle/>
-          <a:p>
-            <a:pPr marL="0" lvl="0" indent="0" algn="l">
-              <a:spcBef>
-                <a:spcPts val="0"/>
-              </a:spcBef>
-              <a:spcAft>
-                <a:spcPts val="0"/>
-              </a:spcAft>
-              <a:buNone/>
-              <a:defRPr/>
-            </a:pPr>
-            <a:endParaRPr/>
-          </a:p>
-        </p:txBody>
-      </p:sp>
-      <p:sp>
-        <p:nvSpPr>
-          <p:cNvPr id="5" name="Google Shape;569;p34" hidden="0"/>
-          <p:cNvSpPr/>
-          <p:nvPr isPhoto="0" userDrawn="0"/>
-        </p:nvSpPr>
-        <p:spPr bwMode="auto">
-          <a:xfrm>
-            <a:off x="3026880" y="3636000"/>
-            <a:ext cx="3085560" cy="455760"/>
+            <a:off x="457200" y="781200"/>
+            <a:ext cx="8228520" cy="618120"/>
           </a:xfrm>
           <a:prstGeom prst="rect">
             <a:avLst/>
@@ -14944,7 +15070,7 @@
           </a:bodyPr>
           <a:lstStyle/>
           <a:p>
-            <a:pPr marL="0" marR="0" lvl="0" indent="0" algn="ctr">
+            <a:pPr marL="0" marR="0" lvl="0" indent="0" algn="l">
               <a:lnSpc>
                 <a:spcPct val="100000"/>
               </a:lnSpc>
@@ -14958,17 +15084,20 @@
               <a:defRPr/>
             </a:pPr>
             <a:r>
-              <a:rPr lang="pt-BR" sz="2400" b="0" i="0" u="none" strike="noStrike" cap="none">
+              <a:rPr lang="pt-BR" sz="3200" b="0" i="0" u="none" strike="noStrike" cap="none">
                 <a:solidFill>
-                  <a:srgbClr val="FFFFFF"/>
+                  <a:srgbClr val="C00026"/>
                 </a:solidFill>
                 <a:latin typeface="Verdana"/>
                 <a:ea typeface="Verdana"/>
                 <a:cs typeface="Verdana"/>
               </a:rPr>
-              <a:t>www.insper.edu.br</a:t>
+              <a:t>Como resolver esse problema?</a:t>
             </a:r>
-            <a:endParaRPr sz="2400" b="0" i="0" u="none" strike="noStrike" cap="none">
+            <a:endParaRPr sz="3200" b="0" i="0" u="none" strike="noStrike" cap="none">
+              <a:solidFill>
+                <a:schemeClr val="dk1"/>
+              </a:solidFill>
               <a:latin typeface="Arial"/>
               <a:ea typeface="Arial"/>
               <a:cs typeface="Arial"/>
@@ -14976,22 +15105,16 @@
           </a:p>
         </p:txBody>
       </p:sp>
-      <p:pic>
-        <p:nvPicPr>
-          <p:cNvPr id="6" name="Google Shape;570;p34" hidden="0"/>
-          <p:cNvPicPr/>
+      <p:sp>
+        <p:nvSpPr>
+          <p:cNvPr id="5" name="Google Shape;268;p55" hidden="0"/>
+          <p:cNvSpPr/>
           <p:nvPr isPhoto="0" userDrawn="0"/>
-        </p:nvPicPr>
-        <p:blipFill>
-          <a:blip r:embed="rId2">
-            <a:alphaModFix/>
-          </a:blip>
-          <a:stretch/>
-        </p:blipFill>
+        </p:nvSpPr>
         <p:spPr bwMode="auto">
           <a:xfrm>
-            <a:off x="3703320" y="2844720"/>
-            <a:ext cx="1732320" cy="611640"/>
+            <a:off x="162000" y="85680"/>
+            <a:ext cx="7228440" cy="351360"/>
           </a:xfrm>
           <a:prstGeom prst="rect">
             <a:avLst/>
@@ -15001,7 +15124,1528 @@
             <a:noFill/>
           </a:ln>
         </p:spPr>
-      </p:pic>
+        <p:txBody>
+          <a:bodyPr spcFirstLastPara="1" wrap="square" lIns="91422" tIns="91422" rIns="91422" bIns="91422" anchor="ctr" anchorCtr="0">
+            <a:noAutofit/>
+          </a:bodyPr>
+          <a:lstStyle/>
+          <a:p>
+            <a:pPr marL="0" lvl="0" indent="0" algn="l">
+              <a:spcBef>
+                <a:spcPts val="0"/>
+              </a:spcBef>
+              <a:spcAft>
+                <a:spcPts val="0"/>
+              </a:spcAft>
+              <a:buNone/>
+              <a:defRPr/>
+            </a:pPr>
+            <a:endParaRPr/>
+          </a:p>
+        </p:txBody>
+      </p:sp>
+      <p:sp>
+        <p:nvSpPr>
+          <p:cNvPr id="6" name="Google Shape;269;p55" hidden="0"/>
+          <p:cNvSpPr/>
+          <p:nvPr isPhoto="0" userDrawn="0"/>
+        </p:nvSpPr>
+        <p:spPr bwMode="auto">
+          <a:xfrm>
+            <a:off x="84240" y="6402240"/>
+            <a:ext cx="640440" cy="363960"/>
+          </a:xfrm>
+          <a:prstGeom prst="rect">
+            <a:avLst/>
+          </a:prstGeom>
+          <a:noFill/>
+          <a:ln>
+            <a:noFill/>
+          </a:ln>
+        </p:spPr>
+        <p:txBody>
+          <a:bodyPr spcFirstLastPara="1" wrap="square" lIns="90000" tIns="45000" rIns="90000" bIns="45000" anchor="ctr" anchorCtr="0">
+            <a:noAutofit/>
+          </a:bodyPr>
+          <a:lstStyle/>
+          <a:p>
+            <a:pPr marL="0" marR="0" lvl="0" indent="0" algn="r">
+              <a:lnSpc>
+                <a:spcPct val="100000"/>
+              </a:lnSpc>
+              <a:spcBef>
+                <a:spcPts val="0"/>
+              </a:spcBef>
+              <a:spcAft>
+                <a:spcPts val="0"/>
+              </a:spcAft>
+              <a:buNone/>
+              <a:defRPr/>
+            </a:pPr>
+            <a:fld id="{2A9FBD65-5D69-D1D4-A165-46B4A33C1F6E}" type="slidenum">
+              <a:rPr lang="pt-BR" sz="1000" b="0" i="0" u="none" strike="noStrike" cap="none">
+                <a:solidFill>
+                  <a:srgbClr val="B2B2B2"/>
+                </a:solidFill>
+                <a:latin typeface="Verdana"/>
+                <a:ea typeface="Verdana"/>
+                <a:cs typeface="Verdana"/>
+              </a:rPr>
+              <a:t/>
+            </a:fld>
+            <a:endParaRPr sz="1000" b="0" i="0" u="none" strike="noStrike" cap="none">
+              <a:solidFill>
+                <a:schemeClr val="dk1"/>
+              </a:solidFill>
+              <a:latin typeface="Arial"/>
+              <a:ea typeface="Arial"/>
+              <a:cs typeface="Arial"/>
+            </a:endParaRPr>
+          </a:p>
+        </p:txBody>
+      </p:sp>
+      <p:sp>
+        <p:nvSpPr>
+          <p:cNvPr id="7" name="Google Shape;270;p55" hidden="0"/>
+          <p:cNvSpPr>
+            <a:spLocks noAdjustHandles="0" noChangeArrowheads="0"/>
+          </p:cNvSpPr>
+          <p:nvPr isPhoto="0" userDrawn="0"/>
+        </p:nvSpPr>
+        <p:spPr bwMode="auto">
+          <a:xfrm flipH="0" flipV="0">
+            <a:off x="309226" y="1588485"/>
+            <a:ext cx="8704380" cy="4976427"/>
+          </a:xfrm>
+          <a:prstGeom prst="rect">
+            <a:avLst/>
+          </a:prstGeom>
+          <a:noFill/>
+          <a:ln>
+            <a:noFill/>
+          </a:ln>
+        </p:spPr>
+        <p:txBody>
+          <a:bodyPr spcFirstLastPara="1" wrap="square" lIns="91422" tIns="45695" rIns="91422" bIns="45695" anchor="t" anchorCtr="0">
+            <a:noAutofit/>
+          </a:bodyPr>
+          <a:lstStyle/>
+          <a:p>
+            <a:pPr algn="l">
+              <a:defRPr/>
+            </a:pPr>
+            <a:endParaRPr sz="2400" b="0" u="none">
+              <a:solidFill>
+                <a:schemeClr val="tx1"/>
+              </a:solidFill>
+            </a:endParaRPr>
+          </a:p>
+          <a:p>
+            <a:pPr algn="l">
+              <a:defRPr/>
+            </a:pPr>
+            <a:r>
+              <a:rPr sz="2400" b="0" u="none">
+                <a:solidFill>
+                  <a:schemeClr val="tx1"/>
+                </a:solidFill>
+              </a:rPr>
+              <a:t>Algumas opções:</a:t>
+            </a:r>
+            <a:endParaRPr sz="2400" b="0" u="none">
+              <a:solidFill>
+                <a:schemeClr val="tx1"/>
+              </a:solidFill>
+            </a:endParaRPr>
+          </a:p>
+          <a:p>
+            <a:pPr algn="l">
+              <a:defRPr/>
+            </a:pPr>
+            <a:endParaRPr sz="2400" b="0" u="none">
+              <a:solidFill>
+                <a:schemeClr val="tx1"/>
+              </a:solidFill>
+            </a:endParaRPr>
+          </a:p>
+          <a:p>
+            <a:pPr marL="394021" indent="-394021" algn="l">
+              <a:lnSpc>
+                <a:spcPct val="150000"/>
+              </a:lnSpc>
+              <a:buFont typeface="Arial"/>
+              <a:buChar char="•"/>
+              <a:defRPr/>
+            </a:pPr>
+            <a:r>
+              <a:rPr sz="2400" b="0" u="none">
+                <a:solidFill>
+                  <a:schemeClr val="tx1"/>
+                </a:solidFill>
+              </a:rPr>
+              <a:t>tentar tudo e ver qual é melhor</a:t>
+            </a:r>
+            <a:endParaRPr sz="2400" b="0" u="none">
+              <a:solidFill>
+                <a:schemeClr val="tx1"/>
+              </a:solidFill>
+            </a:endParaRPr>
+          </a:p>
+          <a:p>
+            <a:pPr marL="394021" indent="-394021" algn="l">
+              <a:lnSpc>
+                <a:spcPct val="150000"/>
+              </a:lnSpc>
+              <a:buFont typeface="Arial"/>
+              <a:buChar char="•"/>
+              <a:defRPr/>
+            </a:pPr>
+            <a:r>
+              <a:rPr sz="2400" b="0" u="none">
+                <a:solidFill>
+                  <a:schemeClr val="tx1"/>
+                </a:solidFill>
+              </a:rPr>
+              <a:t>pegar o mais caro primeiro</a:t>
+            </a:r>
+            <a:endParaRPr sz="2400" b="0" u="none">
+              <a:solidFill>
+                <a:schemeClr val="tx1"/>
+              </a:solidFill>
+            </a:endParaRPr>
+          </a:p>
+          <a:p>
+            <a:pPr marL="394021" indent="-394021" algn="l">
+              <a:lnSpc>
+                <a:spcPct val="150000"/>
+              </a:lnSpc>
+              <a:buFont typeface="Arial"/>
+              <a:buChar char="•"/>
+              <a:defRPr/>
+            </a:pPr>
+            <a:r>
+              <a:rPr sz="2400" b="0" u="none">
+                <a:solidFill>
+                  <a:schemeClr val="tx1"/>
+                </a:solidFill>
+              </a:rPr>
+              <a:t>pegar o mais  leve primeiro</a:t>
+            </a:r>
+            <a:endParaRPr sz="2400" b="0" u="none">
+              <a:solidFill>
+                <a:schemeClr val="tx1"/>
+              </a:solidFill>
+            </a:endParaRPr>
+          </a:p>
+          <a:p>
+            <a:pPr algn="l">
+              <a:defRPr/>
+            </a:pPr>
+            <a:endParaRPr sz="2800" b="0" u="none">
+              <a:solidFill>
+                <a:schemeClr val="tx1"/>
+              </a:solidFill>
+            </a:endParaRPr>
+          </a:p>
+          <a:p>
+            <a:pPr algn="ctr">
+              <a:defRPr/>
+            </a:pPr>
+            <a:r>
+              <a:rPr sz="2800" b="1" u="none">
+                <a:solidFill>
+                  <a:srgbClr val="C00026"/>
+                </a:solidFill>
+              </a:rPr>
+              <a:t>É possível resolver de maneira eficiente?</a:t>
+            </a:r>
+            <a:endParaRPr sz="2800" b="1" u="none">
+              <a:solidFill>
+                <a:srgbClr val="C00026"/>
+              </a:solidFill>
+            </a:endParaRPr>
+          </a:p>
+          <a:p>
+            <a:pPr algn="ctr">
+              <a:defRPr/>
+            </a:pPr>
+            <a:endParaRPr sz="2800" b="0" u="none">
+              <a:solidFill>
+                <a:srgbClr val="C00026"/>
+              </a:solidFill>
+            </a:endParaRPr>
+          </a:p>
+          <a:p>
+            <a:pPr algn="ctr">
+              <a:defRPr/>
+            </a:pPr>
+            <a:r>
+              <a:rPr sz="2800" b="1" u="none">
+                <a:solidFill>
+                  <a:srgbClr val="C00026"/>
+                </a:solidFill>
+              </a:rPr>
+              <a:t>NÃO - perguntem ao Raul</a:t>
+            </a:r>
+            <a:endParaRPr sz="2800" b="0" u="none">
+              <a:solidFill>
+                <a:srgbClr val="C00026"/>
+              </a:solidFill>
+            </a:endParaRPr>
+          </a:p>
+        </p:txBody>
+      </p:sp>
+    </p:spTree>
+  </p:cSld>
+  <p:clrMapOvr>
+    <a:masterClrMapping/>
+  </p:clrMapOvr>
+  <mc:AlternateContent xmlns:mc="http://schemas.openxmlformats.org/markup-compatibility/2006">
+    <mc:Choice xmlns:p14="http://schemas.microsoft.com/office/powerpoint/2010/main" Requires="p14">
+      <p:transition p14:dur="2000" advClick="1"/>
+    </mc:Choice>
+    <mc:Fallback>
+      <p:transition advClick="1"/>
+    </mc:Fallback>
+  </mc:AlternateContent>
+</p:sld>
+</file>
+
+<file path=ppt/slides/slide17.xml><?xml version="1.0" encoding="utf-8"?>
+<p:sld xmlns:a="http://schemas.openxmlformats.org/drawingml/2006/main" xmlns:r="http://schemas.openxmlformats.org/officeDocument/2006/relationships" xmlns:p="http://schemas.openxmlformats.org/presentationml/2006/main" xmlns:m="http://schemas.openxmlformats.org/officeDocument/2006/math" xmlns:w="http://schemas.openxmlformats.org/wordprocessingml/2006/main" showMasterPhAnim="0" show="1">
+  <p:cSld name="">
+    <p:spTree>
+      <p:nvGrpSpPr>
+        <p:cNvPr id="1" name="" hidden="0"/>
+        <p:cNvGrpSpPr/>
+        <p:nvPr isPhoto="0" userDrawn="0"/>
+      </p:nvGrpSpPr>
+      <p:grpSpPr bwMode="auto">
+        <a:xfrm>
+          <a:off x="0" y="0"/>
+          <a:ext cx="0" cy="0"/>
+          <a:chOff x="0" y="0"/>
+          <a:chExt cx="0" cy="0"/>
+        </a:xfrm>
+      </p:grpSpPr>
+      <p:sp>
+        <p:nvSpPr>
+          <p:cNvPr id="4" name="Google Shape;267;p55" hidden="0"/>
+          <p:cNvSpPr/>
+          <p:nvPr isPhoto="0" userDrawn="0"/>
+        </p:nvSpPr>
+        <p:spPr bwMode="auto">
+          <a:xfrm>
+            <a:off x="457200" y="781200"/>
+            <a:ext cx="8228520" cy="618120"/>
+          </a:xfrm>
+          <a:prstGeom prst="rect">
+            <a:avLst/>
+          </a:prstGeom>
+          <a:noFill/>
+          <a:ln>
+            <a:noFill/>
+          </a:ln>
+        </p:spPr>
+        <p:txBody>
+          <a:bodyPr spcFirstLastPara="1" wrap="square" lIns="90000" tIns="45000" rIns="90000" bIns="45000" anchor="t" anchorCtr="0">
+            <a:noAutofit/>
+          </a:bodyPr>
+          <a:lstStyle/>
+          <a:p>
+            <a:pPr marL="0" marR="0" lvl="0" indent="0" algn="l">
+              <a:lnSpc>
+                <a:spcPct val="100000"/>
+              </a:lnSpc>
+              <a:spcBef>
+                <a:spcPts val="0"/>
+              </a:spcBef>
+              <a:spcAft>
+                <a:spcPts val="0"/>
+              </a:spcAft>
+              <a:buNone/>
+              <a:defRPr/>
+            </a:pPr>
+            <a:r>
+              <a:rPr lang="pt-BR" sz="3200" b="0" i="0" u="none" strike="noStrike" cap="none">
+                <a:solidFill>
+                  <a:srgbClr val="C00026"/>
+                </a:solidFill>
+                <a:latin typeface="Verdana"/>
+                <a:ea typeface="Verdana"/>
+                <a:cs typeface="Verdana"/>
+              </a:rPr>
+              <a:t>Heurística</a:t>
+            </a:r>
+            <a:endParaRPr sz="3200" b="0" i="0" u="none" strike="noStrike" cap="none">
+              <a:solidFill>
+                <a:schemeClr val="dk1"/>
+              </a:solidFill>
+              <a:latin typeface="Arial"/>
+              <a:ea typeface="Arial"/>
+              <a:cs typeface="Arial"/>
+            </a:endParaRPr>
+          </a:p>
+        </p:txBody>
+      </p:sp>
+      <p:sp>
+        <p:nvSpPr>
+          <p:cNvPr id="5" name="Google Shape;268;p55" hidden="0"/>
+          <p:cNvSpPr/>
+          <p:nvPr isPhoto="0" userDrawn="0"/>
+        </p:nvSpPr>
+        <p:spPr bwMode="auto">
+          <a:xfrm>
+            <a:off x="162000" y="85680"/>
+            <a:ext cx="7228440" cy="351360"/>
+          </a:xfrm>
+          <a:prstGeom prst="rect">
+            <a:avLst/>
+          </a:prstGeom>
+          <a:noFill/>
+          <a:ln>
+            <a:noFill/>
+          </a:ln>
+        </p:spPr>
+        <p:txBody>
+          <a:bodyPr spcFirstLastPara="1" wrap="square" lIns="91422" tIns="91422" rIns="91422" bIns="91422" anchor="ctr" anchorCtr="0">
+            <a:noAutofit/>
+          </a:bodyPr>
+          <a:lstStyle/>
+          <a:p>
+            <a:pPr marL="0" lvl="0" indent="0" algn="l">
+              <a:spcBef>
+                <a:spcPts val="0"/>
+              </a:spcBef>
+              <a:spcAft>
+                <a:spcPts val="0"/>
+              </a:spcAft>
+              <a:buNone/>
+              <a:defRPr/>
+            </a:pPr>
+            <a:endParaRPr/>
+          </a:p>
+        </p:txBody>
+      </p:sp>
+      <p:sp>
+        <p:nvSpPr>
+          <p:cNvPr id="6" name="Google Shape;269;p55" hidden="0"/>
+          <p:cNvSpPr/>
+          <p:nvPr isPhoto="0" userDrawn="0"/>
+        </p:nvSpPr>
+        <p:spPr bwMode="auto">
+          <a:xfrm>
+            <a:off x="84240" y="6402240"/>
+            <a:ext cx="640440" cy="363960"/>
+          </a:xfrm>
+          <a:prstGeom prst="rect">
+            <a:avLst/>
+          </a:prstGeom>
+          <a:noFill/>
+          <a:ln>
+            <a:noFill/>
+          </a:ln>
+        </p:spPr>
+        <p:txBody>
+          <a:bodyPr spcFirstLastPara="1" wrap="square" lIns="90000" tIns="45000" rIns="90000" bIns="45000" anchor="ctr" anchorCtr="0">
+            <a:noAutofit/>
+          </a:bodyPr>
+          <a:lstStyle/>
+          <a:p>
+            <a:pPr marL="0" marR="0" lvl="0" indent="0" algn="r">
+              <a:lnSpc>
+                <a:spcPct val="100000"/>
+              </a:lnSpc>
+              <a:spcBef>
+                <a:spcPts val="0"/>
+              </a:spcBef>
+              <a:spcAft>
+                <a:spcPts val="0"/>
+              </a:spcAft>
+              <a:buNone/>
+              <a:defRPr/>
+            </a:pPr>
+            <a:fld id="{5D0FCA85-94E1-1C2E-3B3A-FE70AC6A3E6B}" type="slidenum">
+              <a:rPr lang="pt-BR" sz="1000" b="0" i="0" u="none" strike="noStrike" cap="none">
+                <a:solidFill>
+                  <a:srgbClr val="B2B2B2"/>
+                </a:solidFill>
+                <a:latin typeface="Verdana"/>
+                <a:ea typeface="Verdana"/>
+                <a:cs typeface="Verdana"/>
+              </a:rPr>
+              <a:t/>
+            </a:fld>
+            <a:endParaRPr sz="1000" b="0" i="0" u="none" strike="noStrike" cap="none">
+              <a:solidFill>
+                <a:schemeClr val="dk1"/>
+              </a:solidFill>
+              <a:latin typeface="Arial"/>
+              <a:ea typeface="Arial"/>
+              <a:cs typeface="Arial"/>
+            </a:endParaRPr>
+          </a:p>
+        </p:txBody>
+      </p:sp>
+      <p:sp>
+        <p:nvSpPr>
+          <p:cNvPr id="7" name="Google Shape;270;p55" hidden="0"/>
+          <p:cNvSpPr>
+            <a:spLocks noAdjustHandles="0" noChangeArrowheads="0"/>
+          </p:cNvSpPr>
+          <p:nvPr isPhoto="0" userDrawn="0"/>
+        </p:nvSpPr>
+        <p:spPr bwMode="auto">
+          <a:xfrm flipH="0" flipV="0">
+            <a:off x="309226" y="1588485"/>
+            <a:ext cx="8704380" cy="4976427"/>
+          </a:xfrm>
+          <a:prstGeom prst="rect">
+            <a:avLst/>
+          </a:prstGeom>
+          <a:noFill/>
+          <a:ln>
+            <a:noFill/>
+          </a:ln>
+        </p:spPr>
+        <p:txBody>
+          <a:bodyPr spcFirstLastPara="1" wrap="square" lIns="91422" tIns="45695" rIns="91422" bIns="45695" anchor="t" anchorCtr="0">
+            <a:noAutofit/>
+          </a:bodyPr>
+          <a:lstStyle/>
+          <a:p>
+            <a:pPr algn="l">
+              <a:defRPr/>
+            </a:pPr>
+            <a:endParaRPr sz="2400" b="1" u="sng">
+              <a:solidFill>
+                <a:schemeClr val="accent2"/>
+              </a:solidFill>
+            </a:endParaRPr>
+          </a:p>
+          <a:p>
+            <a:pPr algn="l">
+              <a:defRPr/>
+            </a:pPr>
+            <a:endParaRPr sz="2400" b="1" u="sng">
+              <a:solidFill>
+                <a:schemeClr val="accent2"/>
+              </a:solidFill>
+            </a:endParaRPr>
+          </a:p>
+          <a:p>
+            <a:pPr algn="ctr">
+              <a:defRPr/>
+            </a:pPr>
+            <a:r>
+              <a:rPr sz="2800" b="0" u="none">
+                <a:solidFill>
+                  <a:schemeClr val="tx1"/>
+                </a:solidFill>
+              </a:rPr>
+              <a:t>"truque" usado para resolver um problema rapidamente</a:t>
+            </a:r>
+            <a:endParaRPr sz="2800" b="0" u="none">
+              <a:solidFill>
+                <a:schemeClr val="tx1"/>
+              </a:solidFill>
+            </a:endParaRPr>
+          </a:p>
+          <a:p>
+            <a:pPr algn="ctr">
+              <a:defRPr/>
+            </a:pPr>
+            <a:endParaRPr sz="2800" b="1" u="sng">
+              <a:solidFill>
+                <a:schemeClr val="accent2">
+                  <a:lumMod val="75000"/>
+                </a:schemeClr>
+              </a:solidFill>
+            </a:endParaRPr>
+          </a:p>
+          <a:p>
+            <a:pPr algn="l">
+              <a:defRPr/>
+            </a:pPr>
+            <a:endParaRPr sz="2400" b="0" u="none">
+              <a:solidFill>
+                <a:schemeClr val="tx1"/>
+              </a:solidFill>
+            </a:endParaRPr>
+          </a:p>
+          <a:p>
+            <a:pPr algn="l">
+              <a:defRPr/>
+            </a:pPr>
+            <a:r>
+              <a:rPr sz="2400" b="0" u="none">
+                <a:solidFill>
+                  <a:schemeClr val="tx1"/>
+                </a:solidFill>
+              </a:rPr>
+              <a:t>Por velocidade, sacrificamos ao menos um entre</a:t>
+            </a:r>
+            <a:endParaRPr sz="2400" b="0" u="none">
+              <a:solidFill>
+                <a:schemeClr val="tx1"/>
+              </a:solidFill>
+            </a:endParaRPr>
+          </a:p>
+          <a:p>
+            <a:pPr algn="l">
+              <a:defRPr/>
+            </a:pPr>
+            <a:endParaRPr sz="2400" b="0" u="none">
+              <a:solidFill>
+                <a:schemeClr val="tx1"/>
+              </a:solidFill>
+            </a:endParaRPr>
+          </a:p>
+          <a:p>
+            <a:pPr marL="394021" indent="-394021" algn="l">
+              <a:buFont typeface="Arial"/>
+              <a:buChar char="•"/>
+              <a:defRPr/>
+            </a:pPr>
+            <a:r>
+              <a:rPr sz="2400" b="0" u="none">
+                <a:solidFill>
+                  <a:schemeClr val="tx1"/>
+                </a:solidFill>
+              </a:rPr>
+              <a:t>otimalidade</a:t>
+            </a:r>
+            <a:endParaRPr sz="2400" b="0" u="none">
+              <a:solidFill>
+                <a:schemeClr val="tx1"/>
+              </a:solidFill>
+            </a:endParaRPr>
+          </a:p>
+          <a:p>
+            <a:pPr marL="394021" indent="-394021" algn="l">
+              <a:buFont typeface="Arial"/>
+              <a:buChar char="•"/>
+              <a:defRPr/>
+            </a:pPr>
+            <a:r>
+              <a:rPr sz="2400" b="0" u="none">
+                <a:solidFill>
+                  <a:schemeClr val="tx1"/>
+                </a:solidFill>
+              </a:rPr>
+              <a:t>corretude</a:t>
+            </a:r>
+            <a:endParaRPr sz="2400" b="0" u="none">
+              <a:solidFill>
+                <a:schemeClr val="tx1"/>
+              </a:solidFill>
+            </a:endParaRPr>
+          </a:p>
+          <a:p>
+            <a:pPr marL="394020" indent="-394020" algn="l">
+              <a:buFont typeface="Arial"/>
+              <a:buChar char="•"/>
+              <a:defRPr/>
+            </a:pPr>
+            <a:r>
+              <a:rPr sz="2400" b="0" u="none">
+                <a:solidFill>
+                  <a:schemeClr val="tx1"/>
+                </a:solidFill>
+              </a:rPr>
+              <a:t>precisão</a:t>
+            </a:r>
+            <a:endParaRPr sz="2400" b="0" u="none">
+              <a:solidFill>
+                <a:schemeClr val="tx1"/>
+              </a:solidFill>
+            </a:endParaRPr>
+          </a:p>
+          <a:p>
+            <a:pPr marL="394020" indent="-394020" algn="l">
+              <a:buFont typeface="Arial"/>
+              <a:buChar char="•"/>
+              <a:defRPr/>
+            </a:pPr>
+            <a:r>
+              <a:rPr sz="2400" b="0" u="none">
+                <a:solidFill>
+                  <a:schemeClr val="tx1"/>
+                </a:solidFill>
+              </a:rPr>
+              <a:t>exatidão</a:t>
+            </a:r>
+            <a:endParaRPr sz="2400" b="0" u="none">
+              <a:solidFill>
+                <a:schemeClr val="tx1"/>
+              </a:solidFill>
+            </a:endParaRPr>
+          </a:p>
+          <a:p>
+            <a:pPr marL="394021" indent="-394021" algn="l">
+              <a:buFont typeface="Arial"/>
+              <a:buChar char="•"/>
+              <a:defRPr/>
+            </a:pPr>
+            <a:endParaRPr sz="2800" b="0" u="none">
+              <a:solidFill>
+                <a:schemeClr val="tx1"/>
+              </a:solidFill>
+            </a:endParaRPr>
+          </a:p>
+        </p:txBody>
+      </p:sp>
+    </p:spTree>
+  </p:cSld>
+  <p:clrMapOvr>
+    <a:masterClrMapping/>
+  </p:clrMapOvr>
+  <mc:AlternateContent xmlns:mc="http://schemas.openxmlformats.org/markup-compatibility/2006">
+    <mc:Choice xmlns:p14="http://schemas.microsoft.com/office/powerpoint/2010/main" Requires="p14">
+      <p:transition p14:dur="2000" advClick="1"/>
+    </mc:Choice>
+    <mc:Fallback>
+      <p:transition advClick="1"/>
+    </mc:Fallback>
+  </mc:AlternateContent>
+</p:sld>
+</file>
+
+<file path=ppt/slides/slide18.xml><?xml version="1.0" encoding="utf-8"?>
+<p:sld xmlns:a="http://schemas.openxmlformats.org/drawingml/2006/main" xmlns:r="http://schemas.openxmlformats.org/officeDocument/2006/relationships" xmlns:p="http://schemas.openxmlformats.org/presentationml/2006/main" xmlns:m="http://schemas.openxmlformats.org/officeDocument/2006/math" xmlns:w="http://schemas.openxmlformats.org/wordprocessingml/2006/main" showMasterPhAnim="0" show="1">
+  <p:cSld name="">
+    <p:spTree>
+      <p:nvGrpSpPr>
+        <p:cNvPr id="1" name="" hidden="0"/>
+        <p:cNvGrpSpPr/>
+        <p:nvPr isPhoto="0" userDrawn="0"/>
+      </p:nvGrpSpPr>
+      <p:grpSpPr bwMode="auto">
+        <a:xfrm>
+          <a:off x="0" y="0"/>
+          <a:ext cx="0" cy="0"/>
+          <a:chOff x="0" y="0"/>
+          <a:chExt cx="0" cy="0"/>
+        </a:xfrm>
+      </p:grpSpPr>
+      <p:sp>
+        <p:nvSpPr>
+          <p:cNvPr id="4" name="Google Shape;267;p55" hidden="0"/>
+          <p:cNvSpPr/>
+          <p:nvPr isPhoto="0" userDrawn="0"/>
+        </p:nvSpPr>
+        <p:spPr bwMode="auto">
+          <a:xfrm>
+            <a:off x="457200" y="781200"/>
+            <a:ext cx="8228520" cy="618120"/>
+          </a:xfrm>
+          <a:prstGeom prst="rect">
+            <a:avLst/>
+          </a:prstGeom>
+          <a:noFill/>
+          <a:ln>
+            <a:noFill/>
+          </a:ln>
+        </p:spPr>
+        <p:txBody>
+          <a:bodyPr spcFirstLastPara="1" wrap="square" lIns="90000" tIns="45000" rIns="90000" bIns="45000" anchor="t" anchorCtr="0">
+            <a:noAutofit/>
+          </a:bodyPr>
+          <a:lstStyle/>
+          <a:p>
+            <a:pPr marL="0" marR="0" lvl="0" indent="0" algn="l">
+              <a:lnSpc>
+                <a:spcPct val="100000"/>
+              </a:lnSpc>
+              <a:spcBef>
+                <a:spcPts val="0"/>
+              </a:spcBef>
+              <a:spcAft>
+                <a:spcPts val="0"/>
+              </a:spcAft>
+              <a:buNone/>
+              <a:defRPr/>
+            </a:pPr>
+            <a:r>
+              <a:rPr lang="pt-BR" sz="3200" b="0" i="0" u="none" strike="noStrike" cap="none">
+                <a:solidFill>
+                  <a:srgbClr val="C00026"/>
+                </a:solidFill>
+                <a:latin typeface="Verdana"/>
+                <a:ea typeface="Verdana"/>
+                <a:cs typeface="Verdana"/>
+              </a:rPr>
+              <a:t>Heurística</a:t>
+            </a:r>
+            <a:endParaRPr sz="3200" b="0" i="0" u="none" strike="noStrike" cap="none">
+              <a:solidFill>
+                <a:schemeClr val="dk1"/>
+              </a:solidFill>
+              <a:latin typeface="Arial"/>
+              <a:ea typeface="Arial"/>
+              <a:cs typeface="Arial"/>
+            </a:endParaRPr>
+          </a:p>
+        </p:txBody>
+      </p:sp>
+      <p:sp>
+        <p:nvSpPr>
+          <p:cNvPr id="5" name="Google Shape;268;p55" hidden="0"/>
+          <p:cNvSpPr/>
+          <p:nvPr isPhoto="0" userDrawn="0"/>
+        </p:nvSpPr>
+        <p:spPr bwMode="auto">
+          <a:xfrm>
+            <a:off x="162000" y="85680"/>
+            <a:ext cx="7228440" cy="351360"/>
+          </a:xfrm>
+          <a:prstGeom prst="rect">
+            <a:avLst/>
+          </a:prstGeom>
+          <a:noFill/>
+          <a:ln>
+            <a:noFill/>
+          </a:ln>
+        </p:spPr>
+        <p:txBody>
+          <a:bodyPr spcFirstLastPara="1" wrap="square" lIns="91422" tIns="91422" rIns="91422" bIns="91422" anchor="ctr" anchorCtr="0">
+            <a:noAutofit/>
+          </a:bodyPr>
+          <a:lstStyle/>
+          <a:p>
+            <a:pPr marL="0" lvl="0" indent="0" algn="l">
+              <a:spcBef>
+                <a:spcPts val="0"/>
+              </a:spcBef>
+              <a:spcAft>
+                <a:spcPts val="0"/>
+              </a:spcAft>
+              <a:buNone/>
+              <a:defRPr/>
+            </a:pPr>
+            <a:endParaRPr/>
+          </a:p>
+        </p:txBody>
+      </p:sp>
+      <p:sp>
+        <p:nvSpPr>
+          <p:cNvPr id="6" name="Google Shape;269;p55" hidden="0"/>
+          <p:cNvSpPr/>
+          <p:nvPr isPhoto="0" userDrawn="0"/>
+        </p:nvSpPr>
+        <p:spPr bwMode="auto">
+          <a:xfrm>
+            <a:off x="84240" y="6402240"/>
+            <a:ext cx="640440" cy="363960"/>
+          </a:xfrm>
+          <a:prstGeom prst="rect">
+            <a:avLst/>
+          </a:prstGeom>
+          <a:noFill/>
+          <a:ln>
+            <a:noFill/>
+          </a:ln>
+        </p:spPr>
+        <p:txBody>
+          <a:bodyPr spcFirstLastPara="1" wrap="square" lIns="90000" tIns="45000" rIns="90000" bIns="45000" anchor="ctr" anchorCtr="0">
+            <a:noAutofit/>
+          </a:bodyPr>
+          <a:lstStyle/>
+          <a:p>
+            <a:pPr marL="0" marR="0" lvl="0" indent="0" algn="r">
+              <a:lnSpc>
+                <a:spcPct val="100000"/>
+              </a:lnSpc>
+              <a:spcBef>
+                <a:spcPts val="0"/>
+              </a:spcBef>
+              <a:spcAft>
+                <a:spcPts val="0"/>
+              </a:spcAft>
+              <a:buNone/>
+              <a:defRPr/>
+            </a:pPr>
+            <a:fld id="{0794FB39-318C-1CD7-7800-512E9AA2BF95}" type="slidenum">
+              <a:rPr lang="pt-BR" sz="1000" b="0" i="0" u="none" strike="noStrike" cap="none">
+                <a:solidFill>
+                  <a:srgbClr val="B2B2B2"/>
+                </a:solidFill>
+                <a:latin typeface="Verdana"/>
+                <a:ea typeface="Verdana"/>
+                <a:cs typeface="Verdana"/>
+              </a:rPr>
+              <a:t/>
+            </a:fld>
+            <a:endParaRPr sz="1000" b="0" i="0" u="none" strike="noStrike" cap="none">
+              <a:solidFill>
+                <a:schemeClr val="dk1"/>
+              </a:solidFill>
+              <a:latin typeface="Arial"/>
+              <a:ea typeface="Arial"/>
+              <a:cs typeface="Arial"/>
+            </a:endParaRPr>
+          </a:p>
+        </p:txBody>
+      </p:sp>
+      <p:sp>
+        <p:nvSpPr>
+          <p:cNvPr id="7" name="Google Shape;270;p55" hidden="0"/>
+          <p:cNvSpPr>
+            <a:spLocks noAdjustHandles="0" noChangeArrowheads="0"/>
+          </p:cNvSpPr>
+          <p:nvPr isPhoto="0" userDrawn="0"/>
+        </p:nvSpPr>
+        <p:spPr bwMode="auto">
+          <a:xfrm flipH="0" flipV="0">
+            <a:off x="309226" y="1588485"/>
+            <a:ext cx="8704380" cy="4976427"/>
+          </a:xfrm>
+          <a:prstGeom prst="rect">
+            <a:avLst/>
+          </a:prstGeom>
+          <a:noFill/>
+          <a:ln>
+            <a:noFill/>
+          </a:ln>
+        </p:spPr>
+        <p:txBody>
+          <a:bodyPr spcFirstLastPara="1" wrap="square" lIns="91422" tIns="45695" rIns="91422" bIns="45695" anchor="t" anchorCtr="0">
+            <a:noAutofit/>
+          </a:bodyPr>
+          <a:lstStyle/>
+          <a:p>
+            <a:pPr algn="l">
+              <a:defRPr/>
+            </a:pPr>
+            <a:endParaRPr sz="2400" b="1" u="sng">
+              <a:solidFill>
+                <a:schemeClr val="accent2"/>
+              </a:solidFill>
+            </a:endParaRPr>
+          </a:p>
+          <a:p>
+            <a:pPr algn="l">
+              <a:defRPr/>
+            </a:pPr>
+            <a:endParaRPr sz="2400" b="1" u="sng">
+              <a:solidFill>
+                <a:schemeClr val="accent2"/>
+              </a:solidFill>
+            </a:endParaRPr>
+          </a:p>
+          <a:p>
+            <a:pPr algn="ctr">
+              <a:defRPr/>
+            </a:pPr>
+            <a:r>
+              <a:rPr sz="2800" b="0" u="none">
+                <a:solidFill>
+                  <a:schemeClr val="tx1"/>
+                </a:solidFill>
+              </a:rPr>
+              <a:t>"truque" usado para resolver um problema rapidamente</a:t>
+            </a:r>
+            <a:endParaRPr sz="2800" b="0" u="none">
+              <a:solidFill>
+                <a:schemeClr val="tx1"/>
+              </a:solidFill>
+            </a:endParaRPr>
+          </a:p>
+          <a:p>
+            <a:pPr algn="ctr">
+              <a:defRPr/>
+            </a:pPr>
+            <a:endParaRPr sz="2800" b="1" u="sng">
+              <a:solidFill>
+                <a:schemeClr val="accent2">
+                  <a:lumMod val="75000"/>
+                </a:schemeClr>
+              </a:solidFill>
+            </a:endParaRPr>
+          </a:p>
+          <a:p>
+            <a:pPr algn="l">
+              <a:defRPr/>
+            </a:pPr>
+            <a:endParaRPr sz="2400" b="0" u="none">
+              <a:solidFill>
+                <a:schemeClr val="tx1"/>
+              </a:solidFill>
+            </a:endParaRPr>
+          </a:p>
+          <a:p>
+            <a:pPr algn="l">
+              <a:defRPr/>
+            </a:pPr>
+            <a:r>
+              <a:rPr sz="2400" b="0" u="none">
+                <a:solidFill>
+                  <a:schemeClr val="tx1"/>
+                </a:solidFill>
+              </a:rPr>
+              <a:t>Ainda assim, uma boa heurística é suficiente para obter resultados aproximados ou ganhos de curto prazo.</a:t>
+            </a:r>
+            <a:endParaRPr sz="2400" b="0" u="none">
+              <a:solidFill>
+                <a:schemeClr val="tx1"/>
+              </a:solidFill>
+            </a:endParaRPr>
+          </a:p>
+          <a:p>
+            <a:pPr algn="l">
+              <a:defRPr/>
+            </a:pPr>
+            <a:endParaRPr sz="2400" b="0" u="none">
+              <a:solidFill>
+                <a:schemeClr val="tx1"/>
+              </a:solidFill>
+            </a:endParaRPr>
+          </a:p>
+          <a:p>
+            <a:pPr marL="349965" indent="-349965" algn="l">
+              <a:lnSpc>
+                <a:spcPct val="150000"/>
+              </a:lnSpc>
+              <a:buFont typeface="Arial"/>
+              <a:buChar char="•"/>
+              <a:defRPr/>
+            </a:pPr>
+            <a:r>
+              <a:rPr sz="2400" b="0" u="none">
+                <a:solidFill>
+                  <a:schemeClr val="tx1"/>
+                </a:solidFill>
+              </a:rPr>
+              <a:t>explorar alguma propriedade do problema</a:t>
+            </a:r>
+            <a:endParaRPr sz="2400" b="0" u="none">
+              <a:solidFill>
+                <a:schemeClr val="tx1"/>
+              </a:solidFill>
+            </a:endParaRPr>
+          </a:p>
+          <a:p>
+            <a:pPr marL="349965" indent="-349965" algn="l">
+              <a:lnSpc>
+                <a:spcPct val="150000"/>
+              </a:lnSpc>
+              <a:buFont typeface="Arial"/>
+              <a:buChar char="•"/>
+              <a:defRPr/>
+            </a:pPr>
+            <a:r>
+              <a:rPr sz="2400" b="0" u="none">
+                <a:solidFill>
+                  <a:schemeClr val="tx1"/>
+                </a:solidFill>
+              </a:rPr>
+              <a:t>dividir em partes menores que podem ser resolvidas rapidamente e combinar os resultados</a:t>
+            </a:r>
+            <a:endParaRPr sz="2400" b="0" u="none">
+              <a:solidFill>
+                <a:schemeClr val="tx1"/>
+              </a:solidFill>
+            </a:endParaRPr>
+          </a:p>
+          <a:p>
+            <a:pPr marL="394021" indent="-394021" algn="l">
+              <a:buFont typeface="Arial"/>
+              <a:buChar char="•"/>
+              <a:defRPr/>
+            </a:pPr>
+            <a:endParaRPr sz="2800" b="0" u="none">
+              <a:solidFill>
+                <a:schemeClr val="tx1"/>
+              </a:solidFill>
+            </a:endParaRPr>
+          </a:p>
+        </p:txBody>
+      </p:sp>
+    </p:spTree>
+  </p:cSld>
+  <p:clrMapOvr>
+    <a:masterClrMapping/>
+  </p:clrMapOvr>
+  <mc:AlternateContent xmlns:mc="http://schemas.openxmlformats.org/markup-compatibility/2006">
+    <mc:Choice xmlns:p14="http://schemas.microsoft.com/office/powerpoint/2010/main" Requires="p14">
+      <p:transition p14:dur="2000" advClick="1"/>
+    </mc:Choice>
+    <mc:Fallback>
+      <p:transition advClick="1"/>
+    </mc:Fallback>
+  </mc:AlternateContent>
+</p:sld>
+</file>
+
+<file path=ppt/slides/slide19.xml><?xml version="1.0" encoding="utf-8"?>
+<p:sld xmlns:a="http://schemas.openxmlformats.org/drawingml/2006/main" xmlns:r="http://schemas.openxmlformats.org/officeDocument/2006/relationships" xmlns:p="http://schemas.openxmlformats.org/presentationml/2006/main" xmlns:m="http://schemas.openxmlformats.org/officeDocument/2006/math" xmlns:w="http://schemas.openxmlformats.org/wordprocessingml/2006/main" showMasterPhAnim="0" show="1">
+  <p:cSld name="">
+    <p:spTree>
+      <p:nvGrpSpPr>
+        <p:cNvPr id="1" name="" hidden="0"/>
+        <p:cNvGrpSpPr/>
+        <p:nvPr isPhoto="0" userDrawn="0"/>
+      </p:nvGrpSpPr>
+      <p:grpSpPr bwMode="auto">
+        <a:xfrm>
+          <a:off x="0" y="0"/>
+          <a:ext cx="0" cy="0"/>
+          <a:chOff x="0" y="0"/>
+          <a:chExt cx="0" cy="0"/>
+        </a:xfrm>
+      </p:grpSpPr>
+      <p:sp>
+        <p:nvSpPr>
+          <p:cNvPr id="4" name="Google Shape;267;p55" hidden="0"/>
+          <p:cNvSpPr/>
+          <p:nvPr isPhoto="0" userDrawn="0"/>
+        </p:nvSpPr>
+        <p:spPr bwMode="auto">
+          <a:xfrm>
+            <a:off x="457200" y="781200"/>
+            <a:ext cx="8228520" cy="618120"/>
+          </a:xfrm>
+          <a:prstGeom prst="rect">
+            <a:avLst/>
+          </a:prstGeom>
+          <a:noFill/>
+          <a:ln>
+            <a:noFill/>
+          </a:ln>
+        </p:spPr>
+        <p:txBody>
+          <a:bodyPr spcFirstLastPara="1" wrap="square" lIns="90000" tIns="45000" rIns="90000" bIns="45000" anchor="t" anchorCtr="0">
+            <a:noAutofit/>
+          </a:bodyPr>
+          <a:lstStyle/>
+          <a:p>
+            <a:pPr marL="0" marR="0" lvl="0" indent="0" algn="l">
+              <a:lnSpc>
+                <a:spcPct val="100000"/>
+              </a:lnSpc>
+              <a:spcBef>
+                <a:spcPts val="0"/>
+              </a:spcBef>
+              <a:spcAft>
+                <a:spcPts val="0"/>
+              </a:spcAft>
+              <a:buNone/>
+              <a:defRPr/>
+            </a:pPr>
+            <a:r>
+              <a:rPr lang="pt-BR" sz="3200" b="0" i="0" u="none" strike="noStrike" cap="none">
+                <a:solidFill>
+                  <a:srgbClr val="C00026"/>
+                </a:solidFill>
+                <a:latin typeface="Verdana"/>
+                <a:ea typeface="Verdana"/>
+                <a:cs typeface="Verdana"/>
+              </a:rPr>
+              <a:t>Como resolver esse problema?</a:t>
+            </a:r>
+            <a:endParaRPr sz="3200" b="0" i="0" u="none" strike="noStrike" cap="none">
+              <a:solidFill>
+                <a:schemeClr val="dk1"/>
+              </a:solidFill>
+              <a:latin typeface="Arial"/>
+              <a:ea typeface="Arial"/>
+              <a:cs typeface="Arial"/>
+            </a:endParaRPr>
+          </a:p>
+        </p:txBody>
+      </p:sp>
+      <p:sp>
+        <p:nvSpPr>
+          <p:cNvPr id="5" name="Google Shape;268;p55" hidden="0"/>
+          <p:cNvSpPr/>
+          <p:nvPr isPhoto="0" userDrawn="0"/>
+        </p:nvSpPr>
+        <p:spPr bwMode="auto">
+          <a:xfrm>
+            <a:off x="162000" y="85680"/>
+            <a:ext cx="7228440" cy="351360"/>
+          </a:xfrm>
+          <a:prstGeom prst="rect">
+            <a:avLst/>
+          </a:prstGeom>
+          <a:noFill/>
+          <a:ln>
+            <a:noFill/>
+          </a:ln>
+        </p:spPr>
+        <p:txBody>
+          <a:bodyPr spcFirstLastPara="1" wrap="square" lIns="91422" tIns="91422" rIns="91422" bIns="91422" anchor="ctr" anchorCtr="0">
+            <a:noAutofit/>
+          </a:bodyPr>
+          <a:lstStyle/>
+          <a:p>
+            <a:pPr marL="0" lvl="0" indent="0" algn="l">
+              <a:spcBef>
+                <a:spcPts val="0"/>
+              </a:spcBef>
+              <a:spcAft>
+                <a:spcPts val="0"/>
+              </a:spcAft>
+              <a:buNone/>
+              <a:defRPr/>
+            </a:pPr>
+            <a:endParaRPr/>
+          </a:p>
+        </p:txBody>
+      </p:sp>
+      <p:sp>
+        <p:nvSpPr>
+          <p:cNvPr id="6" name="Google Shape;269;p55" hidden="0"/>
+          <p:cNvSpPr/>
+          <p:nvPr isPhoto="0" userDrawn="0"/>
+        </p:nvSpPr>
+        <p:spPr bwMode="auto">
+          <a:xfrm>
+            <a:off x="84240" y="6402240"/>
+            <a:ext cx="640440" cy="363960"/>
+          </a:xfrm>
+          <a:prstGeom prst="rect">
+            <a:avLst/>
+          </a:prstGeom>
+          <a:noFill/>
+          <a:ln>
+            <a:noFill/>
+          </a:ln>
+        </p:spPr>
+        <p:txBody>
+          <a:bodyPr spcFirstLastPara="1" wrap="square" lIns="90000" tIns="45000" rIns="90000" bIns="45000" anchor="ctr" anchorCtr="0">
+            <a:noAutofit/>
+          </a:bodyPr>
+          <a:lstStyle/>
+          <a:p>
+            <a:pPr marL="0" marR="0" lvl="0" indent="0" algn="r">
+              <a:lnSpc>
+                <a:spcPct val="100000"/>
+              </a:lnSpc>
+              <a:spcBef>
+                <a:spcPts val="0"/>
+              </a:spcBef>
+              <a:spcAft>
+                <a:spcPts val="0"/>
+              </a:spcAft>
+              <a:buNone/>
+              <a:defRPr/>
+            </a:pPr>
+            <a:fld id="{C0574490-C662-1076-E494-D126E22D6CE4}" type="slidenum">
+              <a:rPr lang="pt-BR" sz="1000" b="0" i="0" u="none" strike="noStrike" cap="none">
+                <a:solidFill>
+                  <a:srgbClr val="B2B2B2"/>
+                </a:solidFill>
+                <a:latin typeface="Verdana"/>
+                <a:ea typeface="Verdana"/>
+                <a:cs typeface="Verdana"/>
+              </a:rPr>
+              <a:t/>
+            </a:fld>
+            <a:endParaRPr sz="1000" b="0" i="0" u="none" strike="noStrike" cap="none">
+              <a:solidFill>
+                <a:schemeClr val="dk1"/>
+              </a:solidFill>
+              <a:latin typeface="Arial"/>
+              <a:ea typeface="Arial"/>
+              <a:cs typeface="Arial"/>
+            </a:endParaRPr>
+          </a:p>
+        </p:txBody>
+      </p:sp>
+      <p:sp>
+        <p:nvSpPr>
+          <p:cNvPr id="7" name="Google Shape;270;p55" hidden="0"/>
+          <p:cNvSpPr>
+            <a:spLocks noAdjustHandles="0" noChangeArrowheads="0"/>
+          </p:cNvSpPr>
+          <p:nvPr isPhoto="0" userDrawn="0"/>
+        </p:nvSpPr>
+        <p:spPr bwMode="auto">
+          <a:xfrm flipH="0" flipV="0">
+            <a:off x="309226" y="1588485"/>
+            <a:ext cx="8704380" cy="4976427"/>
+          </a:xfrm>
+          <a:prstGeom prst="rect">
+            <a:avLst/>
+          </a:prstGeom>
+          <a:noFill/>
+          <a:ln>
+            <a:noFill/>
+          </a:ln>
+        </p:spPr>
+        <p:txBody>
+          <a:bodyPr spcFirstLastPara="1" wrap="square" lIns="91422" tIns="45695" rIns="91422" bIns="45695" anchor="t" anchorCtr="0">
+            <a:noAutofit/>
+          </a:bodyPr>
+          <a:lstStyle/>
+          <a:p>
+            <a:pPr algn="l">
+              <a:defRPr/>
+            </a:pPr>
+            <a:endParaRPr sz="2400" b="0" u="none">
+              <a:solidFill>
+                <a:schemeClr val="tx1"/>
+              </a:solidFill>
+            </a:endParaRPr>
+          </a:p>
+          <a:p>
+            <a:pPr algn="l">
+              <a:defRPr/>
+            </a:pPr>
+            <a:r>
+              <a:rPr sz="2400" b="0" u="none">
+                <a:solidFill>
+                  <a:schemeClr val="tx1"/>
+                </a:solidFill>
+              </a:rPr>
+              <a:t>Algumas opções:</a:t>
+            </a:r>
+            <a:endParaRPr sz="2400" b="0" u="none">
+              <a:solidFill>
+                <a:schemeClr val="tx1"/>
+              </a:solidFill>
+            </a:endParaRPr>
+          </a:p>
+          <a:p>
+            <a:pPr algn="l">
+              <a:defRPr/>
+            </a:pPr>
+            <a:endParaRPr sz="2400" b="0" u="none">
+              <a:solidFill>
+                <a:schemeClr val="tx1"/>
+              </a:solidFill>
+            </a:endParaRPr>
+          </a:p>
+          <a:p>
+            <a:pPr marL="394021" indent="-394021" algn="l">
+              <a:lnSpc>
+                <a:spcPct val="150000"/>
+              </a:lnSpc>
+              <a:buFont typeface="Arial"/>
+              <a:buChar char="•"/>
+              <a:defRPr/>
+            </a:pPr>
+            <a:r>
+              <a:rPr sz="2400" b="0" u="none">
+                <a:solidFill>
+                  <a:schemeClr val="tx1"/>
+                </a:solidFill>
+              </a:rPr>
+              <a:t>tentar tudo e ver qual é melhor</a:t>
+            </a:r>
+            <a:endParaRPr sz="2400" b="0" u="none">
+              <a:solidFill>
+                <a:schemeClr val="tx1"/>
+              </a:solidFill>
+            </a:endParaRPr>
+          </a:p>
+          <a:p>
+            <a:pPr marL="394021" indent="-394021" algn="l">
+              <a:lnSpc>
+                <a:spcPct val="150000"/>
+              </a:lnSpc>
+              <a:buFont typeface="Arial"/>
+              <a:buChar char="•"/>
+              <a:defRPr/>
+            </a:pPr>
+            <a:r>
+              <a:rPr sz="2400" b="0" u="none">
+                <a:solidFill>
+                  <a:schemeClr val="tx1"/>
+                </a:solidFill>
+              </a:rPr>
+              <a:t>pegar o mais caro primeiro</a:t>
+            </a:r>
+            <a:r>
+              <a:rPr sz="2400" b="0" u="none">
+                <a:solidFill>
+                  <a:schemeClr val="tx1"/>
+                </a:solidFill>
+              </a:rPr>
+              <a:t> </a:t>
+            </a:r>
+            <a:endParaRPr sz="2400" b="0" u="none">
+              <a:solidFill>
+                <a:schemeClr val="tx1"/>
+              </a:solidFill>
+            </a:endParaRPr>
+          </a:p>
+          <a:p>
+            <a:pPr marL="394021" indent="-394021" algn="l">
+              <a:lnSpc>
+                <a:spcPct val="150000"/>
+              </a:lnSpc>
+              <a:buFont typeface="Arial"/>
+              <a:buChar char="•"/>
+              <a:defRPr/>
+            </a:pPr>
+            <a:r>
+              <a:rPr sz="2400" b="0" u="none">
+                <a:solidFill>
+                  <a:schemeClr val="tx1"/>
+                </a:solidFill>
+              </a:rPr>
+              <a:t>pegar o mais  leve primeiro</a:t>
+            </a:r>
+            <a:endParaRPr sz="2400" b="0" u="none">
+              <a:solidFill>
+                <a:schemeClr val="tx1"/>
+              </a:solidFill>
+            </a:endParaRPr>
+          </a:p>
+          <a:p>
+            <a:pPr algn="l">
+              <a:defRPr/>
+            </a:pPr>
+            <a:endParaRPr sz="2800" b="0" u="none">
+              <a:solidFill>
+                <a:schemeClr val="tx1"/>
+              </a:solidFill>
+            </a:endParaRPr>
+          </a:p>
+          <a:p>
+            <a:pPr algn="ctr">
+              <a:defRPr/>
+            </a:pPr>
+            <a:r>
+              <a:rPr sz="2800" b="0" u="none">
+                <a:solidFill>
+                  <a:srgbClr val="C00026"/>
+                </a:solidFill>
+              </a:rPr>
+              <a:t>Heurísticas para a Mochila binária</a:t>
+            </a:r>
+            <a:endParaRPr sz="2800" b="0" u="none">
+              <a:solidFill>
+                <a:srgbClr val="C00026"/>
+              </a:solidFill>
+            </a:endParaRPr>
+          </a:p>
+        </p:txBody>
+      </p:sp>
+      <p:cxnSp>
+        <p:nvCxnSpPr>
+          <p:cNvPr id="8" name="" hidden="0"/>
+          <p:cNvCxnSpPr>
+            <a:cxnSpLocks/>
+          </p:cNvCxnSpPr>
+          <p:nvPr isPhoto="0" userDrawn="0"/>
+        </p:nvCxnSpPr>
+        <p:spPr bwMode="auto">
+          <a:xfrm flipH="1" flipV="1">
+            <a:off x="4533068" y="4098636"/>
+            <a:ext cx="1039090" cy="692727"/>
+          </a:xfrm>
+          <a:prstGeom prst="line">
+            <a:avLst/>
+          </a:prstGeom>
+          <a:ln w="19049" cap="flat" cmpd="sng" algn="ctr">
+            <a:solidFill>
+              <a:srgbClr val="C00026"/>
+            </a:solidFill>
+            <a:prstDash val="solid"/>
+            <a:tailEnd type="arrow" len="med"/>
+          </a:ln>
+        </p:spPr>
+        <p:style>
+          <a:lnRef idx="1">
+            <a:schemeClr val="accent1">
+              <a:shade val="50000"/>
+            </a:schemeClr>
+          </a:lnRef>
+          <a:fillRef idx="0">
+            <a:schemeClr val="accent1"/>
+          </a:fillRef>
+          <a:effectRef idx="0">
+            <a:schemeClr val="accent1"/>
+          </a:effectRef>
+          <a:fontRef idx="minor">
+            <a:schemeClr val="tx1"/>
+          </a:fontRef>
+        </p:style>
+      </p:cxnSp>
+      <p:cxnSp>
+        <p:nvCxnSpPr>
+          <p:cNvPr id="9" name="" hidden="0"/>
+          <p:cNvCxnSpPr>
+            <a:cxnSpLocks/>
+            <a:stCxn id="8" idx="0"/>
+            <a:endCxn id="8" idx="0"/>
+          </p:cNvCxnSpPr>
+          <p:nvPr isPhoto="0" userDrawn="0"/>
+        </p:nvCxnSpPr>
+        <p:spPr bwMode="auto">
+          <a:xfrm rot="16199969" flipH="0" flipV="0">
+            <a:off x="5572158" y="4791363"/>
+            <a:ext cx="0" cy="0"/>
+          </a:xfrm>
+          <a:prstGeom prst="line">
+            <a:avLst/>
+          </a:prstGeom>
+          <a:ln>
+            <a:tailEnd type="arrow" len="med"/>
+          </a:ln>
+        </p:spPr>
+        <p:style>
+          <a:lnRef idx="1">
+            <a:schemeClr val="accent1">
+              <a:shade val="50000"/>
+            </a:schemeClr>
+          </a:lnRef>
+          <a:fillRef idx="0">
+            <a:schemeClr val="accent1"/>
+          </a:fillRef>
+          <a:effectRef idx="0">
+            <a:schemeClr val="accent1"/>
+          </a:effectRef>
+          <a:fontRef idx="minor">
+            <a:schemeClr val="tx1"/>
+          </a:fontRef>
+        </p:style>
+      </p:cxnSp>
+      <p:cxnSp>
+        <p:nvCxnSpPr>
+          <p:cNvPr id="10" name="" hidden="0"/>
+          <p:cNvCxnSpPr>
+            <a:cxnSpLocks/>
+            <a:stCxn id="9" idx="0"/>
+          </p:cNvCxnSpPr>
+          <p:nvPr isPhoto="0" userDrawn="0"/>
+        </p:nvCxnSpPr>
+        <p:spPr bwMode="auto">
+          <a:xfrm rot="0" flipH="1" flipV="1">
+            <a:off x="4576363" y="3550227"/>
+            <a:ext cx="995795" cy="1241136"/>
+          </a:xfrm>
+          <a:prstGeom prst="line">
+            <a:avLst/>
+          </a:prstGeom>
+          <a:ln w="19049" cap="flat" cmpd="sng" algn="ctr">
+            <a:solidFill>
+              <a:srgbClr val="C00026"/>
+            </a:solidFill>
+            <a:prstDash val="solid"/>
+            <a:tailEnd type="arrow" len="med"/>
+          </a:ln>
+        </p:spPr>
+        <p:style>
+          <a:lnRef idx="1">
+            <a:schemeClr val="accent1">
+              <a:shade val="50000"/>
+            </a:schemeClr>
+          </a:lnRef>
+          <a:fillRef idx="0">
+            <a:schemeClr val="accent1"/>
+          </a:fillRef>
+          <a:effectRef idx="0">
+            <a:schemeClr val="accent1"/>
+          </a:effectRef>
+          <a:fontRef idx="minor">
+            <a:schemeClr val="tx1"/>
+          </a:fontRef>
+        </p:style>
+      </p:cxnSp>
     </p:spTree>
   </p:cSld>
   <p:clrMapOvr>
@@ -15300,6 +16944,2802 @@
           </a:p>
         </p:txBody>
       </p:sp>
+    </p:spTree>
+  </p:cSld>
+  <p:clrMapOvr>
+    <a:masterClrMapping/>
+  </p:clrMapOvr>
+  <mc:AlternateContent xmlns:mc="http://schemas.openxmlformats.org/markup-compatibility/2006">
+    <mc:Choice xmlns:p14="http://schemas.microsoft.com/office/powerpoint/2010/main" Requires="p14">
+      <p:transition p14:dur="2000" advClick="1"/>
+    </mc:Choice>
+    <mc:Fallback>
+      <p:transition advClick="1"/>
+    </mc:Fallback>
+  </mc:AlternateContent>
+</p:sld>
+</file>
+
+<file path=ppt/slides/slide20.xml><?xml version="1.0" encoding="utf-8"?>
+<p:sld xmlns:a="http://schemas.openxmlformats.org/drawingml/2006/main" xmlns:r="http://schemas.openxmlformats.org/officeDocument/2006/relationships" xmlns:p="http://schemas.openxmlformats.org/presentationml/2006/main" xmlns:m="http://schemas.openxmlformats.org/officeDocument/2006/math" xmlns:w="http://schemas.openxmlformats.org/wordprocessingml/2006/main" showMasterPhAnim="0" show="1">
+  <p:cSld name="">
+    <p:spTree>
+      <p:nvGrpSpPr>
+        <p:cNvPr id="1" name="" hidden="0"/>
+        <p:cNvGrpSpPr/>
+        <p:nvPr isPhoto="0" userDrawn="0"/>
+      </p:nvGrpSpPr>
+      <p:grpSpPr bwMode="auto">
+        <a:xfrm>
+          <a:off x="0" y="0"/>
+          <a:ext cx="0" cy="0"/>
+          <a:chOff x="0" y="0"/>
+          <a:chExt cx="0" cy="0"/>
+        </a:xfrm>
+      </p:grpSpPr>
+      <p:sp>
+        <p:nvSpPr>
+          <p:cNvPr id="4" name="Google Shape;347;p64" hidden="0"/>
+          <p:cNvSpPr/>
+          <p:nvPr isPhoto="0" userDrawn="0"/>
+        </p:nvSpPr>
+        <p:spPr bwMode="auto">
+          <a:xfrm>
+            <a:off x="457200" y="2920659"/>
+            <a:ext cx="8228520" cy="618120"/>
+          </a:xfrm>
+          <a:prstGeom prst="rect">
+            <a:avLst/>
+          </a:prstGeom>
+          <a:noFill/>
+          <a:ln>
+            <a:noFill/>
+          </a:ln>
+        </p:spPr>
+        <p:txBody>
+          <a:bodyPr spcFirstLastPara="1" wrap="square" lIns="90000" tIns="45000" rIns="90000" bIns="45000" anchor="t" anchorCtr="0">
+            <a:noAutofit/>
+          </a:bodyPr>
+          <a:lstStyle/>
+          <a:p>
+            <a:pPr marL="0" marR="0" lvl="0" indent="0" algn="ctr">
+              <a:lnSpc>
+                <a:spcPct val="100000"/>
+              </a:lnSpc>
+              <a:spcBef>
+                <a:spcPts val="0"/>
+              </a:spcBef>
+              <a:spcAft>
+                <a:spcPts val="0"/>
+              </a:spcAft>
+              <a:buNone/>
+              <a:defRPr/>
+            </a:pPr>
+            <a:r>
+              <a:rPr lang="pt-BR" sz="3600" b="1" i="0" u="none" strike="noStrike" cap="none">
+                <a:solidFill>
+                  <a:srgbClr val="C00026"/>
+                </a:solidFill>
+                <a:latin typeface="Verdana"/>
+                <a:ea typeface="Verdana"/>
+                <a:cs typeface="Verdana"/>
+              </a:rPr>
+              <a:t>Atividade prática</a:t>
+            </a:r>
+            <a:endParaRPr sz="3600" b="1" i="0" u="none" strike="noStrike" cap="none">
+              <a:solidFill>
+                <a:schemeClr val="dk1"/>
+              </a:solidFill>
+              <a:latin typeface="Arial"/>
+              <a:ea typeface="Arial"/>
+              <a:cs typeface="Arial"/>
+            </a:endParaRPr>
+          </a:p>
+        </p:txBody>
+      </p:sp>
+      <p:sp>
+        <p:nvSpPr>
+          <p:cNvPr id="5" name="Google Shape;348;p64" hidden="0"/>
+          <p:cNvSpPr/>
+          <p:nvPr isPhoto="0" userDrawn="0"/>
+        </p:nvSpPr>
+        <p:spPr bwMode="auto">
+          <a:xfrm>
+            <a:off x="162000" y="85680"/>
+            <a:ext cx="7228440" cy="351360"/>
+          </a:xfrm>
+          <a:prstGeom prst="rect">
+            <a:avLst/>
+          </a:prstGeom>
+          <a:noFill/>
+          <a:ln>
+            <a:noFill/>
+          </a:ln>
+        </p:spPr>
+        <p:txBody>
+          <a:bodyPr spcFirstLastPara="1" wrap="square" lIns="91422" tIns="91422" rIns="91422" bIns="91422" anchor="ctr" anchorCtr="0">
+            <a:noAutofit/>
+          </a:bodyPr>
+          <a:lstStyle/>
+          <a:p>
+            <a:pPr marL="0" lvl="0" indent="0" algn="l">
+              <a:spcBef>
+                <a:spcPts val="0"/>
+              </a:spcBef>
+              <a:spcAft>
+                <a:spcPts val="0"/>
+              </a:spcAft>
+              <a:buNone/>
+              <a:defRPr/>
+            </a:pPr>
+            <a:endParaRPr/>
+          </a:p>
+        </p:txBody>
+      </p:sp>
+      <p:sp>
+        <p:nvSpPr>
+          <p:cNvPr id="6" name="Google Shape;349;p64" hidden="0"/>
+          <p:cNvSpPr/>
+          <p:nvPr isPhoto="0" userDrawn="0"/>
+        </p:nvSpPr>
+        <p:spPr bwMode="auto">
+          <a:xfrm>
+            <a:off x="84240" y="6402240"/>
+            <a:ext cx="640440" cy="363960"/>
+          </a:xfrm>
+          <a:prstGeom prst="rect">
+            <a:avLst/>
+          </a:prstGeom>
+          <a:noFill/>
+          <a:ln>
+            <a:noFill/>
+          </a:ln>
+        </p:spPr>
+        <p:txBody>
+          <a:bodyPr spcFirstLastPara="1" wrap="square" lIns="90000" tIns="45000" rIns="90000" bIns="45000" anchor="ctr" anchorCtr="0">
+            <a:noAutofit/>
+          </a:bodyPr>
+          <a:lstStyle/>
+          <a:p>
+            <a:pPr marL="0" marR="0" lvl="0" indent="0" algn="r">
+              <a:lnSpc>
+                <a:spcPct val="100000"/>
+              </a:lnSpc>
+              <a:spcBef>
+                <a:spcPts val="0"/>
+              </a:spcBef>
+              <a:spcAft>
+                <a:spcPts val="0"/>
+              </a:spcAft>
+              <a:buNone/>
+              <a:defRPr/>
+            </a:pPr>
+            <a:fld id="{97EB1981-4163-74B3-5B47-4934A2BD21C9}" type="slidenum">
+              <a:rPr lang="pt-BR" sz="1000" b="0" i="0" u="none" strike="noStrike" cap="none">
+                <a:solidFill>
+                  <a:srgbClr val="B2B2B2"/>
+                </a:solidFill>
+                <a:latin typeface="Verdana"/>
+                <a:ea typeface="Verdana"/>
+                <a:cs typeface="Verdana"/>
+              </a:rPr>
+              <a:t/>
+            </a:fld>
+            <a:endParaRPr sz="1000" b="0" i="0" u="none" strike="noStrike" cap="none">
+              <a:solidFill>
+                <a:schemeClr val="dk1"/>
+              </a:solidFill>
+              <a:latin typeface="Arial"/>
+              <a:ea typeface="Arial"/>
+              <a:cs typeface="Arial"/>
+            </a:endParaRPr>
+          </a:p>
+        </p:txBody>
+      </p:sp>
+      <p:sp>
+        <p:nvSpPr>
+          <p:cNvPr id="7" name="" hidden="0"/>
+          <p:cNvSpPr/>
+          <p:nvPr isPhoto="0" userDrawn="0"/>
+        </p:nvSpPr>
+        <p:spPr bwMode="auto">
+          <a:xfrm flipH="0" flipV="0">
+            <a:off x="724679" y="4088421"/>
+            <a:ext cx="8137933" cy="363449"/>
+          </a:xfrm>
+          <a:prstGeom prst="rect">
+            <a:avLst/>
+          </a:prstGeom>
+          <a:noFill/>
+        </p:spPr>
+        <p:txBody>
+          <a:bodyPr vertOverflow="overflow" horzOverflow="clip" vert="horz" wrap="square" lIns="91440" tIns="45720" rIns="91440" bIns="45720" numCol="1" spcCol="0" rtlCol="0" fromWordArt="0" anchor="t" anchorCtr="0" forceAA="0" upright="0" compatLnSpc="0">
+            <a:noAutofit/>
+          </a:bodyPr>
+          <a:p>
+            <a:pPr>
+              <a:defRPr/>
+            </a:pPr>
+            <a:r>
+              <a:rPr sz="2000" b="1"/>
+              <a:t>Resolvendo a mochila binária (45 minutos)</a:t>
+            </a:r>
+            <a:endParaRPr sz="2000" b="1"/>
+          </a:p>
+          <a:p>
+            <a:pPr>
+              <a:defRPr/>
+            </a:pPr>
+            <a:endParaRPr sz="2000"/>
+          </a:p>
+          <a:p>
+            <a:pPr marL="305906" indent="-305906">
+              <a:buAutoNum type="arabicPeriod"/>
+              <a:defRPr/>
+            </a:pPr>
+            <a:r>
+              <a:rPr sz="2000" b="0"/>
+              <a:t>Implementar duas heurísticas e comparar seus resultados</a:t>
+            </a:r>
+            <a:endParaRPr sz="2000" b="0"/>
+          </a:p>
+        </p:txBody>
+      </p:sp>
+    </p:spTree>
+  </p:cSld>
+  <p:clrMapOvr>
+    <a:masterClrMapping/>
+  </p:clrMapOvr>
+  <mc:AlternateContent xmlns:mc="http://schemas.openxmlformats.org/markup-compatibility/2006">
+    <mc:Choice xmlns:p14="http://schemas.microsoft.com/office/powerpoint/2010/main" Requires="p14">
+      <p:transition p14:dur="2000" advClick="1"/>
+    </mc:Choice>
+    <mc:Fallback>
+      <p:transition advClick="1"/>
+    </mc:Fallback>
+  </mc:AlternateContent>
+</p:sld>
+</file>
+
+<file path=ppt/slides/slide21.xml><?xml version="1.0" encoding="utf-8"?>
+<p:sld xmlns:a="http://schemas.openxmlformats.org/drawingml/2006/main" xmlns:r="http://schemas.openxmlformats.org/officeDocument/2006/relationships" xmlns:p="http://schemas.openxmlformats.org/presentationml/2006/main" xmlns:m="http://schemas.openxmlformats.org/officeDocument/2006/math" xmlns:w="http://schemas.openxmlformats.org/wordprocessingml/2006/main" showMasterPhAnim="0" show="1">
+  <p:cSld name="">
+    <p:spTree>
+      <p:nvGrpSpPr>
+        <p:cNvPr id="1" name="" hidden="0"/>
+        <p:cNvGrpSpPr/>
+        <p:nvPr isPhoto="0" userDrawn="0"/>
+      </p:nvGrpSpPr>
+      <p:grpSpPr bwMode="auto">
+        <a:xfrm>
+          <a:off x="0" y="0"/>
+          <a:ext cx="0" cy="0"/>
+          <a:chOff x="0" y="0"/>
+          <a:chExt cx="0" cy="0"/>
+        </a:xfrm>
+      </p:grpSpPr>
+      <p:sp>
+        <p:nvSpPr>
+          <p:cNvPr id="4" name="Google Shape;347;p64" hidden="0"/>
+          <p:cNvSpPr/>
+          <p:nvPr isPhoto="0" userDrawn="0"/>
+        </p:nvSpPr>
+        <p:spPr bwMode="auto">
+          <a:xfrm>
+            <a:off x="457200" y="2920656"/>
+            <a:ext cx="8228520" cy="618120"/>
+          </a:xfrm>
+          <a:prstGeom prst="rect">
+            <a:avLst/>
+          </a:prstGeom>
+          <a:noFill/>
+          <a:ln>
+            <a:noFill/>
+          </a:ln>
+        </p:spPr>
+        <p:txBody>
+          <a:bodyPr spcFirstLastPara="1" wrap="square" lIns="90000" tIns="45000" rIns="90000" bIns="45000" anchor="t" anchorCtr="0">
+            <a:noAutofit/>
+          </a:bodyPr>
+          <a:lstStyle/>
+          <a:p>
+            <a:pPr marL="0" marR="0" lvl="0" indent="0" algn="ctr">
+              <a:lnSpc>
+                <a:spcPct val="100000"/>
+              </a:lnSpc>
+              <a:spcBef>
+                <a:spcPts val="0"/>
+              </a:spcBef>
+              <a:spcAft>
+                <a:spcPts val="0"/>
+              </a:spcAft>
+              <a:buNone/>
+              <a:defRPr/>
+            </a:pPr>
+            <a:r>
+              <a:rPr lang="pt-BR" sz="3600" b="1" i="0" u="none" strike="noStrike" cap="none">
+                <a:solidFill>
+                  <a:srgbClr val="C00026"/>
+                </a:solidFill>
+                <a:latin typeface="Verdana"/>
+                <a:ea typeface="Verdana"/>
+                <a:cs typeface="Verdana"/>
+              </a:rPr>
+              <a:t>Comentários sobre "mais caro"</a:t>
+            </a:r>
+            <a:endParaRPr sz="3600" b="1" i="0" u="none" strike="noStrike" cap="none">
+              <a:solidFill>
+                <a:schemeClr val="dk1"/>
+              </a:solidFill>
+              <a:latin typeface="Arial"/>
+              <a:ea typeface="Arial"/>
+              <a:cs typeface="Arial"/>
+            </a:endParaRPr>
+          </a:p>
+        </p:txBody>
+      </p:sp>
+      <p:sp>
+        <p:nvSpPr>
+          <p:cNvPr id="5" name="Google Shape;348;p64" hidden="0"/>
+          <p:cNvSpPr/>
+          <p:nvPr isPhoto="0" userDrawn="0"/>
+        </p:nvSpPr>
+        <p:spPr bwMode="auto">
+          <a:xfrm>
+            <a:off x="162000" y="85680"/>
+            <a:ext cx="7228440" cy="351360"/>
+          </a:xfrm>
+          <a:prstGeom prst="rect">
+            <a:avLst/>
+          </a:prstGeom>
+          <a:noFill/>
+          <a:ln>
+            <a:noFill/>
+          </a:ln>
+        </p:spPr>
+        <p:txBody>
+          <a:bodyPr spcFirstLastPara="1" wrap="square" lIns="91422" tIns="91422" rIns="91422" bIns="91422" anchor="ctr" anchorCtr="0">
+            <a:noAutofit/>
+          </a:bodyPr>
+          <a:lstStyle/>
+          <a:p>
+            <a:pPr marL="0" lvl="0" indent="0" algn="l">
+              <a:spcBef>
+                <a:spcPts val="0"/>
+              </a:spcBef>
+              <a:spcAft>
+                <a:spcPts val="0"/>
+              </a:spcAft>
+              <a:buNone/>
+              <a:defRPr/>
+            </a:pPr>
+            <a:endParaRPr/>
+          </a:p>
+        </p:txBody>
+      </p:sp>
+      <p:sp>
+        <p:nvSpPr>
+          <p:cNvPr id="6" name="Google Shape;349;p64" hidden="0"/>
+          <p:cNvSpPr/>
+          <p:nvPr isPhoto="0" userDrawn="0"/>
+        </p:nvSpPr>
+        <p:spPr bwMode="auto">
+          <a:xfrm>
+            <a:off x="84240" y="6402240"/>
+            <a:ext cx="640440" cy="363960"/>
+          </a:xfrm>
+          <a:prstGeom prst="rect">
+            <a:avLst/>
+          </a:prstGeom>
+          <a:noFill/>
+          <a:ln>
+            <a:noFill/>
+          </a:ln>
+        </p:spPr>
+        <p:txBody>
+          <a:bodyPr spcFirstLastPara="1" wrap="square" lIns="90000" tIns="45000" rIns="90000" bIns="45000" anchor="ctr" anchorCtr="0">
+            <a:noAutofit/>
+          </a:bodyPr>
+          <a:lstStyle/>
+          <a:p>
+            <a:pPr marL="0" marR="0" lvl="0" indent="0" algn="r">
+              <a:lnSpc>
+                <a:spcPct val="100000"/>
+              </a:lnSpc>
+              <a:spcBef>
+                <a:spcPts val="0"/>
+              </a:spcBef>
+              <a:spcAft>
+                <a:spcPts val="0"/>
+              </a:spcAft>
+              <a:buNone/>
+              <a:defRPr/>
+            </a:pPr>
+            <a:fld id="{4AFA2F7F-DB25-608F-AC6C-4BB0B52AAB9A}" type="slidenum">
+              <a:rPr lang="pt-BR" sz="1000" b="0" i="0" u="none" strike="noStrike" cap="none">
+                <a:solidFill>
+                  <a:srgbClr val="B2B2B2"/>
+                </a:solidFill>
+                <a:latin typeface="Verdana"/>
+                <a:ea typeface="Verdana"/>
+                <a:cs typeface="Verdana"/>
+              </a:rPr>
+              <a:t/>
+            </a:fld>
+            <a:endParaRPr sz="1000" b="0" i="0" u="none" strike="noStrike" cap="none">
+              <a:solidFill>
+                <a:schemeClr val="dk1"/>
+              </a:solidFill>
+              <a:latin typeface="Arial"/>
+              <a:ea typeface="Arial"/>
+              <a:cs typeface="Arial"/>
+            </a:endParaRPr>
+          </a:p>
+        </p:txBody>
+      </p:sp>
+      <p:sp>
+        <p:nvSpPr>
+          <p:cNvPr id="7" name="" hidden="0"/>
+          <p:cNvSpPr/>
+          <p:nvPr isPhoto="0" userDrawn="0"/>
+        </p:nvSpPr>
+        <p:spPr bwMode="auto">
+          <a:xfrm flipH="0" flipV="0">
+            <a:off x="724674" y="4088421"/>
+            <a:ext cx="8137930" cy="363447"/>
+          </a:xfrm>
+          <a:prstGeom prst="rect">
+            <a:avLst/>
+          </a:prstGeom>
+          <a:noFill/>
+        </p:spPr>
+        <p:txBody>
+          <a:bodyPr vertOverflow="overflow" horzOverflow="clip" vert="horz" wrap="square" lIns="91440" tIns="45720" rIns="91440" bIns="45720" numCol="1" spcCol="0" rtlCol="0" fromWordArt="0" anchor="t" anchorCtr="0" forceAA="0" upright="0" compatLnSpc="0">
+            <a:noAutofit/>
+          </a:bodyPr>
+          <a:p>
+            <a:pPr>
+              <a:defRPr/>
+            </a:pPr>
+            <a:endParaRPr/>
+          </a:p>
+        </p:txBody>
+      </p:sp>
+    </p:spTree>
+  </p:cSld>
+  <p:clrMapOvr>
+    <a:masterClrMapping/>
+  </p:clrMapOvr>
+  <mc:AlternateContent xmlns:mc="http://schemas.openxmlformats.org/markup-compatibility/2006">
+    <mc:Choice xmlns:p14="http://schemas.microsoft.com/office/powerpoint/2010/main" Requires="p14">
+      <p:transition p14:dur="2000" advClick="1"/>
+    </mc:Choice>
+    <mc:Fallback>
+      <p:transition advClick="1"/>
+    </mc:Fallback>
+  </mc:AlternateContent>
+</p:sld>
+</file>
+
+<file path=ppt/slides/slide22.xml><?xml version="1.0" encoding="utf-8"?>
+<p:sld xmlns:a="http://schemas.openxmlformats.org/drawingml/2006/main" xmlns:r="http://schemas.openxmlformats.org/officeDocument/2006/relationships" xmlns:p="http://schemas.openxmlformats.org/presentationml/2006/main" xmlns:m="http://schemas.openxmlformats.org/officeDocument/2006/math" xmlns:w="http://schemas.openxmlformats.org/wordprocessingml/2006/main" showMasterPhAnim="0" show="1">
+  <p:cSld name="">
+    <p:spTree>
+      <p:nvGrpSpPr>
+        <p:cNvPr id="1" name="" hidden="0"/>
+        <p:cNvGrpSpPr/>
+        <p:nvPr isPhoto="0" userDrawn="0"/>
+      </p:nvGrpSpPr>
+      <p:grpSpPr bwMode="auto">
+        <a:xfrm>
+          <a:off x="0" y="0"/>
+          <a:ext cx="0" cy="0"/>
+          <a:chOff x="0" y="0"/>
+          <a:chExt cx="0" cy="0"/>
+        </a:xfrm>
+      </p:grpSpPr>
+      <p:sp>
+        <p:nvSpPr>
+          <p:cNvPr id="4" name="Google Shape;347;p64" hidden="0"/>
+          <p:cNvSpPr/>
+          <p:nvPr isPhoto="0" userDrawn="0"/>
+        </p:nvSpPr>
+        <p:spPr bwMode="auto">
+          <a:xfrm>
+            <a:off x="457200" y="2920658"/>
+            <a:ext cx="8228520" cy="618120"/>
+          </a:xfrm>
+          <a:prstGeom prst="rect">
+            <a:avLst/>
+          </a:prstGeom>
+          <a:noFill/>
+          <a:ln>
+            <a:noFill/>
+          </a:ln>
+        </p:spPr>
+        <p:txBody>
+          <a:bodyPr spcFirstLastPara="1" wrap="square" lIns="90000" tIns="45000" rIns="90000" bIns="45000" anchor="t" anchorCtr="0">
+            <a:noAutofit/>
+          </a:bodyPr>
+          <a:lstStyle/>
+          <a:p>
+            <a:pPr marL="0" marR="0" lvl="0" indent="0" algn="ctr">
+              <a:lnSpc>
+                <a:spcPct val="100000"/>
+              </a:lnSpc>
+              <a:spcBef>
+                <a:spcPts val="0"/>
+              </a:spcBef>
+              <a:spcAft>
+                <a:spcPts val="0"/>
+              </a:spcAft>
+              <a:buNone/>
+              <a:defRPr/>
+            </a:pPr>
+            <a:r>
+              <a:rPr lang="pt-BR" sz="3600" b="1" i="0" u="none" strike="noStrike" cap="none">
+                <a:solidFill>
+                  <a:srgbClr val="C00026"/>
+                </a:solidFill>
+                <a:latin typeface="Verdana"/>
+                <a:ea typeface="Verdana"/>
+                <a:cs typeface="Verdana"/>
+              </a:rPr>
+              <a:t>Atividade prática</a:t>
+            </a:r>
+            <a:endParaRPr sz="3600" b="1" i="0" u="none" strike="noStrike" cap="none">
+              <a:solidFill>
+                <a:schemeClr val="dk1"/>
+              </a:solidFill>
+              <a:latin typeface="Arial"/>
+              <a:ea typeface="Arial"/>
+              <a:cs typeface="Arial"/>
+            </a:endParaRPr>
+          </a:p>
+        </p:txBody>
+      </p:sp>
+      <p:sp>
+        <p:nvSpPr>
+          <p:cNvPr id="5" name="Google Shape;348;p64" hidden="0"/>
+          <p:cNvSpPr/>
+          <p:nvPr isPhoto="0" userDrawn="0"/>
+        </p:nvSpPr>
+        <p:spPr bwMode="auto">
+          <a:xfrm>
+            <a:off x="162000" y="85680"/>
+            <a:ext cx="7228440" cy="351360"/>
+          </a:xfrm>
+          <a:prstGeom prst="rect">
+            <a:avLst/>
+          </a:prstGeom>
+          <a:noFill/>
+          <a:ln>
+            <a:noFill/>
+          </a:ln>
+        </p:spPr>
+        <p:txBody>
+          <a:bodyPr spcFirstLastPara="1" wrap="square" lIns="91422" tIns="91422" rIns="91422" bIns="91422" anchor="ctr" anchorCtr="0">
+            <a:noAutofit/>
+          </a:bodyPr>
+          <a:lstStyle/>
+          <a:p>
+            <a:pPr marL="0" lvl="0" indent="0" algn="l">
+              <a:spcBef>
+                <a:spcPts val="0"/>
+              </a:spcBef>
+              <a:spcAft>
+                <a:spcPts val="0"/>
+              </a:spcAft>
+              <a:buNone/>
+              <a:defRPr/>
+            </a:pPr>
+            <a:endParaRPr/>
+          </a:p>
+        </p:txBody>
+      </p:sp>
+      <p:sp>
+        <p:nvSpPr>
+          <p:cNvPr id="6" name="Google Shape;349;p64" hidden="0"/>
+          <p:cNvSpPr/>
+          <p:nvPr isPhoto="0" userDrawn="0"/>
+        </p:nvSpPr>
+        <p:spPr bwMode="auto">
+          <a:xfrm>
+            <a:off x="84240" y="6402240"/>
+            <a:ext cx="640440" cy="363960"/>
+          </a:xfrm>
+          <a:prstGeom prst="rect">
+            <a:avLst/>
+          </a:prstGeom>
+          <a:noFill/>
+          <a:ln>
+            <a:noFill/>
+          </a:ln>
+        </p:spPr>
+        <p:txBody>
+          <a:bodyPr spcFirstLastPara="1" wrap="square" lIns="90000" tIns="45000" rIns="90000" bIns="45000" anchor="ctr" anchorCtr="0">
+            <a:noAutofit/>
+          </a:bodyPr>
+          <a:lstStyle/>
+          <a:p>
+            <a:pPr marL="0" marR="0" lvl="0" indent="0" algn="r">
+              <a:lnSpc>
+                <a:spcPct val="100000"/>
+              </a:lnSpc>
+              <a:spcBef>
+                <a:spcPts val="0"/>
+              </a:spcBef>
+              <a:spcAft>
+                <a:spcPts val="0"/>
+              </a:spcAft>
+              <a:buNone/>
+              <a:defRPr/>
+            </a:pPr>
+            <a:fld id="{E500FAA0-8915-66B2-2740-3DF20AF134B8}" type="slidenum">
+              <a:rPr lang="pt-BR" sz="1000" b="0" i="0" u="none" strike="noStrike" cap="none">
+                <a:solidFill>
+                  <a:srgbClr val="B2B2B2"/>
+                </a:solidFill>
+                <a:latin typeface="Verdana"/>
+                <a:ea typeface="Verdana"/>
+                <a:cs typeface="Verdana"/>
+              </a:rPr>
+              <a:t/>
+            </a:fld>
+            <a:endParaRPr sz="1000" b="0" i="0" u="none" strike="noStrike" cap="none">
+              <a:solidFill>
+                <a:schemeClr val="dk1"/>
+              </a:solidFill>
+              <a:latin typeface="Arial"/>
+              <a:ea typeface="Arial"/>
+              <a:cs typeface="Arial"/>
+            </a:endParaRPr>
+          </a:p>
+        </p:txBody>
+      </p:sp>
+      <p:sp>
+        <p:nvSpPr>
+          <p:cNvPr id="7" name="" hidden="0"/>
+          <p:cNvSpPr/>
+          <p:nvPr isPhoto="0" userDrawn="0"/>
+        </p:nvSpPr>
+        <p:spPr bwMode="auto">
+          <a:xfrm flipH="0" flipV="0">
+            <a:off x="724678" y="4088421"/>
+            <a:ext cx="8137932" cy="363448"/>
+          </a:xfrm>
+          <a:prstGeom prst="rect">
+            <a:avLst/>
+          </a:prstGeom>
+          <a:noFill/>
+        </p:spPr>
+        <p:txBody>
+          <a:bodyPr vertOverflow="overflow" horzOverflow="clip" vert="horz" wrap="square" lIns="91440" tIns="45720" rIns="91440" bIns="45720" numCol="1" spcCol="0" rtlCol="0" fromWordArt="0" anchor="t" anchorCtr="0" forceAA="0" upright="0" compatLnSpc="0">
+            <a:noAutofit/>
+          </a:bodyPr>
+          <a:p>
+            <a:pPr>
+              <a:defRPr/>
+            </a:pPr>
+            <a:r>
+              <a:rPr sz="2000" b="1"/>
+              <a:t>Resolvendo a mochila binária (15 minutos)</a:t>
+            </a:r>
+            <a:endParaRPr sz="2000" b="1"/>
+          </a:p>
+          <a:p>
+            <a:pPr>
+              <a:defRPr/>
+            </a:pPr>
+            <a:endParaRPr sz="2000"/>
+          </a:p>
+          <a:p>
+            <a:pPr marL="305905" indent="-305905">
+              <a:buAutoNum type="arabicPeriod"/>
+              <a:defRPr/>
+            </a:pPr>
+            <a:r>
+              <a:rPr sz="2000" b="0"/>
+              <a:t>Análise de entradas e saídas</a:t>
+            </a:r>
+            <a:endParaRPr sz="2000" b="0"/>
+          </a:p>
+        </p:txBody>
+      </p:sp>
+    </p:spTree>
+  </p:cSld>
+  <p:clrMapOvr>
+    <a:masterClrMapping/>
+  </p:clrMapOvr>
+  <mc:AlternateContent xmlns:mc="http://schemas.openxmlformats.org/markup-compatibility/2006">
+    <mc:Choice xmlns:p14="http://schemas.microsoft.com/office/powerpoint/2010/main" Requires="p14">
+      <p:transition p14:dur="2000" advClick="1"/>
+    </mc:Choice>
+    <mc:Fallback>
+      <p:transition advClick="1"/>
+    </mc:Fallback>
+  </mc:AlternateContent>
+</p:sld>
+</file>
+
+<file path=ppt/slides/slide23.xml><?xml version="1.0" encoding="utf-8"?>
+<p:sld xmlns:a="http://schemas.openxmlformats.org/drawingml/2006/main" xmlns:r="http://schemas.openxmlformats.org/officeDocument/2006/relationships" xmlns:p="http://schemas.openxmlformats.org/presentationml/2006/main" xmlns:m="http://schemas.openxmlformats.org/officeDocument/2006/math" xmlns:w="http://schemas.openxmlformats.org/wordprocessingml/2006/main" showMasterPhAnim="0" show="1">
+  <p:cSld name="">
+    <p:spTree>
+      <p:nvGrpSpPr>
+        <p:cNvPr id="1" name="" hidden="0"/>
+        <p:cNvGrpSpPr/>
+        <p:nvPr isPhoto="0" userDrawn="0"/>
+      </p:nvGrpSpPr>
+      <p:grpSpPr bwMode="auto">
+        <a:xfrm>
+          <a:off x="0" y="0"/>
+          <a:ext cx="0" cy="0"/>
+          <a:chOff x="0" y="0"/>
+          <a:chExt cx="0" cy="0"/>
+        </a:xfrm>
+      </p:grpSpPr>
+      <p:sp>
+        <p:nvSpPr>
+          <p:cNvPr id="4" name="Google Shape;267;p55" hidden="0"/>
+          <p:cNvSpPr/>
+          <p:nvPr isPhoto="0" userDrawn="0"/>
+        </p:nvSpPr>
+        <p:spPr bwMode="auto">
+          <a:xfrm>
+            <a:off x="457200" y="781200"/>
+            <a:ext cx="8228520" cy="618120"/>
+          </a:xfrm>
+          <a:prstGeom prst="rect">
+            <a:avLst/>
+          </a:prstGeom>
+          <a:noFill/>
+          <a:ln>
+            <a:noFill/>
+          </a:ln>
+        </p:spPr>
+        <p:txBody>
+          <a:bodyPr spcFirstLastPara="1" wrap="square" lIns="90000" tIns="45000" rIns="90000" bIns="45000" anchor="t" anchorCtr="0">
+            <a:noAutofit/>
+          </a:bodyPr>
+          <a:lstStyle/>
+          <a:p>
+            <a:pPr marL="0" marR="0" lvl="0" indent="0" algn="l">
+              <a:lnSpc>
+                <a:spcPct val="100000"/>
+              </a:lnSpc>
+              <a:spcBef>
+                <a:spcPts val="0"/>
+              </a:spcBef>
+              <a:spcAft>
+                <a:spcPts val="0"/>
+              </a:spcAft>
+              <a:buNone/>
+              <a:defRPr/>
+            </a:pPr>
+            <a:r>
+              <a:rPr lang="pt-BR" sz="3200" b="0" i="0" u="none" strike="noStrike" cap="none">
+                <a:solidFill>
+                  <a:srgbClr val="C00026"/>
+                </a:solidFill>
+                <a:latin typeface="Verdana"/>
+                <a:ea typeface="Verdana"/>
+                <a:cs typeface="Verdana"/>
+              </a:rPr>
+              <a:t>Análise das heurísticas</a:t>
+            </a:r>
+            <a:endParaRPr sz="3200" b="0" i="0" u="none" strike="noStrike" cap="none">
+              <a:solidFill>
+                <a:schemeClr val="dk1"/>
+              </a:solidFill>
+              <a:latin typeface="Arial"/>
+              <a:ea typeface="Arial"/>
+              <a:cs typeface="Arial"/>
+            </a:endParaRPr>
+          </a:p>
+        </p:txBody>
+      </p:sp>
+      <p:sp>
+        <p:nvSpPr>
+          <p:cNvPr id="5" name="Google Shape;268;p55" hidden="0"/>
+          <p:cNvSpPr/>
+          <p:nvPr isPhoto="0" userDrawn="0"/>
+        </p:nvSpPr>
+        <p:spPr bwMode="auto">
+          <a:xfrm>
+            <a:off x="162000" y="85680"/>
+            <a:ext cx="7228440" cy="351360"/>
+          </a:xfrm>
+          <a:prstGeom prst="rect">
+            <a:avLst/>
+          </a:prstGeom>
+          <a:noFill/>
+          <a:ln>
+            <a:noFill/>
+          </a:ln>
+        </p:spPr>
+        <p:txBody>
+          <a:bodyPr spcFirstLastPara="1" wrap="square" lIns="91422" tIns="91422" rIns="91422" bIns="91422" anchor="ctr" anchorCtr="0">
+            <a:noAutofit/>
+          </a:bodyPr>
+          <a:lstStyle/>
+          <a:p>
+            <a:pPr marL="0" lvl="0" indent="0" algn="l">
+              <a:spcBef>
+                <a:spcPts val="0"/>
+              </a:spcBef>
+              <a:spcAft>
+                <a:spcPts val="0"/>
+              </a:spcAft>
+              <a:buNone/>
+              <a:defRPr/>
+            </a:pPr>
+            <a:endParaRPr/>
+          </a:p>
+        </p:txBody>
+      </p:sp>
+      <p:sp>
+        <p:nvSpPr>
+          <p:cNvPr id="6" name="Google Shape;269;p55" hidden="0"/>
+          <p:cNvSpPr/>
+          <p:nvPr isPhoto="0" userDrawn="0"/>
+        </p:nvSpPr>
+        <p:spPr bwMode="auto">
+          <a:xfrm>
+            <a:off x="84240" y="6402240"/>
+            <a:ext cx="640440" cy="363960"/>
+          </a:xfrm>
+          <a:prstGeom prst="rect">
+            <a:avLst/>
+          </a:prstGeom>
+          <a:noFill/>
+          <a:ln>
+            <a:noFill/>
+          </a:ln>
+        </p:spPr>
+        <p:txBody>
+          <a:bodyPr spcFirstLastPara="1" wrap="square" lIns="90000" tIns="45000" rIns="90000" bIns="45000" anchor="ctr" anchorCtr="0">
+            <a:noAutofit/>
+          </a:bodyPr>
+          <a:lstStyle/>
+          <a:p>
+            <a:pPr marL="0" marR="0" lvl="0" indent="0" algn="r">
+              <a:lnSpc>
+                <a:spcPct val="100000"/>
+              </a:lnSpc>
+              <a:spcBef>
+                <a:spcPts val="0"/>
+              </a:spcBef>
+              <a:spcAft>
+                <a:spcPts val="0"/>
+              </a:spcAft>
+              <a:buNone/>
+              <a:defRPr/>
+            </a:pPr>
+            <a:fld id="{E0A9EAD8-F72A-09A4-D975-FAD56D77C889}" type="slidenum">
+              <a:rPr lang="pt-BR" sz="1000" b="0" i="0" u="none" strike="noStrike" cap="none">
+                <a:solidFill>
+                  <a:srgbClr val="B2B2B2"/>
+                </a:solidFill>
+                <a:latin typeface="Verdana"/>
+                <a:ea typeface="Verdana"/>
+                <a:cs typeface="Verdana"/>
+              </a:rPr>
+              <a:t/>
+            </a:fld>
+            <a:endParaRPr sz="1000" b="0" i="0" u="none" strike="noStrike" cap="none">
+              <a:solidFill>
+                <a:schemeClr val="dk1"/>
+              </a:solidFill>
+              <a:latin typeface="Arial"/>
+              <a:ea typeface="Arial"/>
+              <a:cs typeface="Arial"/>
+            </a:endParaRPr>
+          </a:p>
+        </p:txBody>
+      </p:sp>
+      <p:sp>
+        <p:nvSpPr>
+          <p:cNvPr id="7" name="Google Shape;270;p55" hidden="0"/>
+          <p:cNvSpPr>
+            <a:spLocks noAdjustHandles="0" noChangeArrowheads="0"/>
+          </p:cNvSpPr>
+          <p:nvPr isPhoto="0" userDrawn="0"/>
+        </p:nvSpPr>
+        <p:spPr bwMode="auto">
+          <a:xfrm flipH="0" flipV="0">
+            <a:off x="309226" y="1588485"/>
+            <a:ext cx="8704380" cy="4976427"/>
+          </a:xfrm>
+          <a:prstGeom prst="rect">
+            <a:avLst/>
+          </a:prstGeom>
+          <a:noFill/>
+          <a:ln>
+            <a:noFill/>
+          </a:ln>
+        </p:spPr>
+        <p:txBody>
+          <a:bodyPr spcFirstLastPara="1" wrap="square" lIns="91422" tIns="45695" rIns="91422" bIns="45695" anchor="t" anchorCtr="0">
+            <a:noAutofit/>
+          </a:bodyPr>
+          <a:lstStyle/>
+          <a:p>
+            <a:pPr algn="l">
+              <a:defRPr/>
+            </a:pPr>
+            <a:endParaRPr sz="2400" b="0" u="none">
+              <a:solidFill>
+                <a:schemeClr val="tx1"/>
+              </a:solidFill>
+            </a:endParaRPr>
+          </a:p>
+          <a:p>
+            <a:pPr algn="l">
+              <a:defRPr/>
+            </a:pPr>
+            <a:r>
+              <a:rPr sz="2400" b="0" u="none">
+                <a:solidFill>
+                  <a:schemeClr val="tx1"/>
+                </a:solidFill>
+              </a:rPr>
+              <a:t>Qual sua complexidade computacional?</a:t>
+            </a:r>
+            <a:endParaRPr sz="2400" b="0" u="none">
+              <a:solidFill>
+                <a:schemeClr val="tx1"/>
+              </a:solidFill>
+            </a:endParaRPr>
+          </a:p>
+          <a:p>
+            <a:pPr algn="l">
+              <a:defRPr/>
+            </a:pPr>
+            <a:endParaRPr sz="2400" b="0" u="none">
+              <a:solidFill>
+                <a:schemeClr val="tx1"/>
+              </a:solidFill>
+            </a:endParaRPr>
+          </a:p>
+          <a:p>
+            <a:pPr algn="l">
+              <a:defRPr/>
+            </a:pPr>
+            <a:endParaRPr sz="2400" b="0" u="none">
+              <a:solidFill>
+                <a:schemeClr val="tx1"/>
+              </a:solidFill>
+            </a:endParaRPr>
+          </a:p>
+          <a:p>
+            <a:pPr algn="l">
+              <a:defRPr/>
+            </a:pPr>
+            <a:endParaRPr sz="2400" b="0" u="none">
+              <a:solidFill>
+                <a:schemeClr val="tx1"/>
+              </a:solidFill>
+            </a:endParaRPr>
+          </a:p>
+          <a:p>
+            <a:pPr algn="l">
+              <a:defRPr/>
+            </a:pPr>
+            <a:r>
+              <a:rPr sz="2400" b="0" u="none">
+                <a:solidFill>
+                  <a:schemeClr val="tx1"/>
+                </a:solidFill>
+              </a:rPr>
+              <a:t>Quando uma é melhor que a outra?</a:t>
+            </a:r>
+            <a:endParaRPr sz="2400" b="0" u="none">
+              <a:solidFill>
+                <a:schemeClr val="tx1"/>
+              </a:solidFill>
+            </a:endParaRPr>
+          </a:p>
+          <a:p>
+            <a:pPr algn="l">
+              <a:defRPr/>
+            </a:pPr>
+            <a:endParaRPr sz="2400" b="0" u="none">
+              <a:solidFill>
+                <a:schemeClr val="tx1"/>
+              </a:solidFill>
+            </a:endParaRPr>
+          </a:p>
+          <a:p>
+            <a:pPr algn="l">
+              <a:defRPr/>
+            </a:pPr>
+            <a:endParaRPr sz="2400" b="0" u="none">
+              <a:solidFill>
+                <a:schemeClr val="tx1"/>
+              </a:solidFill>
+            </a:endParaRPr>
+          </a:p>
+          <a:p>
+            <a:pPr algn="l">
+              <a:defRPr/>
+            </a:pPr>
+            <a:endParaRPr sz="2400" b="0" u="none">
+              <a:solidFill>
+                <a:schemeClr val="tx1"/>
+              </a:solidFill>
+            </a:endParaRPr>
+          </a:p>
+          <a:p>
+            <a:pPr algn="l">
+              <a:defRPr/>
+            </a:pPr>
+            <a:r>
+              <a:rPr sz="2400" b="0" u="none">
+                <a:solidFill>
+                  <a:schemeClr val="tx1"/>
+                </a:solidFill>
+              </a:rPr>
+              <a:t>Alguma consegue o melhor valor possível?</a:t>
+            </a:r>
+            <a:endParaRPr sz="2400" b="0" u="none">
+              <a:solidFill>
+                <a:schemeClr val="tx1"/>
+              </a:solidFill>
+            </a:endParaRPr>
+          </a:p>
+        </p:txBody>
+      </p:sp>
+      <p:cxnSp>
+        <p:nvCxnSpPr>
+          <p:cNvPr id="8" name="" hidden="0"/>
+          <p:cNvCxnSpPr>
+            <a:cxnSpLocks/>
+          </p:cNvCxnSpPr>
+          <p:nvPr isPhoto="0" userDrawn="0"/>
+        </p:nvCxnSpPr>
+        <p:spPr bwMode="auto">
+          <a:xfrm rot="16199969" flipH="0" flipV="0">
+            <a:off x="5572158" y="4791362"/>
+            <a:ext cx="0" cy="0"/>
+          </a:xfrm>
+          <a:prstGeom prst="line">
+            <a:avLst/>
+          </a:prstGeom>
+          <a:ln>
+            <a:tailEnd type="arrow" len="med"/>
+          </a:ln>
+        </p:spPr>
+        <p:style>
+          <a:lnRef idx="1">
+            <a:schemeClr val="accent1">
+              <a:shade val="50000"/>
+            </a:schemeClr>
+          </a:lnRef>
+          <a:fillRef idx="0">
+            <a:schemeClr val="accent1"/>
+          </a:fillRef>
+          <a:effectRef idx="0">
+            <a:schemeClr val="accent1"/>
+          </a:effectRef>
+          <a:fontRef idx="minor">
+            <a:schemeClr val="tx1"/>
+          </a:fontRef>
+        </p:style>
+      </p:cxnSp>
+    </p:spTree>
+  </p:cSld>
+  <p:clrMapOvr>
+    <a:masterClrMapping/>
+  </p:clrMapOvr>
+  <mc:AlternateContent xmlns:mc="http://schemas.openxmlformats.org/markup-compatibility/2006">
+    <mc:Choice xmlns:p14="http://schemas.microsoft.com/office/powerpoint/2010/main" Requires="p14">
+      <p:transition p14:dur="2000" advClick="1"/>
+    </mc:Choice>
+    <mc:Fallback>
+      <p:transition advClick="1"/>
+    </mc:Fallback>
+  </mc:AlternateContent>
+</p:sld>
+</file>
+
+<file path=ppt/slides/slide24.xml><?xml version="1.0" encoding="utf-8"?>
+<p:sld xmlns:a="http://schemas.openxmlformats.org/drawingml/2006/main" xmlns:r="http://schemas.openxmlformats.org/officeDocument/2006/relationships" xmlns:p="http://schemas.openxmlformats.org/presentationml/2006/main" xmlns:m="http://schemas.openxmlformats.org/officeDocument/2006/math" xmlns:w="http://schemas.openxmlformats.org/wordprocessingml/2006/main" showMasterPhAnim="0" show="1">
+  <p:cSld name="">
+    <p:spTree>
+      <p:nvGrpSpPr>
+        <p:cNvPr id="1" name="" hidden="0"/>
+        <p:cNvGrpSpPr/>
+        <p:nvPr isPhoto="0" userDrawn="0"/>
+      </p:nvGrpSpPr>
+      <p:grpSpPr bwMode="auto">
+        <a:xfrm>
+          <a:off x="0" y="0"/>
+          <a:ext cx="0" cy="0"/>
+          <a:chOff x="0" y="0"/>
+          <a:chExt cx="0" cy="0"/>
+        </a:xfrm>
+      </p:grpSpPr>
+      <p:sp>
+        <p:nvSpPr>
+          <p:cNvPr id="4" name="Google Shape;347;p64" hidden="0"/>
+          <p:cNvSpPr/>
+          <p:nvPr isPhoto="0" userDrawn="0"/>
+        </p:nvSpPr>
+        <p:spPr bwMode="auto">
+          <a:xfrm>
+            <a:off x="457200" y="2920657"/>
+            <a:ext cx="8228520" cy="618120"/>
+          </a:xfrm>
+          <a:prstGeom prst="rect">
+            <a:avLst/>
+          </a:prstGeom>
+          <a:noFill/>
+          <a:ln>
+            <a:noFill/>
+          </a:ln>
+        </p:spPr>
+        <p:txBody>
+          <a:bodyPr spcFirstLastPara="1" wrap="square" lIns="90000" tIns="45000" rIns="90000" bIns="45000" anchor="t" anchorCtr="0">
+            <a:noAutofit/>
+          </a:bodyPr>
+          <a:lstStyle/>
+          <a:p>
+            <a:pPr marL="0" marR="0" lvl="0" indent="0" algn="ctr">
+              <a:lnSpc>
+                <a:spcPct val="100000"/>
+              </a:lnSpc>
+              <a:spcBef>
+                <a:spcPts val="0"/>
+              </a:spcBef>
+              <a:spcAft>
+                <a:spcPts val="0"/>
+              </a:spcAft>
+              <a:buNone/>
+              <a:defRPr/>
+            </a:pPr>
+            <a:r>
+              <a:rPr lang="pt-BR" sz="3600" b="1" i="0" u="none" strike="noStrike" cap="none">
+                <a:solidFill>
+                  <a:srgbClr val="C00026"/>
+                </a:solidFill>
+                <a:latin typeface="Verdana"/>
+                <a:ea typeface="Verdana"/>
+                <a:cs typeface="Verdana"/>
+              </a:rPr>
+              <a:t>Projeto</a:t>
+            </a:r>
+            <a:endParaRPr sz="3600" b="1" i="0" u="none" strike="noStrike" cap="none">
+              <a:solidFill>
+                <a:schemeClr val="dk1"/>
+              </a:solidFill>
+              <a:latin typeface="Arial"/>
+              <a:ea typeface="Arial"/>
+              <a:cs typeface="Arial"/>
+            </a:endParaRPr>
+          </a:p>
+        </p:txBody>
+      </p:sp>
+      <p:sp>
+        <p:nvSpPr>
+          <p:cNvPr id="5" name="Google Shape;348;p64" hidden="0"/>
+          <p:cNvSpPr/>
+          <p:nvPr isPhoto="0" userDrawn="0"/>
+        </p:nvSpPr>
+        <p:spPr bwMode="auto">
+          <a:xfrm>
+            <a:off x="162000" y="85680"/>
+            <a:ext cx="7228440" cy="351360"/>
+          </a:xfrm>
+          <a:prstGeom prst="rect">
+            <a:avLst/>
+          </a:prstGeom>
+          <a:noFill/>
+          <a:ln>
+            <a:noFill/>
+          </a:ln>
+        </p:spPr>
+        <p:txBody>
+          <a:bodyPr spcFirstLastPara="1" wrap="square" lIns="91422" tIns="91422" rIns="91422" bIns="91422" anchor="ctr" anchorCtr="0">
+            <a:noAutofit/>
+          </a:bodyPr>
+          <a:lstStyle/>
+          <a:p>
+            <a:pPr marL="0" lvl="0" indent="0" algn="l">
+              <a:spcBef>
+                <a:spcPts val="0"/>
+              </a:spcBef>
+              <a:spcAft>
+                <a:spcPts val="0"/>
+              </a:spcAft>
+              <a:buNone/>
+              <a:defRPr/>
+            </a:pPr>
+            <a:endParaRPr/>
+          </a:p>
+        </p:txBody>
+      </p:sp>
+      <p:sp>
+        <p:nvSpPr>
+          <p:cNvPr id="6" name="Google Shape;349;p64" hidden="0"/>
+          <p:cNvSpPr/>
+          <p:nvPr isPhoto="0" userDrawn="0"/>
+        </p:nvSpPr>
+        <p:spPr bwMode="auto">
+          <a:xfrm>
+            <a:off x="84240" y="6402240"/>
+            <a:ext cx="640440" cy="363960"/>
+          </a:xfrm>
+          <a:prstGeom prst="rect">
+            <a:avLst/>
+          </a:prstGeom>
+          <a:noFill/>
+          <a:ln>
+            <a:noFill/>
+          </a:ln>
+        </p:spPr>
+        <p:txBody>
+          <a:bodyPr spcFirstLastPara="1" wrap="square" lIns="90000" tIns="45000" rIns="90000" bIns="45000" anchor="ctr" anchorCtr="0">
+            <a:noAutofit/>
+          </a:bodyPr>
+          <a:lstStyle/>
+          <a:p>
+            <a:pPr marL="0" marR="0" lvl="0" indent="0" algn="r">
+              <a:lnSpc>
+                <a:spcPct val="100000"/>
+              </a:lnSpc>
+              <a:spcBef>
+                <a:spcPts val="0"/>
+              </a:spcBef>
+              <a:spcAft>
+                <a:spcPts val="0"/>
+              </a:spcAft>
+              <a:buNone/>
+              <a:defRPr/>
+            </a:pPr>
+            <a:fld id="{53BF8A2C-3D0F-6345-19F2-BE11817528EB}" type="slidenum">
+              <a:rPr lang="pt-BR" sz="1000" b="0" i="0" u="none" strike="noStrike" cap="none">
+                <a:solidFill>
+                  <a:srgbClr val="B2B2B2"/>
+                </a:solidFill>
+                <a:latin typeface="Verdana"/>
+                <a:ea typeface="Verdana"/>
+                <a:cs typeface="Verdana"/>
+              </a:rPr>
+              <a:t/>
+            </a:fld>
+            <a:endParaRPr sz="1000" b="0" i="0" u="none" strike="noStrike" cap="none">
+              <a:solidFill>
+                <a:schemeClr val="dk1"/>
+              </a:solidFill>
+              <a:latin typeface="Arial"/>
+              <a:ea typeface="Arial"/>
+              <a:cs typeface="Arial"/>
+            </a:endParaRPr>
+          </a:p>
+        </p:txBody>
+      </p:sp>
+      <p:sp>
+        <p:nvSpPr>
+          <p:cNvPr id="7" name="" hidden="0"/>
+          <p:cNvSpPr/>
+          <p:nvPr isPhoto="0" userDrawn="0"/>
+        </p:nvSpPr>
+        <p:spPr bwMode="auto">
+          <a:xfrm flipH="0" flipV="0">
+            <a:off x="724675" y="4088421"/>
+            <a:ext cx="8137931" cy="363447"/>
+          </a:xfrm>
+          <a:prstGeom prst="rect">
+            <a:avLst/>
+          </a:prstGeom>
+          <a:noFill/>
+        </p:spPr>
+        <p:txBody>
+          <a:bodyPr vertOverflow="overflow" horzOverflow="clip" vert="horz" wrap="square" lIns="91440" tIns="45720" rIns="91440" bIns="45720" numCol="1" spcCol="0" rtlCol="0" fromWordArt="0" anchor="t" anchorCtr="0" forceAA="0" upright="0" compatLnSpc="0">
+            <a:noAutofit/>
+          </a:bodyPr>
+          <a:p>
+            <a:pPr>
+              <a:defRPr/>
+            </a:pPr>
+            <a:endParaRPr/>
+          </a:p>
+        </p:txBody>
+      </p:sp>
+    </p:spTree>
+  </p:cSld>
+  <p:clrMapOvr>
+    <a:masterClrMapping/>
+  </p:clrMapOvr>
+  <mc:AlternateContent xmlns:mc="http://schemas.openxmlformats.org/markup-compatibility/2006">
+    <mc:Choice xmlns:p14="http://schemas.microsoft.com/office/powerpoint/2010/main" Requires="p14">
+      <p:transition p14:dur="2000" advClick="1"/>
+    </mc:Choice>
+    <mc:Fallback>
+      <p:transition advClick="1"/>
+    </mc:Fallback>
+  </mc:AlternateContent>
+</p:sld>
+</file>
+
+<file path=ppt/slides/slide25.xml><?xml version="1.0" encoding="utf-8"?>
+<p:sld xmlns:a="http://schemas.openxmlformats.org/drawingml/2006/main" xmlns:r="http://schemas.openxmlformats.org/officeDocument/2006/relationships" xmlns:p="http://schemas.openxmlformats.org/presentationml/2006/main" xmlns:m="http://schemas.openxmlformats.org/officeDocument/2006/math" xmlns:w="http://schemas.openxmlformats.org/wordprocessingml/2006/main" showMasterPhAnim="0" show="1">
+  <p:cSld name="">
+    <p:spTree>
+      <p:nvGrpSpPr>
+        <p:cNvPr id="1" name="" hidden="0"/>
+        <p:cNvGrpSpPr/>
+        <p:nvPr isPhoto="0" userDrawn="0"/>
+      </p:nvGrpSpPr>
+      <p:grpSpPr bwMode="auto">
+        <a:xfrm>
+          <a:off x="0" y="0"/>
+          <a:ext cx="0" cy="0"/>
+          <a:chOff x="0" y="0"/>
+          <a:chExt cx="0" cy="0"/>
+        </a:xfrm>
+      </p:grpSpPr>
+      <p:sp>
+        <p:nvSpPr>
+          <p:cNvPr id="4" name="Google Shape;267;p55" hidden="0"/>
+          <p:cNvSpPr/>
+          <p:nvPr isPhoto="0" userDrawn="0"/>
+        </p:nvSpPr>
+        <p:spPr bwMode="auto">
+          <a:xfrm>
+            <a:off x="457200" y="781200"/>
+            <a:ext cx="8228520" cy="618120"/>
+          </a:xfrm>
+          <a:prstGeom prst="rect">
+            <a:avLst/>
+          </a:prstGeom>
+          <a:noFill/>
+          <a:ln>
+            <a:noFill/>
+          </a:ln>
+        </p:spPr>
+        <p:txBody>
+          <a:bodyPr spcFirstLastPara="1" wrap="square" lIns="90000" tIns="45000" rIns="90000" bIns="45000" anchor="t" anchorCtr="0">
+            <a:noAutofit/>
+          </a:bodyPr>
+          <a:lstStyle/>
+          <a:p>
+            <a:pPr marL="0" marR="0" lvl="0" indent="0" algn="l">
+              <a:lnSpc>
+                <a:spcPct val="100000"/>
+              </a:lnSpc>
+              <a:spcBef>
+                <a:spcPts val="0"/>
+              </a:spcBef>
+              <a:spcAft>
+                <a:spcPts val="0"/>
+              </a:spcAft>
+              <a:buNone/>
+              <a:defRPr/>
+            </a:pPr>
+            <a:r>
+              <a:rPr lang="pt-BR" sz="3200" b="0" i="0" u="none" strike="noStrike" cap="none">
+                <a:solidFill>
+                  <a:srgbClr val="C00026"/>
+                </a:solidFill>
+                <a:latin typeface="Verdana"/>
+                <a:ea typeface="Verdana"/>
+                <a:cs typeface="Verdana"/>
+              </a:rPr>
+              <a:t>Projeto - Travelling Salesperson (TSP)</a:t>
+            </a:r>
+            <a:endParaRPr sz="3200" b="0" i="0" u="none" strike="noStrike" cap="none">
+              <a:solidFill>
+                <a:schemeClr val="dk1"/>
+              </a:solidFill>
+              <a:latin typeface="Arial"/>
+              <a:ea typeface="Arial"/>
+              <a:cs typeface="Arial"/>
+            </a:endParaRPr>
+          </a:p>
+        </p:txBody>
+      </p:sp>
+      <p:sp>
+        <p:nvSpPr>
+          <p:cNvPr id="5" name="Google Shape;268;p55" hidden="0"/>
+          <p:cNvSpPr/>
+          <p:nvPr isPhoto="0" userDrawn="0"/>
+        </p:nvSpPr>
+        <p:spPr bwMode="auto">
+          <a:xfrm>
+            <a:off x="162000" y="85680"/>
+            <a:ext cx="7228440" cy="351360"/>
+          </a:xfrm>
+          <a:prstGeom prst="rect">
+            <a:avLst/>
+          </a:prstGeom>
+          <a:noFill/>
+          <a:ln>
+            <a:noFill/>
+          </a:ln>
+        </p:spPr>
+        <p:txBody>
+          <a:bodyPr spcFirstLastPara="1" wrap="square" lIns="91422" tIns="91422" rIns="91422" bIns="91422" anchor="ctr" anchorCtr="0">
+            <a:noAutofit/>
+          </a:bodyPr>
+          <a:lstStyle/>
+          <a:p>
+            <a:pPr marL="0" lvl="0" indent="0" algn="l">
+              <a:spcBef>
+                <a:spcPts val="0"/>
+              </a:spcBef>
+              <a:spcAft>
+                <a:spcPts val="0"/>
+              </a:spcAft>
+              <a:buNone/>
+              <a:defRPr/>
+            </a:pPr>
+            <a:endParaRPr/>
+          </a:p>
+        </p:txBody>
+      </p:sp>
+      <p:sp>
+        <p:nvSpPr>
+          <p:cNvPr id="6" name="Google Shape;269;p55" hidden="0"/>
+          <p:cNvSpPr/>
+          <p:nvPr isPhoto="0" userDrawn="0"/>
+        </p:nvSpPr>
+        <p:spPr bwMode="auto">
+          <a:xfrm>
+            <a:off x="84240" y="6402240"/>
+            <a:ext cx="640440" cy="363960"/>
+          </a:xfrm>
+          <a:prstGeom prst="rect">
+            <a:avLst/>
+          </a:prstGeom>
+          <a:noFill/>
+          <a:ln>
+            <a:noFill/>
+          </a:ln>
+        </p:spPr>
+        <p:txBody>
+          <a:bodyPr spcFirstLastPara="1" wrap="square" lIns="90000" tIns="45000" rIns="90000" bIns="45000" anchor="ctr" anchorCtr="0">
+            <a:noAutofit/>
+          </a:bodyPr>
+          <a:lstStyle/>
+          <a:p>
+            <a:pPr marL="0" marR="0" lvl="0" indent="0" algn="r">
+              <a:lnSpc>
+                <a:spcPct val="100000"/>
+              </a:lnSpc>
+              <a:spcBef>
+                <a:spcPts val="0"/>
+              </a:spcBef>
+              <a:spcAft>
+                <a:spcPts val="0"/>
+              </a:spcAft>
+              <a:buNone/>
+              <a:defRPr/>
+            </a:pPr>
+            <a:fld id="{A3D99579-7D0E-CF2D-A2BA-826995344CCA}" type="slidenum">
+              <a:rPr lang="pt-BR" sz="1000" b="0" i="0" u="none" strike="noStrike" cap="none">
+                <a:solidFill>
+                  <a:srgbClr val="B2B2B2"/>
+                </a:solidFill>
+                <a:latin typeface="Verdana"/>
+                <a:ea typeface="Verdana"/>
+                <a:cs typeface="Verdana"/>
+              </a:rPr>
+              <a:t/>
+            </a:fld>
+            <a:endParaRPr sz="1000" b="0" i="0" u="none" strike="noStrike" cap="none">
+              <a:solidFill>
+                <a:schemeClr val="dk1"/>
+              </a:solidFill>
+              <a:latin typeface="Arial"/>
+              <a:ea typeface="Arial"/>
+              <a:cs typeface="Arial"/>
+            </a:endParaRPr>
+          </a:p>
+        </p:txBody>
+      </p:sp>
+      <p:sp>
+        <p:nvSpPr>
+          <p:cNvPr id="7" name="Google Shape;270;p55" hidden="0"/>
+          <p:cNvSpPr>
+            <a:spLocks noAdjustHandles="0" noChangeArrowheads="0"/>
+          </p:cNvSpPr>
+          <p:nvPr isPhoto="0" userDrawn="0"/>
+        </p:nvSpPr>
+        <p:spPr bwMode="auto">
+          <a:xfrm flipH="0" flipV="0">
+            <a:off x="309226" y="1588485"/>
+            <a:ext cx="8704380" cy="4976427"/>
+          </a:xfrm>
+          <a:prstGeom prst="rect">
+            <a:avLst/>
+          </a:prstGeom>
+          <a:noFill/>
+          <a:ln>
+            <a:noFill/>
+          </a:ln>
+        </p:spPr>
+        <p:txBody>
+          <a:bodyPr spcFirstLastPara="1" wrap="square" lIns="91422" tIns="45695" rIns="91422" bIns="45695" anchor="t" anchorCtr="0">
+            <a:noAutofit/>
+          </a:bodyPr>
+          <a:lstStyle/>
+          <a:p>
+            <a:pPr>
+              <a:defRPr/>
+            </a:pPr>
+            <a:endParaRPr/>
+          </a:p>
+        </p:txBody>
+      </p:sp>
+      <p:pic>
+        <p:nvPicPr>
+          <p:cNvPr id="8" name="" hidden="0"/>
+          <p:cNvPicPr>
+            <a:picLocks noChangeAspect="1"/>
+          </p:cNvPicPr>
+          <p:nvPr isPhoto="0" userDrawn="0"/>
+        </p:nvPicPr>
+        <p:blipFill>
+          <a:blip r:embed="rId2"/>
+          <a:stretch/>
+        </p:blipFill>
+        <p:spPr bwMode="auto">
+          <a:xfrm flipH="0" flipV="0">
+            <a:off x="2323522" y="1919431"/>
+            <a:ext cx="3797045" cy="3797045"/>
+          </a:xfrm>
+          <a:prstGeom prst="rect">
+            <a:avLst/>
+          </a:prstGeom>
+        </p:spPr>
+      </p:pic>
+    </p:spTree>
+  </p:cSld>
+  <p:clrMapOvr>
+    <a:masterClrMapping/>
+  </p:clrMapOvr>
+  <mc:AlternateContent xmlns:mc="http://schemas.openxmlformats.org/markup-compatibility/2006">
+    <mc:Choice xmlns:p14="http://schemas.microsoft.com/office/powerpoint/2010/main" Requires="p14">
+      <p:transition p14:dur="2000" advClick="1"/>
+    </mc:Choice>
+    <mc:Fallback>
+      <p:transition advClick="1"/>
+    </mc:Fallback>
+  </mc:AlternateContent>
+</p:sld>
+</file>
+
+<file path=ppt/slides/slide26.xml><?xml version="1.0" encoding="utf-8"?>
+<p:sld xmlns:a="http://schemas.openxmlformats.org/drawingml/2006/main" xmlns:r="http://schemas.openxmlformats.org/officeDocument/2006/relationships" xmlns:p="http://schemas.openxmlformats.org/presentationml/2006/main" xmlns:m="http://schemas.openxmlformats.org/officeDocument/2006/math" xmlns:w="http://schemas.openxmlformats.org/wordprocessingml/2006/main" showMasterPhAnim="0" show="1">
+  <p:cSld name="">
+    <p:spTree>
+      <p:nvGrpSpPr>
+        <p:cNvPr id="1" name="" hidden="0"/>
+        <p:cNvGrpSpPr/>
+        <p:nvPr isPhoto="0" userDrawn="0"/>
+      </p:nvGrpSpPr>
+      <p:grpSpPr bwMode="auto">
+        <a:xfrm>
+          <a:off x="0" y="0"/>
+          <a:ext cx="0" cy="0"/>
+          <a:chOff x="0" y="0"/>
+          <a:chExt cx="0" cy="0"/>
+        </a:xfrm>
+      </p:grpSpPr>
+      <p:sp>
+        <p:nvSpPr>
+          <p:cNvPr id="4" name="Google Shape;267;p55" hidden="0"/>
+          <p:cNvSpPr/>
+          <p:nvPr isPhoto="0" userDrawn="0"/>
+        </p:nvSpPr>
+        <p:spPr bwMode="auto">
+          <a:xfrm>
+            <a:off x="457200" y="781200"/>
+            <a:ext cx="8228520" cy="618120"/>
+          </a:xfrm>
+          <a:prstGeom prst="rect">
+            <a:avLst/>
+          </a:prstGeom>
+          <a:noFill/>
+          <a:ln>
+            <a:noFill/>
+          </a:ln>
+        </p:spPr>
+        <p:txBody>
+          <a:bodyPr spcFirstLastPara="1" wrap="square" lIns="90000" tIns="45000" rIns="90000" bIns="45000" anchor="t" anchorCtr="0">
+            <a:noAutofit/>
+          </a:bodyPr>
+          <a:lstStyle/>
+          <a:p>
+            <a:pPr marL="0" marR="0" lvl="0" indent="0" algn="l">
+              <a:lnSpc>
+                <a:spcPct val="100000"/>
+              </a:lnSpc>
+              <a:spcBef>
+                <a:spcPts val="0"/>
+              </a:spcBef>
+              <a:spcAft>
+                <a:spcPts val="0"/>
+              </a:spcAft>
+              <a:buNone/>
+              <a:defRPr/>
+            </a:pPr>
+            <a:r>
+              <a:rPr lang="pt-BR" sz="3200" b="0" i="0" u="none" strike="noStrike" cap="none">
+                <a:solidFill>
+                  <a:srgbClr val="C00026"/>
+                </a:solidFill>
+                <a:latin typeface="Verdana"/>
+                <a:ea typeface="Verdana"/>
+                <a:cs typeface="Verdana"/>
+              </a:rPr>
+              <a:t>Projeto - Travelling Salesperson (TSP)</a:t>
+            </a:r>
+            <a:endParaRPr sz="3200" b="0" i="0" u="none" strike="noStrike" cap="none">
+              <a:solidFill>
+                <a:schemeClr val="dk1"/>
+              </a:solidFill>
+              <a:latin typeface="Arial"/>
+              <a:ea typeface="Arial"/>
+              <a:cs typeface="Arial"/>
+            </a:endParaRPr>
+          </a:p>
+        </p:txBody>
+      </p:sp>
+      <p:sp>
+        <p:nvSpPr>
+          <p:cNvPr id="5" name="Google Shape;268;p55" hidden="0"/>
+          <p:cNvSpPr/>
+          <p:nvPr isPhoto="0" userDrawn="0"/>
+        </p:nvSpPr>
+        <p:spPr bwMode="auto">
+          <a:xfrm>
+            <a:off x="162000" y="85680"/>
+            <a:ext cx="7228440" cy="351360"/>
+          </a:xfrm>
+          <a:prstGeom prst="rect">
+            <a:avLst/>
+          </a:prstGeom>
+          <a:noFill/>
+          <a:ln>
+            <a:noFill/>
+          </a:ln>
+        </p:spPr>
+        <p:txBody>
+          <a:bodyPr spcFirstLastPara="1" wrap="square" lIns="91422" tIns="91422" rIns="91422" bIns="91422" anchor="ctr" anchorCtr="0">
+            <a:noAutofit/>
+          </a:bodyPr>
+          <a:lstStyle/>
+          <a:p>
+            <a:pPr marL="0" lvl="0" indent="0" algn="l">
+              <a:spcBef>
+                <a:spcPts val="0"/>
+              </a:spcBef>
+              <a:spcAft>
+                <a:spcPts val="0"/>
+              </a:spcAft>
+              <a:buNone/>
+              <a:defRPr/>
+            </a:pPr>
+            <a:endParaRPr/>
+          </a:p>
+        </p:txBody>
+      </p:sp>
+      <p:sp>
+        <p:nvSpPr>
+          <p:cNvPr id="6" name="Google Shape;269;p55" hidden="0"/>
+          <p:cNvSpPr/>
+          <p:nvPr isPhoto="0" userDrawn="0"/>
+        </p:nvSpPr>
+        <p:spPr bwMode="auto">
+          <a:xfrm>
+            <a:off x="84240" y="6402240"/>
+            <a:ext cx="640440" cy="363960"/>
+          </a:xfrm>
+          <a:prstGeom prst="rect">
+            <a:avLst/>
+          </a:prstGeom>
+          <a:noFill/>
+          <a:ln>
+            <a:noFill/>
+          </a:ln>
+        </p:spPr>
+        <p:txBody>
+          <a:bodyPr spcFirstLastPara="1" wrap="square" lIns="90000" tIns="45000" rIns="90000" bIns="45000" anchor="ctr" anchorCtr="0">
+            <a:noAutofit/>
+          </a:bodyPr>
+          <a:lstStyle/>
+          <a:p>
+            <a:pPr marL="0" marR="0" lvl="0" indent="0" algn="r">
+              <a:lnSpc>
+                <a:spcPct val="100000"/>
+              </a:lnSpc>
+              <a:spcBef>
+                <a:spcPts val="0"/>
+              </a:spcBef>
+              <a:spcAft>
+                <a:spcPts val="0"/>
+              </a:spcAft>
+              <a:buNone/>
+              <a:defRPr/>
+            </a:pPr>
+            <a:fld id="{B5BE23F9-E0D8-1C6D-36CE-CF403638F720}" type="slidenum">
+              <a:rPr lang="pt-BR" sz="1000" b="0" i="0" u="none" strike="noStrike" cap="none">
+                <a:solidFill>
+                  <a:srgbClr val="B2B2B2"/>
+                </a:solidFill>
+                <a:latin typeface="Verdana"/>
+                <a:ea typeface="Verdana"/>
+                <a:cs typeface="Verdana"/>
+              </a:rPr>
+              <a:t/>
+            </a:fld>
+            <a:endParaRPr sz="1000" b="0" i="0" u="none" strike="noStrike" cap="none">
+              <a:solidFill>
+                <a:schemeClr val="dk1"/>
+              </a:solidFill>
+              <a:latin typeface="Arial"/>
+              <a:ea typeface="Arial"/>
+              <a:cs typeface="Arial"/>
+            </a:endParaRPr>
+          </a:p>
+        </p:txBody>
+      </p:sp>
+      <p:sp>
+        <p:nvSpPr>
+          <p:cNvPr id="7" name="Google Shape;270;p55" hidden="0"/>
+          <p:cNvSpPr>
+            <a:spLocks noAdjustHandles="0" noChangeArrowheads="0"/>
+          </p:cNvSpPr>
+          <p:nvPr isPhoto="0" userDrawn="0"/>
+        </p:nvSpPr>
+        <p:spPr bwMode="auto">
+          <a:xfrm flipH="0" flipV="0">
+            <a:off x="309226" y="1588485"/>
+            <a:ext cx="8704380" cy="4976427"/>
+          </a:xfrm>
+          <a:prstGeom prst="rect">
+            <a:avLst/>
+          </a:prstGeom>
+          <a:noFill/>
+          <a:ln>
+            <a:noFill/>
+          </a:ln>
+        </p:spPr>
+        <p:txBody>
+          <a:bodyPr spcFirstLastPara="1" wrap="square" lIns="91422" tIns="45695" rIns="91422" bIns="45695" anchor="t" anchorCtr="0">
+            <a:noAutofit/>
+          </a:bodyPr>
+          <a:lstStyle/>
+          <a:p>
+            <a:pPr>
+              <a:defRPr/>
+            </a:pPr>
+            <a:endParaRPr/>
+          </a:p>
+        </p:txBody>
+      </p:sp>
+      <p:sp>
+        <p:nvSpPr>
+          <p:cNvPr id="8" name="Google Shape;270;p55" hidden="0"/>
+          <p:cNvSpPr>
+            <a:spLocks noAdjustHandles="0" noChangeArrowheads="0"/>
+          </p:cNvSpPr>
+          <p:nvPr isPhoto="0" userDrawn="0"/>
+        </p:nvSpPr>
+        <p:spPr bwMode="auto">
+          <a:xfrm flipH="0" flipV="0">
+            <a:off x="309226" y="1588485"/>
+            <a:ext cx="8704380" cy="4976427"/>
+          </a:xfrm>
+          <a:prstGeom prst="rect">
+            <a:avLst/>
+          </a:prstGeom>
+          <a:noFill/>
+          <a:ln>
+            <a:noFill/>
+          </a:ln>
+        </p:spPr>
+        <p:txBody>
+          <a:bodyPr spcFirstLastPara="1" wrap="square" lIns="91422" tIns="45695" rIns="91422" bIns="45695" anchor="t" anchorCtr="0">
+            <a:noAutofit/>
+          </a:bodyPr>
+          <a:lstStyle/>
+          <a:p>
+            <a:pPr algn="l">
+              <a:defRPr/>
+            </a:pPr>
+            <a:endParaRPr sz="2400" b="1" u="sng">
+              <a:solidFill>
+                <a:schemeClr val="accent2"/>
+              </a:solidFill>
+            </a:endParaRPr>
+          </a:p>
+          <a:p>
+            <a:pPr algn="l">
+              <a:defRPr/>
+            </a:pPr>
+            <a:r>
+              <a:rPr sz="2400" b="0" u="none">
+                <a:solidFill>
+                  <a:schemeClr val="tx1"/>
+                </a:solidFill>
+              </a:rPr>
+              <a:t>Dadas N cidades, escolher um caminho fechado (tour) tal que</a:t>
+            </a:r>
+            <a:endParaRPr sz="2400" b="0" u="none">
+              <a:solidFill>
+                <a:schemeClr val="tx1"/>
+              </a:solidFill>
+            </a:endParaRPr>
+          </a:p>
+          <a:p>
+            <a:pPr algn="l">
+              <a:defRPr/>
+            </a:pPr>
+            <a:endParaRPr sz="2400" b="0" u="none">
+              <a:solidFill>
+                <a:schemeClr val="tx1"/>
+              </a:solidFill>
+            </a:endParaRPr>
+          </a:p>
+          <a:p>
+            <a:pPr algn="l">
+              <a:defRPr/>
+            </a:pPr>
+            <a:endParaRPr sz="2400" b="0" u="none">
+              <a:solidFill>
+                <a:schemeClr val="tx1"/>
+              </a:solidFill>
+            </a:endParaRPr>
+          </a:p>
+          <a:p>
+            <a:pPr marL="394021" indent="-394021" algn="l">
+              <a:lnSpc>
+                <a:spcPct val="150000"/>
+              </a:lnSpc>
+              <a:buFont typeface="Arial"/>
+              <a:buChar char="•"/>
+              <a:defRPr/>
+            </a:pPr>
+            <a:r>
+              <a:rPr sz="2400" b="0" u="none">
+                <a:solidFill>
+                  <a:schemeClr val="tx1"/>
+                </a:solidFill>
+              </a:rPr>
+              <a:t>cada cidade é visitada somente uma vez</a:t>
+            </a:r>
+            <a:endParaRPr sz="2400" b="0" u="none">
+              <a:solidFill>
+                <a:schemeClr val="tx1"/>
+              </a:solidFill>
+            </a:endParaRPr>
+          </a:p>
+          <a:p>
+            <a:pPr marL="394021" indent="-394021" algn="l">
+              <a:lnSpc>
+                <a:spcPct val="150000"/>
+              </a:lnSpc>
+              <a:buFont typeface="Arial"/>
+              <a:buChar char="•"/>
+              <a:defRPr/>
+            </a:pPr>
+            <a:r>
+              <a:rPr sz="2400" b="0" u="none">
+                <a:solidFill>
+                  <a:schemeClr val="tx1"/>
+                </a:solidFill>
+              </a:rPr>
+              <a:t>o caminho é o mais curto possível</a:t>
+            </a:r>
+            <a:endParaRPr sz="2400" b="0" u="none">
+              <a:solidFill>
+                <a:schemeClr val="tx1"/>
+              </a:solidFill>
+            </a:endParaRPr>
+          </a:p>
+          <a:p>
+            <a:pPr algn="l">
+              <a:lnSpc>
+                <a:spcPct val="150000"/>
+              </a:lnSpc>
+              <a:defRPr/>
+            </a:pPr>
+            <a:endParaRPr sz="2400" b="0" u="none">
+              <a:solidFill>
+                <a:schemeClr val="tx1"/>
+              </a:solidFill>
+            </a:endParaRPr>
+          </a:p>
+          <a:p>
+            <a:pPr algn="ctr">
+              <a:defRPr/>
+            </a:pPr>
+            <a:r>
+              <a:rPr sz="2800" b="1" u="none">
+                <a:solidFill>
+                  <a:srgbClr val="C00026"/>
+                </a:solidFill>
+              </a:rPr>
+              <a:t>Problema de otimização difícil</a:t>
+            </a:r>
+            <a:endParaRPr sz="2800" b="1" u="none">
+              <a:solidFill>
+                <a:srgbClr val="C00026"/>
+              </a:solidFill>
+            </a:endParaRPr>
+          </a:p>
+        </p:txBody>
+      </p:sp>
+    </p:spTree>
+  </p:cSld>
+  <p:clrMapOvr>
+    <a:masterClrMapping/>
+  </p:clrMapOvr>
+  <mc:AlternateContent xmlns:mc="http://schemas.openxmlformats.org/markup-compatibility/2006">
+    <mc:Choice xmlns:p14="http://schemas.microsoft.com/office/powerpoint/2010/main" Requires="p14">
+      <p:transition p14:dur="2000" advClick="1"/>
+    </mc:Choice>
+    <mc:Fallback>
+      <p:transition advClick="1"/>
+    </mc:Fallback>
+  </mc:AlternateContent>
+</p:sld>
+</file>
+
+<file path=ppt/slides/slide27.xml><?xml version="1.0" encoding="utf-8"?>
+<p:sld xmlns:a="http://schemas.openxmlformats.org/drawingml/2006/main" xmlns:r="http://schemas.openxmlformats.org/officeDocument/2006/relationships" xmlns:p="http://schemas.openxmlformats.org/presentationml/2006/main" xmlns:m="http://schemas.openxmlformats.org/officeDocument/2006/math" xmlns:w="http://schemas.openxmlformats.org/wordprocessingml/2006/main" showMasterPhAnim="0" show="1">
+  <p:cSld name="">
+    <p:spTree>
+      <p:nvGrpSpPr>
+        <p:cNvPr id="1" name="" hidden="0"/>
+        <p:cNvGrpSpPr/>
+        <p:nvPr isPhoto="0" userDrawn="0"/>
+      </p:nvGrpSpPr>
+      <p:grpSpPr bwMode="auto">
+        <a:xfrm>
+          <a:off x="0" y="0"/>
+          <a:ext cx="0" cy="0"/>
+          <a:chOff x="0" y="0"/>
+          <a:chExt cx="0" cy="0"/>
+        </a:xfrm>
+      </p:grpSpPr>
+      <p:sp>
+        <p:nvSpPr>
+          <p:cNvPr id="4" name="Google Shape;267;p55" hidden="0"/>
+          <p:cNvSpPr/>
+          <p:nvPr isPhoto="0" userDrawn="0"/>
+        </p:nvSpPr>
+        <p:spPr bwMode="auto">
+          <a:xfrm>
+            <a:off x="457200" y="781200"/>
+            <a:ext cx="8228520" cy="618120"/>
+          </a:xfrm>
+          <a:prstGeom prst="rect">
+            <a:avLst/>
+          </a:prstGeom>
+          <a:noFill/>
+          <a:ln>
+            <a:noFill/>
+          </a:ln>
+        </p:spPr>
+        <p:txBody>
+          <a:bodyPr spcFirstLastPara="1" wrap="square" lIns="90000" tIns="45000" rIns="90000" bIns="45000" anchor="t" anchorCtr="0">
+            <a:noAutofit/>
+          </a:bodyPr>
+          <a:lstStyle/>
+          <a:p>
+            <a:pPr marL="0" marR="0" lvl="0" indent="0" algn="l">
+              <a:lnSpc>
+                <a:spcPct val="100000"/>
+              </a:lnSpc>
+              <a:spcBef>
+                <a:spcPts val="0"/>
+              </a:spcBef>
+              <a:spcAft>
+                <a:spcPts val="0"/>
+              </a:spcAft>
+              <a:buNone/>
+              <a:defRPr/>
+            </a:pPr>
+            <a:r>
+              <a:rPr lang="pt-BR" sz="3200" b="0" i="0" u="none" strike="noStrike" cap="none">
+                <a:solidFill>
+                  <a:srgbClr val="C00026"/>
+                </a:solidFill>
+                <a:latin typeface="Verdana"/>
+                <a:ea typeface="Verdana"/>
+                <a:cs typeface="Verdana"/>
+              </a:rPr>
+              <a:t>Projeto - Travelling Salesperson (TSP)</a:t>
+            </a:r>
+            <a:endParaRPr sz="3200" b="0" i="0" u="none" strike="noStrike" cap="none">
+              <a:solidFill>
+                <a:schemeClr val="dk1"/>
+              </a:solidFill>
+              <a:latin typeface="Arial"/>
+              <a:ea typeface="Arial"/>
+              <a:cs typeface="Arial"/>
+            </a:endParaRPr>
+          </a:p>
+        </p:txBody>
+      </p:sp>
+      <p:sp>
+        <p:nvSpPr>
+          <p:cNvPr id="5" name="Google Shape;268;p55" hidden="0"/>
+          <p:cNvSpPr/>
+          <p:nvPr isPhoto="0" userDrawn="0"/>
+        </p:nvSpPr>
+        <p:spPr bwMode="auto">
+          <a:xfrm>
+            <a:off x="162000" y="85680"/>
+            <a:ext cx="7228440" cy="351360"/>
+          </a:xfrm>
+          <a:prstGeom prst="rect">
+            <a:avLst/>
+          </a:prstGeom>
+          <a:noFill/>
+          <a:ln>
+            <a:noFill/>
+          </a:ln>
+        </p:spPr>
+        <p:txBody>
+          <a:bodyPr spcFirstLastPara="1" wrap="square" lIns="91422" tIns="91422" rIns="91422" bIns="91422" anchor="ctr" anchorCtr="0">
+            <a:noAutofit/>
+          </a:bodyPr>
+          <a:lstStyle/>
+          <a:p>
+            <a:pPr marL="0" lvl="0" indent="0" algn="l">
+              <a:spcBef>
+                <a:spcPts val="0"/>
+              </a:spcBef>
+              <a:spcAft>
+                <a:spcPts val="0"/>
+              </a:spcAft>
+              <a:buNone/>
+              <a:defRPr/>
+            </a:pPr>
+            <a:endParaRPr/>
+          </a:p>
+        </p:txBody>
+      </p:sp>
+      <p:sp>
+        <p:nvSpPr>
+          <p:cNvPr id="6" name="Google Shape;269;p55" hidden="0"/>
+          <p:cNvSpPr/>
+          <p:nvPr isPhoto="0" userDrawn="0"/>
+        </p:nvSpPr>
+        <p:spPr bwMode="auto">
+          <a:xfrm>
+            <a:off x="84240" y="6402240"/>
+            <a:ext cx="640440" cy="363960"/>
+          </a:xfrm>
+          <a:prstGeom prst="rect">
+            <a:avLst/>
+          </a:prstGeom>
+          <a:noFill/>
+          <a:ln>
+            <a:noFill/>
+          </a:ln>
+        </p:spPr>
+        <p:txBody>
+          <a:bodyPr spcFirstLastPara="1" wrap="square" lIns="90000" tIns="45000" rIns="90000" bIns="45000" anchor="ctr" anchorCtr="0">
+            <a:noAutofit/>
+          </a:bodyPr>
+          <a:lstStyle/>
+          <a:p>
+            <a:pPr marL="0" marR="0" lvl="0" indent="0" algn="r">
+              <a:lnSpc>
+                <a:spcPct val="100000"/>
+              </a:lnSpc>
+              <a:spcBef>
+                <a:spcPts val="0"/>
+              </a:spcBef>
+              <a:spcAft>
+                <a:spcPts val="0"/>
+              </a:spcAft>
+              <a:buNone/>
+              <a:defRPr/>
+            </a:pPr>
+            <a:fld id="{9E4FE590-11FA-6D0E-3D5A-801B6F9BD2F0}" type="slidenum">
+              <a:rPr lang="pt-BR" sz="1000" b="0" i="0" u="none" strike="noStrike" cap="none">
+                <a:solidFill>
+                  <a:srgbClr val="B2B2B2"/>
+                </a:solidFill>
+                <a:latin typeface="Verdana"/>
+                <a:ea typeface="Verdana"/>
+                <a:cs typeface="Verdana"/>
+              </a:rPr>
+              <a:t/>
+            </a:fld>
+            <a:endParaRPr sz="1000" b="0" i="0" u="none" strike="noStrike" cap="none">
+              <a:solidFill>
+                <a:schemeClr val="dk1"/>
+              </a:solidFill>
+              <a:latin typeface="Arial"/>
+              <a:ea typeface="Arial"/>
+              <a:cs typeface="Arial"/>
+            </a:endParaRPr>
+          </a:p>
+        </p:txBody>
+      </p:sp>
+      <p:sp>
+        <p:nvSpPr>
+          <p:cNvPr id="7" name="Google Shape;270;p55" hidden="0"/>
+          <p:cNvSpPr>
+            <a:spLocks noAdjustHandles="0" noChangeArrowheads="0"/>
+          </p:cNvSpPr>
+          <p:nvPr isPhoto="0" userDrawn="0"/>
+        </p:nvSpPr>
+        <p:spPr bwMode="auto">
+          <a:xfrm flipH="0" flipV="0">
+            <a:off x="309226" y="1588485"/>
+            <a:ext cx="8704380" cy="4976427"/>
+          </a:xfrm>
+          <a:prstGeom prst="rect">
+            <a:avLst/>
+          </a:prstGeom>
+          <a:noFill/>
+          <a:ln>
+            <a:noFill/>
+          </a:ln>
+        </p:spPr>
+        <p:txBody>
+          <a:bodyPr spcFirstLastPara="1" wrap="square" lIns="91422" tIns="45695" rIns="91422" bIns="45695" anchor="t" anchorCtr="0">
+            <a:noAutofit/>
+          </a:bodyPr>
+          <a:lstStyle/>
+          <a:p>
+            <a:pPr>
+              <a:defRPr/>
+            </a:pPr>
+            <a:endParaRPr/>
+          </a:p>
+        </p:txBody>
+      </p:sp>
+      <p:sp>
+        <p:nvSpPr>
+          <p:cNvPr id="8" name="Google Shape;270;p55" hidden="0"/>
+          <p:cNvSpPr>
+            <a:spLocks noAdjustHandles="0" noChangeArrowheads="0"/>
+          </p:cNvSpPr>
+          <p:nvPr isPhoto="0" userDrawn="0"/>
+        </p:nvSpPr>
+        <p:spPr bwMode="auto">
+          <a:xfrm flipH="0" flipV="0">
+            <a:off x="309226" y="1588485"/>
+            <a:ext cx="8704380" cy="4976427"/>
+          </a:xfrm>
+          <a:prstGeom prst="rect">
+            <a:avLst/>
+          </a:prstGeom>
+          <a:noFill/>
+          <a:ln>
+            <a:noFill/>
+          </a:ln>
+        </p:spPr>
+        <p:txBody>
+          <a:bodyPr spcFirstLastPara="1" wrap="square" lIns="91422" tIns="45695" rIns="91422" bIns="45695" anchor="t" anchorCtr="0">
+            <a:noAutofit/>
+          </a:bodyPr>
+          <a:lstStyle/>
+          <a:p>
+            <a:pPr algn="l">
+              <a:defRPr/>
+            </a:pPr>
+            <a:endParaRPr sz="2400" b="1" u="sng">
+              <a:solidFill>
+                <a:schemeClr val="accent2"/>
+              </a:solidFill>
+            </a:endParaRPr>
+          </a:p>
+          <a:p>
+            <a:pPr algn="l">
+              <a:defRPr/>
+            </a:pPr>
+            <a:r>
+              <a:rPr sz="2400" b="0" u="none">
+                <a:solidFill>
+                  <a:schemeClr val="tx1"/>
+                </a:solidFill>
+              </a:rPr>
+              <a:t>Teremos três grandes partes no projeto</a:t>
+            </a:r>
+            <a:endParaRPr sz="2400" b="0" u="none">
+              <a:solidFill>
+                <a:schemeClr val="tx1"/>
+              </a:solidFill>
+            </a:endParaRPr>
+          </a:p>
+          <a:p>
+            <a:pPr algn="l">
+              <a:defRPr/>
+            </a:pPr>
+            <a:endParaRPr sz="2400" b="0" u="none">
+              <a:solidFill>
+                <a:schemeClr val="tx1"/>
+              </a:solidFill>
+            </a:endParaRPr>
+          </a:p>
+          <a:p>
+            <a:pPr marL="394021" indent="-394021" algn="l">
+              <a:lnSpc>
+                <a:spcPct val="150000"/>
+              </a:lnSpc>
+              <a:buFont typeface="Arial"/>
+              <a:buChar char="•"/>
+              <a:defRPr/>
+            </a:pPr>
+            <a:r>
+              <a:rPr sz="2400" b="0" u="none">
+                <a:solidFill>
+                  <a:schemeClr val="tx1"/>
+                </a:solidFill>
+              </a:rPr>
+              <a:t>algoritmos</a:t>
+            </a:r>
+            <a:endParaRPr sz="2400" b="0" u="none">
+              <a:solidFill>
+                <a:schemeClr val="tx1"/>
+              </a:solidFill>
+            </a:endParaRPr>
+          </a:p>
+          <a:p>
+            <a:pPr marL="394021" indent="-394021" algn="l">
+              <a:lnSpc>
+                <a:spcPct val="150000"/>
+              </a:lnSpc>
+              <a:buFont typeface="Arial"/>
+              <a:buChar char="•"/>
+              <a:defRPr/>
+            </a:pPr>
+            <a:r>
+              <a:rPr sz="2400" b="0" u="none">
+                <a:solidFill>
+                  <a:schemeClr val="tx1"/>
+                </a:solidFill>
+              </a:rPr>
+              <a:t>análise de desempenho</a:t>
+            </a:r>
+            <a:endParaRPr sz="2400" b="0" u="none">
+              <a:solidFill>
+                <a:schemeClr val="tx1"/>
+              </a:solidFill>
+            </a:endParaRPr>
+          </a:p>
+          <a:p>
+            <a:pPr marL="394021" indent="-394021" algn="l">
+              <a:lnSpc>
+                <a:spcPct val="150000"/>
+              </a:lnSpc>
+              <a:buFont typeface="Arial"/>
+              <a:buChar char="•"/>
+              <a:defRPr/>
+            </a:pPr>
+            <a:r>
+              <a:rPr sz="2400" b="0" u="none">
+                <a:solidFill>
+                  <a:schemeClr val="tx1"/>
+                </a:solidFill>
+              </a:rPr>
+              <a:t>paralelismo</a:t>
+            </a:r>
+            <a:endParaRPr sz="2400" b="0" u="none">
+              <a:solidFill>
+                <a:schemeClr val="tx1"/>
+              </a:solidFill>
+            </a:endParaRPr>
+          </a:p>
+          <a:p>
+            <a:pPr marL="394021" indent="-394021" algn="l">
+              <a:lnSpc>
+                <a:spcPct val="150000"/>
+              </a:lnSpc>
+              <a:buFont typeface="Arial"/>
+              <a:buChar char="•"/>
+              <a:defRPr/>
+            </a:pPr>
+            <a:endParaRPr sz="2400" b="0" u="none">
+              <a:solidFill>
+                <a:schemeClr val="tx1"/>
+              </a:solidFill>
+            </a:endParaRPr>
+          </a:p>
+          <a:p>
+            <a:pPr algn="l">
+              <a:lnSpc>
+                <a:spcPct val="150000"/>
+              </a:lnSpc>
+              <a:defRPr/>
+            </a:pPr>
+            <a:r>
+              <a:rPr sz="2400" b="0" u="none">
+                <a:solidFill>
+                  <a:schemeClr val="tx1"/>
+                </a:solidFill>
+              </a:rPr>
+              <a:t>Toda parte será conectada com alguma aula, em que faremos discussões e fixaremos um prazo para os exercícios</a:t>
+            </a:r>
+            <a:endParaRPr sz="2400" b="0" u="none">
+              <a:solidFill>
+                <a:schemeClr val="tx1"/>
+              </a:solidFill>
+            </a:endParaRPr>
+          </a:p>
+          <a:p>
+            <a:pPr algn="l">
+              <a:lnSpc>
+                <a:spcPct val="150000"/>
+              </a:lnSpc>
+              <a:defRPr/>
+            </a:pPr>
+            <a:endParaRPr sz="2400" b="0" u="none">
+              <a:solidFill>
+                <a:schemeClr val="tx1"/>
+              </a:solidFill>
+            </a:endParaRPr>
+          </a:p>
+          <a:p>
+            <a:pPr algn="ctr">
+              <a:defRPr/>
+            </a:pPr>
+            <a:endParaRPr sz="2800" b="1" u="none">
+              <a:solidFill>
+                <a:srgbClr val="C00026"/>
+              </a:solidFill>
+            </a:endParaRPr>
+          </a:p>
+        </p:txBody>
+      </p:sp>
+    </p:spTree>
+  </p:cSld>
+  <p:clrMapOvr>
+    <a:masterClrMapping/>
+  </p:clrMapOvr>
+  <mc:AlternateContent xmlns:mc="http://schemas.openxmlformats.org/markup-compatibility/2006">
+    <mc:Choice xmlns:p14="http://schemas.microsoft.com/office/powerpoint/2010/main" Requires="p14">
+      <p:transition p14:dur="2000" advClick="1"/>
+    </mc:Choice>
+    <mc:Fallback>
+      <p:transition advClick="1"/>
+    </mc:Fallback>
+  </mc:AlternateContent>
+</p:sld>
+</file>
+
+<file path=ppt/slides/slide28.xml><?xml version="1.0" encoding="utf-8"?>
+<p:sld xmlns:a="http://schemas.openxmlformats.org/drawingml/2006/main" xmlns:r="http://schemas.openxmlformats.org/officeDocument/2006/relationships" xmlns:p="http://schemas.openxmlformats.org/presentationml/2006/main" xmlns:m="http://schemas.openxmlformats.org/officeDocument/2006/math" xmlns:w="http://schemas.openxmlformats.org/wordprocessingml/2006/main" showMasterPhAnim="0" show="1">
+  <p:cSld name="">
+    <p:spTree>
+      <p:nvGrpSpPr>
+        <p:cNvPr id="1" name="" hidden="0"/>
+        <p:cNvGrpSpPr/>
+        <p:nvPr isPhoto="0" userDrawn="0"/>
+      </p:nvGrpSpPr>
+      <p:grpSpPr bwMode="auto">
+        <a:xfrm>
+          <a:off x="0" y="0"/>
+          <a:ext cx="0" cy="0"/>
+          <a:chOff x="0" y="0"/>
+          <a:chExt cx="0" cy="0"/>
+        </a:xfrm>
+      </p:grpSpPr>
+      <p:sp>
+        <p:nvSpPr>
+          <p:cNvPr id="4" name="Google Shape;267;p55" hidden="0"/>
+          <p:cNvSpPr/>
+          <p:nvPr isPhoto="0" userDrawn="0"/>
+        </p:nvSpPr>
+        <p:spPr bwMode="auto">
+          <a:xfrm>
+            <a:off x="457200" y="781200"/>
+            <a:ext cx="8228520" cy="618120"/>
+          </a:xfrm>
+          <a:prstGeom prst="rect">
+            <a:avLst/>
+          </a:prstGeom>
+          <a:noFill/>
+          <a:ln>
+            <a:noFill/>
+          </a:ln>
+        </p:spPr>
+        <p:txBody>
+          <a:bodyPr spcFirstLastPara="1" wrap="square" lIns="90000" tIns="45000" rIns="90000" bIns="45000" anchor="t" anchorCtr="0">
+            <a:noAutofit/>
+          </a:bodyPr>
+          <a:lstStyle/>
+          <a:p>
+            <a:pPr marL="0" marR="0" lvl="0" indent="0" algn="l">
+              <a:lnSpc>
+                <a:spcPct val="100000"/>
+              </a:lnSpc>
+              <a:spcBef>
+                <a:spcPts val="0"/>
+              </a:spcBef>
+              <a:spcAft>
+                <a:spcPts val="0"/>
+              </a:spcAft>
+              <a:buNone/>
+              <a:defRPr/>
+            </a:pPr>
+            <a:r>
+              <a:rPr lang="pt-BR" sz="3200" b="0" i="0" u="none" strike="noStrike" cap="none">
+                <a:solidFill>
+                  <a:srgbClr val="C00026"/>
+                </a:solidFill>
+                <a:latin typeface="Verdana"/>
+                <a:ea typeface="Verdana"/>
+                <a:cs typeface="Verdana"/>
+              </a:rPr>
+              <a:t>Projeto - Travelling Salesperson (TSP)</a:t>
+            </a:r>
+            <a:endParaRPr sz="3200" b="0" i="0" u="none" strike="noStrike" cap="none">
+              <a:solidFill>
+                <a:schemeClr val="dk1"/>
+              </a:solidFill>
+              <a:latin typeface="Arial"/>
+              <a:ea typeface="Arial"/>
+              <a:cs typeface="Arial"/>
+            </a:endParaRPr>
+          </a:p>
+        </p:txBody>
+      </p:sp>
+      <p:sp>
+        <p:nvSpPr>
+          <p:cNvPr id="5" name="Google Shape;268;p55" hidden="0"/>
+          <p:cNvSpPr/>
+          <p:nvPr isPhoto="0" userDrawn="0"/>
+        </p:nvSpPr>
+        <p:spPr bwMode="auto">
+          <a:xfrm>
+            <a:off x="162000" y="85680"/>
+            <a:ext cx="7228440" cy="351360"/>
+          </a:xfrm>
+          <a:prstGeom prst="rect">
+            <a:avLst/>
+          </a:prstGeom>
+          <a:noFill/>
+          <a:ln>
+            <a:noFill/>
+          </a:ln>
+        </p:spPr>
+        <p:txBody>
+          <a:bodyPr spcFirstLastPara="1" wrap="square" lIns="91422" tIns="91422" rIns="91422" bIns="91422" anchor="ctr" anchorCtr="0">
+            <a:noAutofit/>
+          </a:bodyPr>
+          <a:lstStyle/>
+          <a:p>
+            <a:pPr marL="0" lvl="0" indent="0" algn="l">
+              <a:spcBef>
+                <a:spcPts val="0"/>
+              </a:spcBef>
+              <a:spcAft>
+                <a:spcPts val="0"/>
+              </a:spcAft>
+              <a:buNone/>
+              <a:defRPr/>
+            </a:pPr>
+            <a:endParaRPr/>
+          </a:p>
+        </p:txBody>
+      </p:sp>
+      <p:sp>
+        <p:nvSpPr>
+          <p:cNvPr id="6" name="Google Shape;269;p55" hidden="0"/>
+          <p:cNvSpPr/>
+          <p:nvPr isPhoto="0" userDrawn="0"/>
+        </p:nvSpPr>
+        <p:spPr bwMode="auto">
+          <a:xfrm>
+            <a:off x="84240" y="6402240"/>
+            <a:ext cx="640440" cy="363960"/>
+          </a:xfrm>
+          <a:prstGeom prst="rect">
+            <a:avLst/>
+          </a:prstGeom>
+          <a:noFill/>
+          <a:ln>
+            <a:noFill/>
+          </a:ln>
+        </p:spPr>
+        <p:txBody>
+          <a:bodyPr spcFirstLastPara="1" wrap="square" lIns="90000" tIns="45000" rIns="90000" bIns="45000" anchor="ctr" anchorCtr="0">
+            <a:noAutofit/>
+          </a:bodyPr>
+          <a:lstStyle/>
+          <a:p>
+            <a:pPr marL="0" marR="0" lvl="0" indent="0" algn="r">
+              <a:lnSpc>
+                <a:spcPct val="100000"/>
+              </a:lnSpc>
+              <a:spcBef>
+                <a:spcPts val="0"/>
+              </a:spcBef>
+              <a:spcAft>
+                <a:spcPts val="0"/>
+              </a:spcAft>
+              <a:buNone/>
+              <a:defRPr/>
+            </a:pPr>
+            <a:fld id="{18393B96-D236-0CF2-FF85-82FF17724159}" type="slidenum">
+              <a:rPr lang="pt-BR" sz="1000" b="0" i="0" u="none" strike="noStrike" cap="none">
+                <a:solidFill>
+                  <a:srgbClr val="B2B2B2"/>
+                </a:solidFill>
+                <a:latin typeface="Verdana"/>
+                <a:ea typeface="Verdana"/>
+                <a:cs typeface="Verdana"/>
+              </a:rPr>
+              <a:t/>
+            </a:fld>
+            <a:endParaRPr sz="1000" b="0" i="0" u="none" strike="noStrike" cap="none">
+              <a:solidFill>
+                <a:schemeClr val="dk1"/>
+              </a:solidFill>
+              <a:latin typeface="Arial"/>
+              <a:ea typeface="Arial"/>
+              <a:cs typeface="Arial"/>
+            </a:endParaRPr>
+          </a:p>
+        </p:txBody>
+      </p:sp>
+      <p:sp>
+        <p:nvSpPr>
+          <p:cNvPr id="7" name="Google Shape;270;p55" hidden="0"/>
+          <p:cNvSpPr>
+            <a:spLocks noAdjustHandles="0" noChangeArrowheads="0"/>
+          </p:cNvSpPr>
+          <p:nvPr isPhoto="0" userDrawn="0"/>
+        </p:nvSpPr>
+        <p:spPr bwMode="auto">
+          <a:xfrm flipH="0" flipV="0">
+            <a:off x="309226" y="1588485"/>
+            <a:ext cx="8704380" cy="4976427"/>
+          </a:xfrm>
+          <a:prstGeom prst="rect">
+            <a:avLst/>
+          </a:prstGeom>
+          <a:noFill/>
+          <a:ln>
+            <a:noFill/>
+          </a:ln>
+        </p:spPr>
+        <p:txBody>
+          <a:bodyPr spcFirstLastPara="1" wrap="square" lIns="91422" tIns="45695" rIns="91422" bIns="45695" anchor="t" anchorCtr="0">
+            <a:noAutofit/>
+          </a:bodyPr>
+          <a:lstStyle/>
+          <a:p>
+            <a:pPr>
+              <a:defRPr/>
+            </a:pPr>
+            <a:endParaRPr/>
+          </a:p>
+        </p:txBody>
+      </p:sp>
+      <p:sp>
+        <p:nvSpPr>
+          <p:cNvPr id="8" name="Google Shape;270;p55" hidden="0"/>
+          <p:cNvSpPr>
+            <a:spLocks noAdjustHandles="0" noChangeArrowheads="0"/>
+          </p:cNvSpPr>
+          <p:nvPr isPhoto="0" userDrawn="0"/>
+        </p:nvSpPr>
+        <p:spPr bwMode="auto">
+          <a:xfrm flipH="0" flipV="0">
+            <a:off x="309226" y="1588485"/>
+            <a:ext cx="8704380" cy="4976427"/>
+          </a:xfrm>
+          <a:prstGeom prst="rect">
+            <a:avLst/>
+          </a:prstGeom>
+          <a:noFill/>
+          <a:ln>
+            <a:noFill/>
+          </a:ln>
+        </p:spPr>
+        <p:txBody>
+          <a:bodyPr spcFirstLastPara="1" vertOverflow="overflow" horzOverflow="clip" vert="horz" wrap="square" lIns="91422" tIns="45695" rIns="91422" bIns="45695" numCol="1" spcCol="0" rtlCol="0" fromWordArt="0" anchor="ctr" anchorCtr="0" forceAA="0" upright="0" compatLnSpc="0">
+            <a:noAutofit/>
+          </a:bodyPr>
+          <a:lstStyle/>
+          <a:p>
+            <a:pPr algn="ctr">
+              <a:defRPr/>
+            </a:pPr>
+            <a:r>
+              <a:rPr lang="en-US" sz="2400" b="1" i="0" u="sng" strike="noStrike" cap="none" spc="0">
+                <a:solidFill>
+                  <a:schemeClr val="accent2"/>
+                </a:solidFill>
+                <a:latin typeface="Arial"/>
+                <a:ea typeface="Arial"/>
+                <a:cs typeface="Arial"/>
+              </a:rPr>
+              <a:t>https://insper.github.io/supercomp/projetos/</a:t>
+            </a:r>
+            <a:endParaRPr sz="2400" b="1" u="sng">
+              <a:solidFill>
+                <a:schemeClr val="accent2"/>
+              </a:solidFill>
+            </a:endParaRPr>
+          </a:p>
+        </p:txBody>
+      </p:sp>
+    </p:spTree>
+  </p:cSld>
+  <p:clrMapOvr>
+    <a:masterClrMapping/>
+  </p:clrMapOvr>
+  <mc:AlternateContent xmlns:mc="http://schemas.openxmlformats.org/markup-compatibility/2006">
+    <mc:Choice xmlns:p14="http://schemas.microsoft.com/office/powerpoint/2010/main" Requires="p14">
+      <p:transition p14:dur="2000" advClick="1"/>
+    </mc:Choice>
+    <mc:Fallback>
+      <p:transition advClick="1"/>
+    </mc:Fallback>
+  </mc:AlternateContent>
+</p:sld>
+</file>
+
+<file path=ppt/slides/slide29.xml><?xml version="1.0" encoding="utf-8"?>
+<p:sld xmlns:a="http://schemas.openxmlformats.org/drawingml/2006/main" xmlns:r="http://schemas.openxmlformats.org/officeDocument/2006/relationships" xmlns:p="http://schemas.openxmlformats.org/presentationml/2006/main" xmlns:m="http://schemas.openxmlformats.org/officeDocument/2006/math" xmlns:w="http://schemas.openxmlformats.org/wordprocessingml/2006/main" showMasterPhAnim="0" show="1">
+  <p:cSld name="">
+    <p:bg>
+      <p:bgPr shadeToTitle="0">
+        <a:solidFill>
+          <a:srgbClr val="BA0E24"/>
+        </a:solidFill>
+      </p:bgPr>
+    </p:bg>
+    <p:spTree>
+      <p:nvGrpSpPr>
+        <p:cNvPr id="1" name="" hidden="0"/>
+        <p:cNvGrpSpPr/>
+        <p:nvPr isPhoto="0" userDrawn="0"/>
+      </p:nvGrpSpPr>
+      <p:grpSpPr bwMode="auto">
+        <a:xfrm>
+          <a:off x="0" y="0"/>
+          <a:ext cx="0" cy="0"/>
+          <a:chOff x="0" y="0"/>
+          <a:chExt cx="0" cy="0"/>
+        </a:xfrm>
+      </p:grpSpPr>
+      <p:sp>
+        <p:nvSpPr>
+          <p:cNvPr id="4" name="Google Shape;568;p34" hidden="0"/>
+          <p:cNvSpPr/>
+          <p:nvPr isPhoto="0" userDrawn="0"/>
+        </p:nvSpPr>
+        <p:spPr bwMode="auto">
+          <a:xfrm>
+            <a:off x="0" y="0"/>
+            <a:ext cx="9143280" cy="6857280"/>
+          </a:xfrm>
+          <a:prstGeom prst="rect">
+            <a:avLst/>
+          </a:prstGeom>
+          <a:solidFill>
+            <a:srgbClr val="BA0E24"/>
+          </a:solidFill>
+          <a:ln>
+            <a:noFill/>
+          </a:ln>
+          <a:effectLst>
+            <a:outerShdw dist="23040" dir="5400000">
+              <a:srgbClr val="000000">
+                <a:alpha val="34901"/>
+              </a:srgbClr>
+            </a:outerShdw>
+          </a:effectLst>
+        </p:spPr>
+        <p:txBody>
+          <a:bodyPr spcFirstLastPara="1" wrap="square" lIns="91425" tIns="91425" rIns="91425" bIns="91425" anchor="ctr" anchorCtr="0">
+            <a:noAutofit/>
+          </a:bodyPr>
+          <a:lstStyle/>
+          <a:p>
+            <a:pPr marL="0" lvl="0" indent="0" algn="l">
+              <a:spcBef>
+                <a:spcPts val="0"/>
+              </a:spcBef>
+              <a:spcAft>
+                <a:spcPts val="0"/>
+              </a:spcAft>
+              <a:buNone/>
+              <a:defRPr/>
+            </a:pPr>
+            <a:endParaRPr/>
+          </a:p>
+        </p:txBody>
+      </p:sp>
+      <p:sp>
+        <p:nvSpPr>
+          <p:cNvPr id="5" name="Google Shape;569;p34" hidden="0"/>
+          <p:cNvSpPr/>
+          <p:nvPr isPhoto="0" userDrawn="0"/>
+        </p:nvSpPr>
+        <p:spPr bwMode="auto">
+          <a:xfrm>
+            <a:off x="3026880" y="3636000"/>
+            <a:ext cx="3085560" cy="455760"/>
+          </a:xfrm>
+          <a:prstGeom prst="rect">
+            <a:avLst/>
+          </a:prstGeom>
+          <a:noFill/>
+          <a:ln>
+            <a:noFill/>
+          </a:ln>
+        </p:spPr>
+        <p:txBody>
+          <a:bodyPr spcFirstLastPara="1" wrap="square" lIns="90000" tIns="45000" rIns="90000" bIns="45000" anchor="t" anchorCtr="0">
+            <a:noAutofit/>
+          </a:bodyPr>
+          <a:lstStyle/>
+          <a:p>
+            <a:pPr marL="0" marR="0" lvl="0" indent="0" algn="ctr">
+              <a:lnSpc>
+                <a:spcPct val="100000"/>
+              </a:lnSpc>
+              <a:spcBef>
+                <a:spcPts val="0"/>
+              </a:spcBef>
+              <a:spcAft>
+                <a:spcPts val="0"/>
+              </a:spcAft>
+              <a:buNone/>
+              <a:defRPr/>
+            </a:pPr>
+            <a:r>
+              <a:rPr lang="pt-BR" sz="2400" b="0" i="0" u="none" strike="noStrike" cap="none">
+                <a:solidFill>
+                  <a:srgbClr val="FFFFFF"/>
+                </a:solidFill>
+                <a:latin typeface="Verdana"/>
+                <a:ea typeface="Verdana"/>
+                <a:cs typeface="Verdana"/>
+              </a:rPr>
+              <a:t>www.insper.edu.br</a:t>
+            </a:r>
+            <a:endParaRPr sz="2400" b="0" i="0" u="none" strike="noStrike" cap="none">
+              <a:latin typeface="Arial"/>
+              <a:ea typeface="Arial"/>
+              <a:cs typeface="Arial"/>
+            </a:endParaRPr>
+          </a:p>
+        </p:txBody>
+      </p:sp>
+      <p:pic>
+        <p:nvPicPr>
+          <p:cNvPr id="6" name="Google Shape;570;p34" hidden="0"/>
+          <p:cNvPicPr/>
+          <p:nvPr isPhoto="0" userDrawn="0"/>
+        </p:nvPicPr>
+        <p:blipFill>
+          <a:blip r:embed="rId2">
+            <a:alphaModFix/>
+          </a:blip>
+          <a:stretch/>
+        </p:blipFill>
+        <p:spPr bwMode="auto">
+          <a:xfrm>
+            <a:off x="3703320" y="2844720"/>
+            <a:ext cx="1732320" cy="611640"/>
+          </a:xfrm>
+          <a:prstGeom prst="rect">
+            <a:avLst/>
+          </a:prstGeom>
+          <a:noFill/>
+          <a:ln>
+            <a:noFill/>
+          </a:ln>
+        </p:spPr>
+      </p:pic>
     </p:spTree>
   </p:cSld>
   <p:clrMapOvr>
@@ -15694,7 +20134,7 @@
         </p:nvSpPr>
         <p:spPr bwMode="auto">
           <a:xfrm flipH="0" flipV="0">
-            <a:off x="309226" y="1588486"/>
+            <a:off x="309226" y="1588485"/>
             <a:ext cx="8704380" cy="4976427"/>
           </a:xfrm>
           <a:prstGeom prst="rect">
@@ -16061,7 +20501,7 @@
         </p:nvSpPr>
         <p:spPr bwMode="auto">
           <a:xfrm flipH="0" flipV="0">
-            <a:off x="309226" y="1588486"/>
+            <a:off x="309226" y="1588485"/>
             <a:ext cx="8704380" cy="4976427"/>
           </a:xfrm>
           <a:prstGeom prst="rect">
@@ -16507,7 +20947,7 @@
         </p:nvSpPr>
         <p:spPr bwMode="auto">
           <a:xfrm flipH="0" flipV="0">
-            <a:off x="309226" y="1588486"/>
+            <a:off x="309226" y="1588485"/>
             <a:ext cx="8704380" cy="4976427"/>
           </a:xfrm>
           <a:prstGeom prst="rect">
@@ -16953,7 +21393,7 @@
         </p:nvSpPr>
         <p:spPr bwMode="auto">
           <a:xfrm flipH="0" flipV="0">
-            <a:off x="309226" y="1588486"/>
+            <a:off x="309226" y="1588485"/>
             <a:ext cx="8704380" cy="4976427"/>
           </a:xfrm>
           <a:prstGeom prst="rect">
@@ -17131,7 +21571,7 @@
                 <a:ea typeface="Verdana"/>
                 <a:cs typeface="Verdana"/>
               </a:rPr>
-              <a:t>Heurística</a:t>
+              <a:t>A mochila binária</a:t>
             </a:r>
             <a:endParaRPr sz="3200" b="0" i="0" u="none" strike="noStrike" cap="none">
               <a:solidFill>
@@ -17221,7 +21661,7 @@
               <a:buNone/>
               <a:defRPr/>
             </a:pPr>
-            <a:fld id="{2AEA4DEC-F606-9A77-49F9-6F4328295D55}" type="slidenum">
+            <a:fld id="{3A049494-4AEC-56F1-76FF-3EB7D1EF3643}" type="slidenum">
               <a:rPr lang="pt-BR" sz="1000" b="0" i="0" u="none" strike="noStrike" cap="none">
                 <a:solidFill>
                   <a:srgbClr val="B2B2B2"/>
@@ -17253,8 +21693,8 @@
         </p:nvSpPr>
         <p:spPr bwMode="auto">
           <a:xfrm flipH="0" flipV="0">
-            <a:off x="309227" y="1588487"/>
-            <a:ext cx="8704381" cy="4976428"/>
+            <a:off x="309225" y="1588485"/>
+            <a:ext cx="8704379" cy="4976426"/>
           </a:xfrm>
           <a:prstGeom prst="rect">
             <a:avLst/>
@@ -17265,189 +21705,76 @@
           </a:ln>
         </p:spPr>
         <p:txBody>
-          <a:bodyPr spcFirstLastPara="1" wrap="square" lIns="91422" tIns="45696" rIns="91422" bIns="45696" anchor="t" anchorCtr="0">
+          <a:bodyPr spcFirstLastPara="1" wrap="square" lIns="91422" tIns="45694" rIns="91422" bIns="45694" anchor="t" anchorCtr="0">
             <a:noAutofit/>
           </a:bodyPr>
           <a:lstStyle/>
           <a:p>
-            <a:pPr algn="l">
-              <a:defRPr/>
-            </a:pPr>
-            <a:endParaRPr sz="2400" b="1" u="sng">
-              <a:solidFill>
-                <a:schemeClr val="accent2"/>
-              </a:solidFill>
-            </a:endParaRPr>
-          </a:p>
-          <a:p>
-            <a:pPr algn="l">
-              <a:defRPr/>
-            </a:pPr>
-            <a:endParaRPr sz="2400" b="1" u="sng">
-              <a:solidFill>
-                <a:schemeClr val="accent2"/>
-              </a:solidFill>
-            </a:endParaRPr>
-          </a:p>
-          <a:p>
-            <a:pPr algn="ctr">
+            <a:pPr>
+              <a:defRPr/>
+            </a:pPr>
+            <a:endParaRPr/>
+          </a:p>
+        </p:txBody>
+      </p:sp>
+      <p:pic>
+        <p:nvPicPr>
+          <p:cNvPr id="8" name="" hidden="0"/>
+          <p:cNvPicPr>
+            <a:picLocks noChangeAspect="1"/>
+          </p:cNvPicPr>
+          <p:nvPr isPhoto="0" userDrawn="0"/>
+        </p:nvPicPr>
+        <p:blipFill>
+          <a:blip r:embed="rId2"/>
+          <a:stretch/>
+        </p:blipFill>
+        <p:spPr bwMode="auto">
+          <a:xfrm>
+            <a:off x="2256885" y="1760115"/>
+            <a:ext cx="4629150" cy="4010024"/>
+          </a:xfrm>
+          <a:prstGeom prst="rect">
+            <a:avLst/>
+          </a:prstGeom>
+        </p:spPr>
+      </p:pic>
+      <p:sp>
+        <p:nvSpPr>
+          <p:cNvPr id="9" name="" hidden="0"/>
+          <p:cNvSpPr/>
+          <p:nvPr isPhoto="0" userDrawn="0"/>
+        </p:nvSpPr>
+        <p:spPr bwMode="auto">
+          <a:xfrm flipH="0" flipV="0">
+            <a:off x="530550" y="6262338"/>
+            <a:ext cx="8081817" cy="383973"/>
+          </a:xfrm>
+          <a:prstGeom prst="rect">
+            <a:avLst/>
+          </a:prstGeom>
+          <a:noFill/>
+        </p:spPr>
+        <p:txBody>
+          <a:bodyPr vertOverflow="overflow" horzOverflow="clip" vert="horz" wrap="square" lIns="91440" tIns="45720" rIns="91440" bIns="45720" numCol="1" spcCol="0" rtlCol="0" fromWordArt="0" anchor="t" anchorCtr="0" forceAA="0" upright="0" compatLnSpc="0">
+            <a:noAutofit/>
+          </a:bodyPr>
+          <a:p>
+            <a:pPr>
               <a:defRPr/>
             </a:pPr>
             <a:r>
-              <a:rPr sz="2800" b="0" u="none">
+              <a:rPr lang="en-US" sz="1400" b="0" i="0" u="none" strike="noStrike" cap="none" spc="0">
                 <a:solidFill>
-                  <a:schemeClr val="tx1"/>
+                  <a:srgbClr val="000000"/>
                 </a:solidFill>
+                <a:latin typeface="Arial"/>
+                <a:ea typeface="Arial"/>
+                <a:cs typeface="Arial"/>
               </a:rPr>
-              <a:t>"truque" usado para resolver um problema rapidamente</a:t>
+              <a:t>https://commons.wikimedia.org/wiki/File:Knapsack.svg</a:t>
             </a:r>
-            <a:endParaRPr sz="2800" b="0" u="none">
-              <a:solidFill>
-                <a:schemeClr val="tx1"/>
-              </a:solidFill>
-            </a:endParaRPr>
-          </a:p>
-          <a:p>
-            <a:pPr algn="ctr">
-              <a:defRPr/>
-            </a:pPr>
-            <a:endParaRPr sz="2800" b="1" u="sng">
-              <a:solidFill>
-                <a:schemeClr val="accent2">
-                  <a:lumMod val="75000"/>
-                </a:schemeClr>
-              </a:solidFill>
-            </a:endParaRPr>
-          </a:p>
-          <a:p>
-            <a:pPr algn="l">
-              <a:defRPr/>
-            </a:pPr>
-            <a:endParaRPr sz="2400" b="0" u="none">
-              <a:solidFill>
-                <a:schemeClr val="tx1"/>
-              </a:solidFill>
-            </a:endParaRPr>
-          </a:p>
-          <a:p>
-            <a:pPr algn="l">
-              <a:defRPr/>
-            </a:pPr>
-            <a:r>
-              <a:rPr sz="2400" b="0" u="none">
-                <a:solidFill>
-                  <a:schemeClr val="tx1"/>
-                </a:solidFill>
-              </a:rPr>
-              <a:t>Por velocidade, sacrificamos ao menos um entre</a:t>
-            </a:r>
-            <a:endParaRPr sz="2400" b="0" u="none">
-              <a:solidFill>
-                <a:schemeClr val="tx1"/>
-              </a:solidFill>
-            </a:endParaRPr>
-          </a:p>
-          <a:p>
-            <a:pPr algn="l">
-              <a:defRPr/>
-            </a:pPr>
-            <a:endParaRPr sz="2400" b="0" u="none">
-              <a:solidFill>
-                <a:schemeClr val="tx1"/>
-              </a:solidFill>
-            </a:endParaRPr>
-          </a:p>
-          <a:p>
-            <a:pPr marL="394022" indent="-394022" algn="l">
-              <a:buFont typeface="Arial"/>
-              <a:buChar char="•"/>
-              <a:defRPr/>
-            </a:pPr>
-            <a:r>
-              <a:rPr sz="2400" b="0" u="none">
-                <a:solidFill>
-                  <a:schemeClr val="tx1"/>
-                </a:solidFill>
-              </a:rPr>
-              <a:t>otimalidade</a:t>
-            </a:r>
-            <a:endParaRPr sz="2400" b="0" u="none">
-              <a:solidFill>
-                <a:schemeClr val="tx1"/>
-              </a:solidFill>
-            </a:endParaRPr>
-          </a:p>
-          <a:p>
-            <a:pPr marL="394022" indent="-394022" algn="l">
-              <a:buFont typeface="Arial"/>
-              <a:buChar char="•"/>
-              <a:defRPr/>
-            </a:pPr>
-            <a:r>
-              <a:rPr sz="2400" b="0" u="none">
-                <a:solidFill>
-                  <a:schemeClr val="tx1"/>
-                </a:solidFill>
-              </a:rPr>
-              <a:t>corretude</a:t>
-            </a:r>
-            <a:endParaRPr sz="2400" b="0" u="none">
-              <a:solidFill>
-                <a:schemeClr val="tx1"/>
-              </a:solidFill>
-            </a:endParaRPr>
-          </a:p>
-          <a:p>
-            <a:pPr marL="394021" indent="-394021" algn="l">
-              <a:buFont typeface="Arial"/>
-              <a:buChar char="•"/>
-              <a:defRPr/>
-            </a:pPr>
-            <a:r>
-              <a:rPr sz="2400" b="0" u="none">
-                <a:solidFill>
-                  <a:schemeClr val="tx1"/>
-                </a:solidFill>
-              </a:rPr>
-              <a:t>precisão</a:t>
-            </a:r>
-            <a:endParaRPr sz="2400" b="0" u="none">
-              <a:solidFill>
-                <a:schemeClr val="tx1"/>
-              </a:solidFill>
-            </a:endParaRPr>
-          </a:p>
-          <a:p>
-            <a:pPr marL="394021" indent="-394021" algn="l">
-              <a:buFont typeface="Arial"/>
-              <a:buChar char="•"/>
-              <a:defRPr/>
-            </a:pPr>
-            <a:r>
-              <a:rPr sz="2400" b="0" u="none">
-                <a:solidFill>
-                  <a:schemeClr val="tx1"/>
-                </a:solidFill>
-              </a:rPr>
-              <a:t>exatidão</a:t>
-            </a:r>
-            <a:endParaRPr sz="2400" b="0" u="none">
-              <a:solidFill>
-                <a:schemeClr val="tx1"/>
-              </a:solidFill>
-            </a:endParaRPr>
-          </a:p>
-          <a:p>
-            <a:pPr marL="394022" indent="-394022" algn="l">
-              <a:buFont typeface="Arial"/>
-              <a:buChar char="•"/>
-              <a:defRPr/>
-            </a:pPr>
-            <a:endParaRPr sz="2800" b="0" u="none">
-              <a:solidFill>
-                <a:schemeClr val="tx1"/>
-              </a:solidFill>
-            </a:endParaRPr>
+            <a:endParaRPr/>
           </a:p>
         </p:txBody>
       </p:sp>
@@ -17531,7 +21858,7 @@
                 <a:ea typeface="Verdana"/>
                 <a:cs typeface="Verdana"/>
               </a:rPr>
-              <a:t>Heurística</a:t>
+              <a:t>A mochila binária</a:t>
             </a:r>
             <a:endParaRPr sz="3200" b="0" i="0" u="none" strike="noStrike" cap="none">
               <a:solidFill>
@@ -17621,7 +21948,7 @@
               <a:buNone/>
               <a:defRPr/>
             </a:pPr>
-            <a:fld id="{0794FB39-318C-1CD7-7800-512E9AA2BF95}" type="slidenum">
+            <a:fld id="{0EF8BBFC-7C06-91DC-40E9-5D326DD73940}" type="slidenum">
               <a:rPr lang="pt-BR" sz="1000" b="0" i="0" u="none" strike="noStrike" cap="none">
                 <a:solidFill>
                   <a:srgbClr val="B2B2B2"/>
@@ -17653,8 +21980,8 @@
         </p:nvSpPr>
         <p:spPr bwMode="auto">
           <a:xfrm flipH="0" flipV="0">
-            <a:off x="309226" y="1588486"/>
-            <a:ext cx="8704380" cy="4976427"/>
+            <a:off x="309225" y="1588485"/>
+            <a:ext cx="8704379" cy="4976426"/>
           </a:xfrm>
           <a:prstGeom prst="rect">
             <a:avLst/>
@@ -17665,158 +21992,128 @@
           </a:ln>
         </p:spPr>
         <p:txBody>
-          <a:bodyPr spcFirstLastPara="1" wrap="square" lIns="91422" tIns="45695" rIns="91422" bIns="45695" anchor="t" anchorCtr="0">
+          <a:bodyPr spcFirstLastPara="1" wrap="square" lIns="91422" tIns="45694" rIns="91422" bIns="45694" anchor="t" anchorCtr="0">
             <a:noAutofit/>
           </a:bodyPr>
           <a:lstStyle/>
           <a:p>
-            <a:pPr algn="l">
-              <a:defRPr/>
-            </a:pPr>
-            <a:endParaRPr sz="2400" b="1" u="sng">
-              <a:solidFill>
-                <a:schemeClr val="accent2"/>
-              </a:solidFill>
-            </a:endParaRPr>
-          </a:p>
-          <a:p>
-            <a:pPr algn="l">
-              <a:defRPr/>
-            </a:pPr>
-            <a:endParaRPr sz="2400" b="1" u="sng">
-              <a:solidFill>
-                <a:schemeClr val="accent2"/>
-              </a:solidFill>
-            </a:endParaRPr>
-          </a:p>
-          <a:p>
-            <a:pPr algn="ctr">
+            <a:pPr>
               <a:defRPr/>
             </a:pPr>
             <a:r>
-              <a:rPr sz="2800" b="0" u="none">
-                <a:solidFill>
-                  <a:schemeClr val="tx1"/>
-                </a:solidFill>
-              </a:rPr>
-              <a:t>"truque" usado para resolver um problema rapidamente</a:t>
+              <a:rPr sz="2400"/>
+              <a:t>Quais escolhas podem ser feitas?</a:t>
             </a:r>
-            <a:endParaRPr sz="2800" b="0" u="none">
-              <a:solidFill>
-                <a:schemeClr val="tx1"/>
-              </a:solidFill>
-            </a:endParaRPr>
-          </a:p>
-          <a:p>
-            <a:pPr algn="ctr">
-              <a:defRPr/>
-            </a:pPr>
-            <a:endParaRPr sz="2800" b="1" u="sng">
-              <a:solidFill>
-                <a:schemeClr val="accent2">
-                  <a:lumMod val="75000"/>
-                </a:schemeClr>
-              </a:solidFill>
-            </a:endParaRPr>
-          </a:p>
-          <a:p>
-            <a:pPr algn="l">
-              <a:defRPr/>
-            </a:pPr>
-            <a:endParaRPr sz="2400" b="0" u="none">
-              <a:solidFill>
-                <a:schemeClr val="tx1"/>
-              </a:solidFill>
-            </a:endParaRPr>
-          </a:p>
-          <a:p>
-            <a:pPr algn="l">
-              <a:defRPr/>
-            </a:pPr>
-            <a:r>
-              <a:rPr sz="2400" b="0" u="none">
-                <a:solidFill>
-                  <a:schemeClr val="tx1"/>
-                </a:solidFill>
-              </a:rPr>
-              <a:t>Ainda assim, uma boa heurística é suficiente para obter resultados aproximados ou ganhos de curto prazo.</a:t>
-            </a:r>
-            <a:endParaRPr sz="2400" b="0" u="none">
-              <a:solidFill>
-                <a:schemeClr val="tx1"/>
-              </a:solidFill>
-            </a:endParaRPr>
-          </a:p>
-          <a:p>
-            <a:pPr algn="l">
-              <a:defRPr/>
-            </a:pPr>
-            <a:endParaRPr sz="2400" b="0" u="none">
-              <a:solidFill>
-                <a:schemeClr val="tx1"/>
-              </a:solidFill>
-            </a:endParaRPr>
-          </a:p>
-          <a:p>
-            <a:pPr marL="349965" indent="-349965" algn="l">
-              <a:lnSpc>
-                <a:spcPct val="150000"/>
-              </a:lnSpc>
+            <a:endParaRPr sz="2400"/>
+          </a:p>
+          <a:p>
+            <a:pPr marL="750015" lvl="1" indent="-349965">
               <a:buFont typeface="Arial"/>
               <a:buChar char="•"/>
               <a:defRPr/>
             </a:pPr>
+            <a:endParaRPr sz="2000"/>
+          </a:p>
+          <a:p>
+            <a:pPr>
+              <a:defRPr/>
+            </a:pPr>
+            <a:endParaRPr/>
+          </a:p>
+          <a:p>
+            <a:pPr>
+              <a:defRPr/>
+            </a:pPr>
+            <a:endParaRPr/>
+          </a:p>
+          <a:p>
+            <a:pPr>
+              <a:defRPr/>
+            </a:pPr>
+            <a:endParaRPr/>
+          </a:p>
+          <a:p>
+            <a:pPr>
+              <a:defRPr/>
+            </a:pPr>
             <a:r>
-              <a:rPr sz="2400" b="0" u="none">
-                <a:solidFill>
-                  <a:schemeClr val="tx1"/>
-                </a:solidFill>
-              </a:rPr>
-              <a:t>explorar alguma propriedade do problema</a:t>
+              <a:rPr sz="2400"/>
+              <a:t>Qual é </a:t>
             </a:r>
-            <a:endParaRPr sz="2400" b="0" u="none">
-              <a:solidFill>
-                <a:schemeClr val="tx1"/>
-              </a:solidFill>
-            </a:endParaRPr>
-          </a:p>
-          <a:p>
-            <a:pPr marL="349965" indent="-349965" algn="l">
-              <a:lnSpc>
-                <a:spcPct val="150000"/>
-              </a:lnSpc>
+            <a:r>
+              <a:rPr sz="2400"/>
+              <a:t>a função objetivo?</a:t>
+            </a:r>
+            <a:endParaRPr sz="2400"/>
+          </a:p>
+          <a:p>
+            <a:pPr marL="639871" lvl="1" indent="-239821">
               <a:buFont typeface="Arial"/>
               <a:buChar char="•"/>
               <a:defRPr/>
             </a:pPr>
+            <a:endParaRPr/>
+          </a:p>
+          <a:p>
+            <a:pPr>
+              <a:defRPr/>
+            </a:pPr>
+            <a:endParaRPr/>
+          </a:p>
+          <a:p>
+            <a:pPr>
+              <a:defRPr/>
+            </a:pPr>
+            <a:endParaRPr sz="2400"/>
+          </a:p>
+          <a:p>
+            <a:pPr>
+              <a:defRPr/>
+            </a:pPr>
+            <a:endParaRPr sz="2400"/>
+          </a:p>
+          <a:p>
+            <a:pPr>
+              <a:defRPr/>
+            </a:pPr>
             <a:r>
-              <a:rPr sz="2400" b="0" u="none">
-                <a:solidFill>
-                  <a:schemeClr val="tx1"/>
-                </a:solidFill>
-              </a:rPr>
-              <a:t>dividir em partes menores que podem ser resolvidas rapidamente e combinar os resultados</a:t>
+              <a:rPr sz="2400"/>
+              <a:t>Quais são as restrições?</a:t>
             </a:r>
-            <a:endParaRPr sz="2400" b="0" u="none">
-              <a:solidFill>
-                <a:schemeClr val="tx1"/>
-              </a:solidFill>
-            </a:endParaRPr>
-          </a:p>
-          <a:p>
-            <a:pPr marL="394021" indent="-394021" algn="l">
+            <a:endParaRPr sz="2400"/>
+          </a:p>
+          <a:p>
+            <a:pPr marL="750015" lvl="1" indent="-349965">
               <a:buFont typeface="Arial"/>
               <a:buChar char="•"/>
               <a:defRPr/>
             </a:pPr>
-            <a:endParaRPr sz="2800" b="0" u="none">
-              <a:solidFill>
-                <a:schemeClr val="tx1"/>
-              </a:solidFill>
-            </a:endParaRPr>
+            <a:endParaRPr/>
           </a:p>
         </p:txBody>
       </p:sp>
+      <p:pic>
+        <p:nvPicPr>
+          <p:cNvPr id="8" name="" hidden="0"/>
+          <p:cNvPicPr>
+            <a:picLocks noChangeAspect="1"/>
+          </p:cNvPicPr>
+          <p:nvPr isPhoto="0" userDrawn="0"/>
+        </p:nvPicPr>
+        <p:blipFill>
+          <a:blip r:embed="rId2"/>
+          <a:stretch/>
+        </p:blipFill>
+        <p:spPr bwMode="auto">
+          <a:xfrm flipH="0" flipV="0">
+            <a:off x="6239171" y="2178637"/>
+            <a:ext cx="2566294" cy="2223066"/>
+          </a:xfrm>
+          <a:prstGeom prst="rect">
+            <a:avLst/>
+          </a:prstGeom>
+        </p:spPr>
+      </p:pic>
     </p:spTree>
   </p:cSld>
   <p:clrMapOvr>
